--- a/Documenti/PROGETTO.pptx
+++ b/Documenti/PROGETTO.pptx
@@ -4426,7 +4426,7 @@
               <a:rPr lang="it-IT" sz="5000" b="1" dirty="0">
                 <a:latin typeface="+mn-lt"/>
               </a:rPr>
-              <a:t>METODO DOPO IL REFACTOR</a:t>
+              <a:t>METODO DOPO IL REFACTORING</a:t>
             </a:r>
           </a:p>
         </p:txBody>
@@ -5862,7 +5862,7 @@
         </p:spPr>
         <p:txBody>
           <a:bodyPr>
-            <a:normAutofit/>
+            <a:normAutofit fontScale="90000"/>
           </a:bodyPr>
           <a:lstStyle/>
           <a:p>
@@ -5870,7 +5870,7 @@
               <a:rPr lang="it-IT" sz="5000" b="1" dirty="0">
                 <a:latin typeface="+mn-lt"/>
               </a:rPr>
-              <a:t>EXTRACT METHOD: CREA MENU TEMATICO</a:t>
+              <a:t>EXTRACT METHOD: CREA MENU TEMATICO DOPO IL REFACTORING</a:t>
             </a:r>
           </a:p>
         </p:txBody>
@@ -6478,7 +6478,7 @@
         </p:nvSpPr>
         <p:spPr>
           <a:xfrm>
-            <a:off x="4514682" y="3592037"/>
+            <a:off x="4426584" y="4213475"/>
             <a:ext cx="1150620" cy="502920"/>
           </a:xfrm>
           <a:prstGeom prst="leftArrow">
@@ -6824,7 +6824,7 @@
         </p:nvSpPr>
         <p:spPr>
           <a:xfrm>
-            <a:off x="4945380" y="3547128"/>
+            <a:off x="4939652" y="4170891"/>
             <a:ext cx="1013460" cy="489651"/>
           </a:xfrm>
           <a:prstGeom prst="leftArrow">
@@ -7290,6 +7290,55 @@
           </a:p>
         </p:txBody>
       </p:sp>
+      <p:sp>
+        <p:nvSpPr>
+          <p:cNvPr id="6" name="Rettangolo 5">
+            <a:extLst>
+              <a:ext uri="{FF2B5EF4-FFF2-40B4-BE49-F238E27FC236}">
+                <a16:creationId xmlns:a16="http://schemas.microsoft.com/office/drawing/2014/main" id="{66DC955B-D609-C72A-C4ED-837C1C0176CC}"/>
+              </a:ext>
+            </a:extLst>
+          </p:cNvPr>
+          <p:cNvSpPr/>
+          <p:nvPr/>
+        </p:nvSpPr>
+        <p:spPr>
+          <a:xfrm>
+            <a:off x="1056443" y="3648722"/>
+            <a:ext cx="994299" cy="168676"/>
+          </a:xfrm>
+          <a:prstGeom prst="rect">
+            <a:avLst/>
+          </a:prstGeom>
+          <a:ln>
+            <a:solidFill>
+              <a:schemeClr val="bg1"/>
+            </a:solidFill>
+          </a:ln>
+        </p:spPr>
+        <p:style>
+          <a:lnRef idx="2">
+            <a:schemeClr val="accent6"/>
+          </a:lnRef>
+          <a:fillRef idx="1">
+            <a:schemeClr val="lt1"/>
+          </a:fillRef>
+          <a:effectRef idx="0">
+            <a:schemeClr val="accent6"/>
+          </a:effectRef>
+          <a:fontRef idx="minor">
+            <a:schemeClr val="dk1"/>
+          </a:fontRef>
+        </p:style>
+        <p:txBody>
+          <a:bodyPr rtlCol="0" anchor="ctr"/>
+          <a:lstStyle/>
+          <a:p>
+            <a:pPr algn="ctr"/>
+            <a:endParaRPr lang="it-IT"/>
+          </a:p>
+        </p:txBody>
+      </p:sp>
     </p:spTree>
     <p:extLst>
       <p:ext uri="{BB962C8B-B14F-4D97-AF65-F5344CB8AC3E}">
@@ -7389,6 +7438,42 @@
           </a:p>
         </p:txBody>
       </p:sp>
+      <p:pic>
+        <p:nvPicPr>
+          <p:cNvPr id="7" name="Immagine 6">
+            <a:extLst>
+              <a:ext uri="{FF2B5EF4-FFF2-40B4-BE49-F238E27FC236}">
+                <a16:creationId xmlns:a16="http://schemas.microsoft.com/office/drawing/2014/main" id="{D6B42FB9-8880-6A6F-F843-8E35CD32FCF3}"/>
+              </a:ext>
+            </a:extLst>
+          </p:cNvPr>
+          <p:cNvPicPr>
+            <a:picLocks noChangeAspect="1"/>
+          </p:cNvPicPr>
+          <p:nvPr/>
+        </p:nvPicPr>
+        <p:blipFill>
+          <a:blip r:embed="rId3">
+            <a:extLst>
+              <a:ext uri="{28A0092B-C50C-407E-A947-70E740481C1C}">
+                <a14:useLocalDpi xmlns:a14="http://schemas.microsoft.com/office/drawing/2010/main" val="0"/>
+              </a:ext>
+            </a:extLst>
+          </a:blip>
+          <a:stretch>
+            <a:fillRect/>
+          </a:stretch>
+        </p:blipFill>
+        <p:spPr>
+          <a:xfrm>
+            <a:off x="2509701" y="1559634"/>
+            <a:ext cx="7172578" cy="4679763"/>
+          </a:xfrm>
+          <a:prstGeom prst="rect">
+            <a:avLst/>
+          </a:prstGeom>
+        </p:spPr>
+      </p:pic>
     </p:spTree>
     <p:extLst>
       <p:ext uri="{BB962C8B-B14F-4D97-AF65-F5344CB8AC3E}">

--- a/Documenti/PROGETTO.pptx
+++ b/Documenti/PROGETTO.pptx
@@ -7,23 +7,31 @@
   <p:sldIdLst>
     <p:sldId id="256" r:id="rId2"/>
     <p:sldId id="257" r:id="rId3"/>
-    <p:sldId id="261" r:id="rId4"/>
-    <p:sldId id="259" r:id="rId5"/>
-    <p:sldId id="260" r:id="rId6"/>
-    <p:sldId id="262" r:id="rId7"/>
-    <p:sldId id="263" r:id="rId8"/>
-    <p:sldId id="264" r:id="rId9"/>
-    <p:sldId id="274" r:id="rId10"/>
-    <p:sldId id="266" r:id="rId11"/>
-    <p:sldId id="265" r:id="rId12"/>
-    <p:sldId id="268" r:id="rId13"/>
-    <p:sldId id="270" r:id="rId14"/>
-    <p:sldId id="271" r:id="rId15"/>
-    <p:sldId id="272" r:id="rId16"/>
-    <p:sldId id="273" r:id="rId17"/>
-    <p:sldId id="275" r:id="rId18"/>
-    <p:sldId id="276" r:id="rId19"/>
-    <p:sldId id="277" r:id="rId20"/>
+    <p:sldId id="283" r:id="rId4"/>
+    <p:sldId id="261" r:id="rId5"/>
+    <p:sldId id="284" r:id="rId6"/>
+    <p:sldId id="259" r:id="rId7"/>
+    <p:sldId id="260" r:id="rId8"/>
+    <p:sldId id="285" r:id="rId9"/>
+    <p:sldId id="262" r:id="rId10"/>
+    <p:sldId id="263" r:id="rId11"/>
+    <p:sldId id="286" r:id="rId12"/>
+    <p:sldId id="264" r:id="rId13"/>
+    <p:sldId id="287" r:id="rId14"/>
+    <p:sldId id="279" r:id="rId15"/>
+    <p:sldId id="280" r:id="rId16"/>
+    <p:sldId id="266" r:id="rId17"/>
+    <p:sldId id="288" r:id="rId18"/>
+    <p:sldId id="265" r:id="rId19"/>
+    <p:sldId id="268" r:id="rId20"/>
+    <p:sldId id="270" r:id="rId21"/>
+    <p:sldId id="271" r:id="rId22"/>
+    <p:sldId id="272" r:id="rId23"/>
+    <p:sldId id="273" r:id="rId24"/>
+    <p:sldId id="275" r:id="rId25"/>
+    <p:sldId id="276" r:id="rId26"/>
+    <p:sldId id="277" r:id="rId27"/>
+    <p:sldId id="278" r:id="rId28"/>
   </p:sldIdLst>
   <p:sldSz cx="12192000" cy="6858000"/>
   <p:notesSz cx="6858000" cy="9144000"/>
@@ -277,7 +285,7 @@
           <a:p>
             <a:fld id="{ADB64775-B3F5-4E0A-9C11-E9402A18870D}" type="datetimeFigureOut">
               <a:rPr lang="it-IT" smtClean="0"/>
-              <a:t>14/09/2023</a:t>
+              <a:t>15/09/2023</a:t>
             </a:fld>
             <a:endParaRPr lang="it-IT"/>
           </a:p>
@@ -475,7 +483,7 @@
           <a:p>
             <a:fld id="{ADB64775-B3F5-4E0A-9C11-E9402A18870D}" type="datetimeFigureOut">
               <a:rPr lang="it-IT" smtClean="0"/>
-              <a:t>14/09/2023</a:t>
+              <a:t>15/09/2023</a:t>
             </a:fld>
             <a:endParaRPr lang="it-IT"/>
           </a:p>
@@ -683,7 +691,7 @@
           <a:p>
             <a:fld id="{ADB64775-B3F5-4E0A-9C11-E9402A18870D}" type="datetimeFigureOut">
               <a:rPr lang="it-IT" smtClean="0"/>
-              <a:t>14/09/2023</a:t>
+              <a:t>15/09/2023</a:t>
             </a:fld>
             <a:endParaRPr lang="it-IT"/>
           </a:p>
@@ -881,7 +889,7 @@
           <a:p>
             <a:fld id="{ADB64775-B3F5-4E0A-9C11-E9402A18870D}" type="datetimeFigureOut">
               <a:rPr lang="it-IT" smtClean="0"/>
-              <a:t>14/09/2023</a:t>
+              <a:t>15/09/2023</a:t>
             </a:fld>
             <a:endParaRPr lang="it-IT"/>
           </a:p>
@@ -1156,7 +1164,7 @@
           <a:p>
             <a:fld id="{ADB64775-B3F5-4E0A-9C11-E9402A18870D}" type="datetimeFigureOut">
               <a:rPr lang="it-IT" smtClean="0"/>
-              <a:t>14/09/2023</a:t>
+              <a:t>15/09/2023</a:t>
             </a:fld>
             <a:endParaRPr lang="it-IT"/>
           </a:p>
@@ -1421,7 +1429,7 @@
           <a:p>
             <a:fld id="{ADB64775-B3F5-4E0A-9C11-E9402A18870D}" type="datetimeFigureOut">
               <a:rPr lang="it-IT" smtClean="0"/>
-              <a:t>14/09/2023</a:t>
+              <a:t>15/09/2023</a:t>
             </a:fld>
             <a:endParaRPr lang="it-IT"/>
           </a:p>
@@ -1833,7 +1841,7 @@
           <a:p>
             <a:fld id="{ADB64775-B3F5-4E0A-9C11-E9402A18870D}" type="datetimeFigureOut">
               <a:rPr lang="it-IT" smtClean="0"/>
-              <a:t>14/09/2023</a:t>
+              <a:t>15/09/2023</a:t>
             </a:fld>
             <a:endParaRPr lang="it-IT"/>
           </a:p>
@@ -1974,7 +1982,7 @@
           <a:p>
             <a:fld id="{ADB64775-B3F5-4E0A-9C11-E9402A18870D}" type="datetimeFigureOut">
               <a:rPr lang="it-IT" smtClean="0"/>
-              <a:t>14/09/2023</a:t>
+              <a:t>15/09/2023</a:t>
             </a:fld>
             <a:endParaRPr lang="it-IT"/>
           </a:p>
@@ -2087,7 +2095,7 @@
           <a:p>
             <a:fld id="{ADB64775-B3F5-4E0A-9C11-E9402A18870D}" type="datetimeFigureOut">
               <a:rPr lang="it-IT" smtClean="0"/>
-              <a:t>14/09/2023</a:t>
+              <a:t>15/09/2023</a:t>
             </a:fld>
             <a:endParaRPr lang="it-IT"/>
           </a:p>
@@ -2398,7 +2406,7 @@
           <a:p>
             <a:fld id="{ADB64775-B3F5-4E0A-9C11-E9402A18870D}" type="datetimeFigureOut">
               <a:rPr lang="it-IT" smtClean="0"/>
-              <a:t>14/09/2023</a:t>
+              <a:t>15/09/2023</a:t>
             </a:fld>
             <a:endParaRPr lang="it-IT"/>
           </a:p>
@@ -2686,7 +2694,7 @@
           <a:p>
             <a:fld id="{ADB64775-B3F5-4E0A-9C11-E9402A18870D}" type="datetimeFigureOut">
               <a:rPr lang="it-IT" smtClean="0"/>
-              <a:t>14/09/2023</a:t>
+              <a:t>15/09/2023</a:t>
             </a:fld>
             <a:endParaRPr lang="it-IT"/>
           </a:p>
@@ -2927,7 +2935,7 @@
           <a:p>
             <a:fld id="{ADB64775-B3F5-4E0A-9C11-E9402A18870D}" type="datetimeFigureOut">
               <a:rPr lang="it-IT" smtClean="0"/>
-              <a:t>14/09/2023</a:t>
+              <a:t>15/09/2023</a:t>
             </a:fld>
             <a:endParaRPr lang="it-IT"/>
           </a:p>
@@ -3766,18 +3774,147 @@
           <a:lstStyle/>
           <a:p>
             <a:r>
+              <a:rPr lang="it-IT" sz="5000" b="1" dirty="0" err="1">
+                <a:latin typeface="+mn-lt"/>
+              </a:rPr>
+              <a:t>GoF</a:t>
+            </a:r>
+            <a:r>
               <a:rPr lang="it-IT" sz="5000" b="1" dirty="0">
                 <a:latin typeface="+mn-lt"/>
               </a:rPr>
-              <a:t>REFACTORING EXTRACT METHOD</a:t>
-            </a:r>
-          </a:p>
-        </p:txBody>
-      </p:sp>
+              <a:t> REPOSITORY</a:t>
+            </a:r>
+          </a:p>
+        </p:txBody>
+      </p:sp>
+      <p:sp>
+        <p:nvSpPr>
+          <p:cNvPr id="5" name="CasellaDiTesto 4">
+            <a:extLst>
+              <a:ext uri="{FF2B5EF4-FFF2-40B4-BE49-F238E27FC236}">
+                <a16:creationId xmlns:a16="http://schemas.microsoft.com/office/drawing/2014/main" id="{6CA24BEB-5545-BB48-6276-4D2F6D4A8B36}"/>
+              </a:ext>
+            </a:extLst>
+          </p:cNvPr>
+          <p:cNvSpPr txBox="1"/>
+          <p:nvPr/>
+        </p:nvSpPr>
+        <p:spPr>
+          <a:xfrm>
+            <a:off x="852273" y="1483577"/>
+            <a:ext cx="2206925" cy="646331"/>
+          </a:xfrm>
+          <a:prstGeom prst="rect">
+            <a:avLst/>
+          </a:prstGeom>
+          <a:noFill/>
+        </p:spPr>
+        <p:txBody>
+          <a:bodyPr wrap="square" rtlCol="0">
+            <a:spAutoFit/>
+          </a:bodyPr>
+          <a:lstStyle/>
+          <a:p>
+            <a:r>
+              <a:rPr lang="it-IT" sz="3600" b="1" dirty="0">
+                <a:solidFill>
+                  <a:srgbClr val="FF0000"/>
+                </a:solidFill>
+              </a:rPr>
+              <a:t>DOPO!</a:t>
+            </a:r>
+            <a:endParaRPr lang="it-IT" b="1" dirty="0">
+              <a:solidFill>
+                <a:srgbClr val="FF0000"/>
+              </a:solidFill>
+            </a:endParaRPr>
+          </a:p>
+        </p:txBody>
+      </p:sp>
+      <p:sp>
+        <p:nvSpPr>
+          <p:cNvPr id="6" name="Rettangolo 5">
+            <a:extLst>
+              <a:ext uri="{FF2B5EF4-FFF2-40B4-BE49-F238E27FC236}">
+                <a16:creationId xmlns:a16="http://schemas.microsoft.com/office/drawing/2014/main" id="{66DC955B-D609-C72A-C4ED-837C1C0176CC}"/>
+              </a:ext>
+            </a:extLst>
+          </p:cNvPr>
+          <p:cNvSpPr/>
+          <p:nvPr/>
+        </p:nvSpPr>
+        <p:spPr>
+          <a:xfrm>
+            <a:off x="1056443" y="3648722"/>
+            <a:ext cx="994299" cy="168676"/>
+          </a:xfrm>
+          <a:prstGeom prst="rect">
+            <a:avLst/>
+          </a:prstGeom>
+          <a:ln>
+            <a:solidFill>
+              <a:schemeClr val="bg1"/>
+            </a:solidFill>
+          </a:ln>
+        </p:spPr>
+        <p:style>
+          <a:lnRef idx="2">
+            <a:schemeClr val="accent6"/>
+          </a:lnRef>
+          <a:fillRef idx="1">
+            <a:schemeClr val="lt1"/>
+          </a:fillRef>
+          <a:effectRef idx="0">
+            <a:schemeClr val="accent6"/>
+          </a:effectRef>
+          <a:fontRef idx="minor">
+            <a:schemeClr val="dk1"/>
+          </a:fontRef>
+        </p:style>
+        <p:txBody>
+          <a:bodyPr rtlCol="0" anchor="ctr"/>
+          <a:lstStyle/>
+          <a:p>
+            <a:pPr algn="ctr"/>
+            <a:endParaRPr lang="it-IT"/>
+          </a:p>
+        </p:txBody>
+      </p:sp>
+      <p:pic>
+        <p:nvPicPr>
+          <p:cNvPr id="8" name="Immagine 7">
+            <a:extLst>
+              <a:ext uri="{FF2B5EF4-FFF2-40B4-BE49-F238E27FC236}">
+                <a16:creationId xmlns:a16="http://schemas.microsoft.com/office/drawing/2014/main" id="{0198A4E6-0F39-B5C7-B355-149546DFFEB0}"/>
+              </a:ext>
+            </a:extLst>
+          </p:cNvPr>
+          <p:cNvPicPr>
+            <a:picLocks noChangeAspect="1"/>
+          </p:cNvPicPr>
+          <p:nvPr/>
+        </p:nvPicPr>
+        <p:blipFill>
+          <a:blip r:embed="rId3"/>
+          <a:stretch>
+            <a:fillRect/>
+          </a:stretch>
+        </p:blipFill>
+        <p:spPr>
+          <a:xfrm>
+            <a:off x="2050742" y="2469104"/>
+            <a:ext cx="7249537" cy="3610479"/>
+          </a:xfrm>
+          <a:prstGeom prst="rect">
+            <a:avLst/>
+          </a:prstGeom>
+        </p:spPr>
+      </p:pic>
     </p:spTree>
     <p:extLst>
       <p:ext uri="{BB962C8B-B14F-4D97-AF65-F5344CB8AC3E}">
-        <p14:creationId xmlns:p14="http://schemas.microsoft.com/office/powerpoint/2010/main" val="3993114888"/>
+        <p14:creationId xmlns:p14="http://schemas.microsoft.com/office/powerpoint/2010/main" val="2622432160"/>
       </p:ext>
     </p:extLst>
   </p:cSld>
@@ -3790,6 +3927,14 @@
 <file path=ppt/slides/slide11.xml><?xml version="1.0" encoding="utf-8"?>
 <p:sld xmlns:a="http://schemas.openxmlformats.org/drawingml/2006/main" xmlns:r="http://schemas.openxmlformats.org/officeDocument/2006/relationships" xmlns:p="http://schemas.openxmlformats.org/presentationml/2006/main">
   <p:cSld>
+    <p:bg>
+      <p:bgPr>
+        <a:solidFill>
+          <a:srgbClr val="000000"/>
+        </a:solidFill>
+        <a:effectLst/>
+      </p:bgPr>
+    </p:bg>
     <p:spTree>
       <p:nvGrpSpPr>
         <p:cNvPr id="1" name=""/>
@@ -3804,12 +3949,104 @@
           <a:chExt cx="0" cy="0"/>
         </a:xfrm>
       </p:grpSpPr>
+      <p:sp>
+        <p:nvSpPr>
+          <p:cNvPr id="14" name="Rectangle 13">
+            <a:extLst>
+              <a:ext uri="{FF2B5EF4-FFF2-40B4-BE49-F238E27FC236}">
+                <a16:creationId xmlns:a16="http://schemas.microsoft.com/office/drawing/2014/main" id="{71B2258F-86CA-4D4D-8270-BC05FCDEBFB3}"/>
+              </a:ext>
+              <a:ext uri="{C183D7F6-B498-43B3-948B-1728B52AA6E4}">
+                <adec:decorative xmlns:adec="http://schemas.microsoft.com/office/drawing/2017/decorative" val="1"/>
+              </a:ext>
+            </a:extLst>
+          </p:cNvPr>
+          <p:cNvSpPr>
+            <a:spLocks noGrp="1" noRot="1" noChangeAspect="1" noMove="1" noResize="1" noEditPoints="1" noAdjustHandles="1" noChangeArrowheads="1" noChangeShapeType="1" noTextEdit="1"/>
+          </p:cNvSpPr>
+          <p:nvPr>
+            <p:extLst>
+              <p:ext uri="{386F3935-93C4-4BCD-93E2-E3B085C9AB24}">
+                <p16:designElem xmlns:p16="http://schemas.microsoft.com/office/powerpoint/2015/main" val="1"/>
+              </p:ext>
+            </p:extLst>
+          </p:nvPr>
+        </p:nvSpPr>
+        <p:spPr>
+          <a:xfrm>
+            <a:off x="0" y="0"/>
+            <a:ext cx="12192000" cy="6857999"/>
+          </a:xfrm>
+          <a:prstGeom prst="rect">
+            <a:avLst/>
+          </a:prstGeom>
+          <a:solidFill>
+            <a:srgbClr val="000000"/>
+          </a:solidFill>
+          <a:ln>
+            <a:noFill/>
+          </a:ln>
+        </p:spPr>
+        <p:style>
+          <a:lnRef idx="2">
+            <a:schemeClr val="accent1">
+              <a:shade val="50000"/>
+            </a:schemeClr>
+          </a:lnRef>
+          <a:fillRef idx="1">
+            <a:schemeClr val="accent1"/>
+          </a:fillRef>
+          <a:effectRef idx="0">
+            <a:schemeClr val="accent1"/>
+          </a:effectRef>
+          <a:fontRef idx="minor">
+            <a:schemeClr val="lt1"/>
+          </a:fontRef>
+        </p:style>
+        <p:txBody>
+          <a:bodyPr rtlCol="0" anchor="ctr"/>
+          <a:lstStyle/>
+          <a:p>
+            <a:pPr marL="0" marR="0" lvl="0" indent="0" algn="ctr" defTabSz="914400" rtl="0" eaLnBrk="1" fontAlgn="auto" latinLnBrk="0" hangingPunct="1">
+              <a:lnSpc>
+                <a:spcPct val="100000"/>
+              </a:lnSpc>
+              <a:spcBef>
+                <a:spcPts val="0"/>
+              </a:spcBef>
+              <a:spcAft>
+                <a:spcPts val="0"/>
+              </a:spcAft>
+              <a:buClrTx/>
+              <a:buSzTx/>
+              <a:buFontTx/>
+              <a:buNone/>
+              <a:tabLst/>
+              <a:defRPr/>
+            </a:pPr>
+            <a:endParaRPr kumimoji="0" lang="en-US" sz="1800" b="0" i="0" u="none" strike="noStrike" kern="1200" cap="none" spc="0" normalizeH="0" baseline="0" noProof="0">
+              <a:ln>
+                <a:noFill/>
+              </a:ln>
+              <a:solidFill>
+                <a:prstClr val="white"/>
+              </a:solidFill>
+              <a:effectLst/>
+              <a:uLnTx/>
+              <a:uFillTx/>
+              <a:latin typeface="Calibri" panose="020F0502020204030204"/>
+              <a:ea typeface="+mn-ea"/>
+              <a:cs typeface="+mn-cs"/>
+            </a:endParaRPr>
+          </a:p>
+        </p:txBody>
+      </p:sp>
       <p:pic>
         <p:nvPicPr>
-          <p:cNvPr id="3" name="Picture 4" descr="Immagine che contiene Policromia, forniture per ufficio, cancelleria, strumento di scrittura&#10;&#10;Descrizione generata automaticamente">
-            <a:extLst>
-              <a:ext uri="{FF2B5EF4-FFF2-40B4-BE49-F238E27FC236}">
-                <a16:creationId xmlns:a16="http://schemas.microsoft.com/office/drawing/2014/main" id="{D5CFEB29-AE0E-EBCB-E8A5-79E442FEEBDC}"/>
+          <p:cNvPr id="5" name="Picture 4">
+            <a:extLst>
+              <a:ext uri="{FF2B5EF4-FFF2-40B4-BE49-F238E27FC236}">
+                <a16:creationId xmlns:a16="http://schemas.microsoft.com/office/drawing/2014/main" id="{40724E6C-6FD0-7ECD-6680-33616FFD5ED1}"/>
               </a:ext>
             </a:extLst>
           </p:cNvPr>
@@ -3820,14 +4057,14 @@
         </p:nvPicPr>
         <p:blipFill rotWithShape="1">
           <a:blip r:embed="rId2">
-            <a:alphaModFix amt="35000"/>
+            <a:alphaModFix amt="50000"/>
           </a:blip>
           <a:srcRect t="3820" b="11910"/>
           <a:stretch/>
         </p:blipFill>
         <p:spPr>
           <a:xfrm>
-            <a:off x="20" y="-175490"/>
+            <a:off x="20" y="1"/>
             <a:ext cx="12191980" cy="6857999"/>
           </a:xfrm>
           <a:prstGeom prst="rect">
@@ -3840,7 +4077,7 @@
           <p:cNvPr id="2" name="Titolo 1">
             <a:extLst>
               <a:ext uri="{FF2B5EF4-FFF2-40B4-BE49-F238E27FC236}">
-                <a16:creationId xmlns:a16="http://schemas.microsoft.com/office/drawing/2014/main" id="{A9FB4951-625F-270C-333C-BE32AF659EA2}"/>
+                <a16:creationId xmlns:a16="http://schemas.microsoft.com/office/drawing/2014/main" id="{96FA6D06-8050-A809-5056-D7E77A22BC94}"/>
               </a:ext>
             </a:extLst>
           </p:cNvPr>
@@ -3848,256 +4085,38 @@
             <a:spLocks noGrp="1"/>
           </p:cNvSpPr>
           <p:nvPr>
-            <p:ph type="title"/>
+            <p:ph type="ctrTitle"/>
           </p:nvPr>
         </p:nvSpPr>
         <p:spPr>
           <a:xfrm>
-            <a:off x="7961744" y="580807"/>
-            <a:ext cx="4230236" cy="1325563"/>
+            <a:off x="0" y="2905617"/>
+            <a:ext cx="12192000" cy="1046767"/>
           </a:xfrm>
         </p:spPr>
         <p:txBody>
           <a:bodyPr>
-            <a:normAutofit fontScale="90000"/>
+            <a:normAutofit/>
           </a:bodyPr>
           <a:lstStyle/>
           <a:p>
-            <a:pPr algn="ctr"/>
-            <a:r>
-              <a:rPr lang="it-IT" sz="5000" b="1" dirty="0">
+            <a:r>
+              <a:rPr lang="it-IT" sz="6600" b="1" dirty="0" err="1">
+                <a:solidFill>
+                  <a:srgbClr val="FFFFFF"/>
+                </a:solidFill>
                 <a:latin typeface="+mn-lt"/>
               </a:rPr>
-              <a:t>EXTRACT METHOD: </a:t>
-            </a:r>
-            <a:br>
-              <a:rPr lang="it-IT" sz="5000" b="1" dirty="0">
+              <a:t>GoF</a:t>
+            </a:r>
+            <a:r>
+              <a:rPr lang="it-IT" sz="6600" b="1" dirty="0">
+                <a:solidFill>
+                  <a:srgbClr val="FFFFFF"/>
+                </a:solidFill>
                 <a:latin typeface="+mn-lt"/>
               </a:rPr>
-            </a:br>
-            <a:r>
-              <a:rPr lang="it-IT" sz="5000" b="1" dirty="0">
-                <a:latin typeface="+mn-lt"/>
-              </a:rPr>
-              <a:t>CREA RICETTA</a:t>
-            </a:r>
-          </a:p>
-        </p:txBody>
-      </p:sp>
-      <p:pic>
-        <p:nvPicPr>
-          <p:cNvPr id="5" name="Immagine 4" descr="Immagine che contiene testo, schermata&#10;&#10;Descrizione generata automaticamente">
-            <a:extLst>
-              <a:ext uri="{FF2B5EF4-FFF2-40B4-BE49-F238E27FC236}">
-                <a16:creationId xmlns:a16="http://schemas.microsoft.com/office/drawing/2014/main" id="{13EA5698-5C52-B93C-047C-D3B684499FA3}"/>
-              </a:ext>
-            </a:extLst>
-          </p:cNvPr>
-          <p:cNvPicPr>
-            <a:picLocks noChangeAspect="1"/>
-          </p:cNvPicPr>
-          <p:nvPr/>
-        </p:nvPicPr>
-        <p:blipFill>
-          <a:blip r:embed="rId3">
-            <a:extLst>
-              <a:ext uri="{28A0092B-C50C-407E-A947-70E740481C1C}">
-                <a14:useLocalDpi xmlns:a14="http://schemas.microsoft.com/office/drawing/2010/main" val="0"/>
-              </a:ext>
-            </a:extLst>
-          </a:blip>
-          <a:stretch>
-            <a:fillRect/>
-          </a:stretch>
-        </p:blipFill>
-        <p:spPr>
-          <a:xfrm>
-            <a:off x="445539" y="365125"/>
-            <a:ext cx="7516205" cy="6077816"/>
-          </a:xfrm>
-          <a:prstGeom prst="rect">
-            <a:avLst/>
-          </a:prstGeom>
-        </p:spPr>
-      </p:pic>
-      <p:sp>
-        <p:nvSpPr>
-          <p:cNvPr id="7" name="Parentesi graffa chiusa 6">
-            <a:extLst>
-              <a:ext uri="{FF2B5EF4-FFF2-40B4-BE49-F238E27FC236}">
-                <a16:creationId xmlns:a16="http://schemas.microsoft.com/office/drawing/2014/main" id="{D79D1E15-DF8A-4A35-D520-2ED5433D4DB3}"/>
-              </a:ext>
-            </a:extLst>
-          </p:cNvPr>
-          <p:cNvSpPr/>
-          <p:nvPr/>
-        </p:nvSpPr>
-        <p:spPr>
-          <a:xfrm>
-            <a:off x="6973088" y="1567090"/>
-            <a:ext cx="1233577" cy="1759789"/>
-          </a:xfrm>
-          <a:prstGeom prst="rightBrace">
-            <a:avLst>
-              <a:gd name="adj1" fmla="val 17484"/>
-              <a:gd name="adj2" fmla="val 48137"/>
-            </a:avLst>
-          </a:prstGeom>
-          <a:ln>
-            <a:solidFill>
-              <a:srgbClr val="FF0000"/>
-            </a:solidFill>
-          </a:ln>
-        </p:spPr>
-        <p:style>
-          <a:lnRef idx="3">
-            <a:schemeClr val="accent2"/>
-          </a:lnRef>
-          <a:fillRef idx="0">
-            <a:schemeClr val="accent2"/>
-          </a:fillRef>
-          <a:effectRef idx="2">
-            <a:schemeClr val="accent2"/>
-          </a:effectRef>
-          <a:fontRef idx="minor">
-            <a:schemeClr val="tx1"/>
-          </a:fontRef>
-        </p:style>
-        <p:txBody>
-          <a:bodyPr rtlCol="0" anchor="ctr"/>
-          <a:lstStyle/>
-          <a:p>
-            <a:pPr algn="ctr"/>
-            <a:endParaRPr lang="it-IT"/>
-          </a:p>
-        </p:txBody>
-      </p:sp>
-      <p:sp>
-        <p:nvSpPr>
-          <p:cNvPr id="8" name="CasellaDiTesto 7">
-            <a:extLst>
-              <a:ext uri="{FF2B5EF4-FFF2-40B4-BE49-F238E27FC236}">
-                <a16:creationId xmlns:a16="http://schemas.microsoft.com/office/drawing/2014/main" id="{F311495A-65BD-EB95-E810-93071A527B4B}"/>
-              </a:ext>
-            </a:extLst>
-          </p:cNvPr>
-          <p:cNvSpPr txBox="1"/>
-          <p:nvPr/>
-        </p:nvSpPr>
-        <p:spPr>
-          <a:xfrm>
-            <a:off x="8242034" y="2262557"/>
-            <a:ext cx="3250570" cy="400110"/>
-          </a:xfrm>
-          <a:prstGeom prst="rect">
-            <a:avLst/>
-          </a:prstGeom>
-          <a:noFill/>
-        </p:spPr>
-        <p:txBody>
-          <a:bodyPr wrap="none" rtlCol="0">
-            <a:spAutoFit/>
-          </a:bodyPr>
-          <a:lstStyle/>
-          <a:p>
-            <a:r>
-              <a:rPr lang="it-IT" sz="2000" b="1" dirty="0">
-                <a:solidFill>
-                  <a:srgbClr val="FF0000"/>
-                </a:solidFill>
-              </a:rPr>
-              <a:t>1. SELEZIONE NOME RICETTA</a:t>
-            </a:r>
-          </a:p>
-        </p:txBody>
-      </p:sp>
-      <p:sp>
-        <p:nvSpPr>
-          <p:cNvPr id="9" name="Parentesi graffa chiusa 8">
-            <a:extLst>
-              <a:ext uri="{FF2B5EF4-FFF2-40B4-BE49-F238E27FC236}">
-                <a16:creationId xmlns:a16="http://schemas.microsoft.com/office/drawing/2014/main" id="{ECD34AD5-7721-0D97-4CCB-B0B2F60DE8E9}"/>
-              </a:ext>
-            </a:extLst>
-          </p:cNvPr>
-          <p:cNvSpPr/>
-          <p:nvPr/>
-        </p:nvSpPr>
-        <p:spPr>
-          <a:xfrm>
-            <a:off x="7260566" y="4229374"/>
-            <a:ext cx="1233577" cy="1759789"/>
-          </a:xfrm>
-          <a:prstGeom prst="rightBrace">
-            <a:avLst>
-              <a:gd name="adj1" fmla="val 18882"/>
-              <a:gd name="adj2" fmla="val 48137"/>
-            </a:avLst>
-          </a:prstGeom>
-          <a:ln>
-            <a:solidFill>
-              <a:srgbClr val="FF0000"/>
-            </a:solidFill>
-          </a:ln>
-        </p:spPr>
-        <p:style>
-          <a:lnRef idx="3">
-            <a:schemeClr val="accent2"/>
-          </a:lnRef>
-          <a:fillRef idx="0">
-            <a:schemeClr val="accent2"/>
-          </a:fillRef>
-          <a:effectRef idx="2">
-            <a:schemeClr val="accent2"/>
-          </a:effectRef>
-          <a:fontRef idx="minor">
-            <a:schemeClr val="tx1"/>
-          </a:fontRef>
-        </p:style>
-        <p:txBody>
-          <a:bodyPr rtlCol="0" anchor="ctr"/>
-          <a:lstStyle/>
-          <a:p>
-            <a:pPr algn="ctr"/>
-            <a:endParaRPr lang="it-IT"/>
-          </a:p>
-        </p:txBody>
-      </p:sp>
-      <p:sp>
-        <p:nvSpPr>
-          <p:cNvPr id="10" name="CasellaDiTesto 9">
-            <a:extLst>
-              <a:ext uri="{FF2B5EF4-FFF2-40B4-BE49-F238E27FC236}">
-                <a16:creationId xmlns:a16="http://schemas.microsoft.com/office/drawing/2014/main" id="{B32255C3-F06A-685B-B817-096CB315B73A}"/>
-              </a:ext>
-            </a:extLst>
-          </p:cNvPr>
-          <p:cNvSpPr txBox="1"/>
-          <p:nvPr/>
-        </p:nvSpPr>
-        <p:spPr>
-          <a:xfrm>
-            <a:off x="8494143" y="4785616"/>
-            <a:ext cx="3396635" cy="400110"/>
-          </a:xfrm>
-          <a:prstGeom prst="rect">
-            <a:avLst/>
-          </a:prstGeom>
-          <a:noFill/>
-        </p:spPr>
-        <p:txBody>
-          <a:bodyPr wrap="none" rtlCol="0">
-            <a:spAutoFit/>
-          </a:bodyPr>
-          <a:lstStyle/>
-          <a:p>
-            <a:r>
-              <a:rPr lang="it-IT" sz="2000" b="1" dirty="0">
-                <a:solidFill>
-                  <a:srgbClr val="FF0000"/>
-                </a:solidFill>
-              </a:rPr>
-              <a:t>2. INSERIMENTO INGREDIENTI</a:t>
+              <a:t>	Bridge</a:t>
             </a:r>
           </a:p>
         </p:txBody>
@@ -4105,13 +4124,105 @@
     </p:spTree>
     <p:extLst>
       <p:ext uri="{BB962C8B-B14F-4D97-AF65-F5344CB8AC3E}">
-        <p14:creationId xmlns:p14="http://schemas.microsoft.com/office/powerpoint/2010/main" val="4156807899"/>
+        <p14:creationId xmlns:p14="http://schemas.microsoft.com/office/powerpoint/2010/main" val="1071705284"/>
       </p:ext>
     </p:extLst>
   </p:cSld>
   <p:clrMapOvr>
-    <a:masterClrMapping/>
+    <a:overrideClrMapping bg1="dk1" tx1="lt1" bg2="dk2" tx2="lt2" accent1="accent1" accent2="accent2" accent3="accent3" accent4="accent4" accent5="accent5" accent6="accent6" hlink="hlink" folHlink="folHlink"/>
   </p:clrMapOvr>
+  <p:timing>
+    <p:tnLst>
+      <p:par>
+        <p:cTn id="1" dur="indefinite" restart="never" nodeType="tmRoot">
+          <p:childTnLst>
+            <p:seq concurrent="1" nextAc="seek">
+              <p:cTn id="2" dur="indefinite" nodeType="mainSeq">
+                <p:childTnLst>
+                  <p:par>
+                    <p:cTn id="3" fill="hold">
+                      <p:stCondLst>
+                        <p:cond delay="indefinite"/>
+                        <p:cond evt="onBegin" delay="0">
+                          <p:tn val="2"/>
+                        </p:cond>
+                      </p:stCondLst>
+                      <p:childTnLst>
+                        <p:par>
+                          <p:cTn id="4" fill="hold">
+                            <p:stCondLst>
+                              <p:cond delay="0"/>
+                            </p:stCondLst>
+                            <p:childTnLst>
+                              <p:par>
+                                <p:cTn id="5" presetID="10" presetClass="entr" presetSubtype="0" fill="hold" grpId="0" nodeType="withEffect">
+                                  <p:stCondLst>
+                                    <p:cond delay="1000"/>
+                                  </p:stCondLst>
+                                  <p:iterate type="lt">
+                                    <p:tmPct val="10000"/>
+                                  </p:iterate>
+                                  <p:childTnLst>
+                                    <p:set>
+                                      <p:cBhvr>
+                                        <p:cTn id="6" dur="1" fill="hold">
+                                          <p:stCondLst>
+                                            <p:cond delay="0"/>
+                                          </p:stCondLst>
+                                        </p:cTn>
+                                        <p:tgtEl>
+                                          <p:spTgt spid="2"/>
+                                        </p:tgtEl>
+                                        <p:attrNameLst>
+                                          <p:attrName>style.visibility</p:attrName>
+                                        </p:attrNameLst>
+                                      </p:cBhvr>
+                                      <p:to>
+                                        <p:strVal val="visible"/>
+                                      </p:to>
+                                    </p:set>
+                                    <p:animEffect transition="in" filter="fade">
+                                      <p:cBhvr>
+                                        <p:cTn id="7" dur="400"/>
+                                        <p:tgtEl>
+                                          <p:spTgt spid="2"/>
+                                        </p:tgtEl>
+                                      </p:cBhvr>
+                                    </p:animEffect>
+                                  </p:childTnLst>
+                                </p:cTn>
+                              </p:par>
+                            </p:childTnLst>
+                          </p:cTn>
+                        </p:par>
+                      </p:childTnLst>
+                    </p:cTn>
+                  </p:par>
+                </p:childTnLst>
+              </p:cTn>
+              <p:prevCondLst>
+                <p:cond evt="onPrev" delay="0">
+                  <p:tgtEl>
+                    <p:sldTgt/>
+                  </p:tgtEl>
+                </p:cond>
+              </p:prevCondLst>
+              <p:nextCondLst>
+                <p:cond evt="onNext" delay="0">
+                  <p:tgtEl>
+                    <p:sldTgt/>
+                  </p:tgtEl>
+                </p:cond>
+              </p:nextCondLst>
+            </p:seq>
+          </p:childTnLst>
+        </p:cTn>
+      </p:par>
+    </p:tnLst>
+    <p:bldLst>
+      <p:bldP spid="2" grpId="0"/>
+    </p:bldLst>
+  </p:timing>
 </p:sld>
 </file>
 
@@ -4155,7 +4266,7 @@
         </p:blipFill>
         <p:spPr>
           <a:xfrm>
-            <a:off x="20" y="1"/>
+            <a:off x="0" y="1"/>
             <a:ext cx="12191980" cy="6857999"/>
           </a:xfrm>
           <a:prstGeom prst="rect">
@@ -4179,44 +4290,34 @@
             <p:ph type="title"/>
           </p:nvPr>
         </p:nvSpPr>
-        <p:spPr>
-          <a:xfrm>
-            <a:off x="440661" y="1017795"/>
-            <a:ext cx="4513053" cy="1325563"/>
-          </a:xfrm>
-        </p:spPr>
+        <p:spPr/>
         <p:txBody>
           <a:bodyPr>
-            <a:normAutofit fontScale="90000"/>
+            <a:normAutofit/>
           </a:bodyPr>
           <a:lstStyle/>
           <a:p>
+            <a:r>
+              <a:rPr lang="it-IT" sz="5000" b="1" dirty="0" err="1">
+                <a:latin typeface="+mn-lt"/>
+              </a:rPr>
+              <a:t>GoF</a:t>
+            </a:r>
             <a:r>
               <a:rPr lang="it-IT" sz="5000" b="1" dirty="0">
                 <a:latin typeface="+mn-lt"/>
               </a:rPr>
-              <a:t>EXTRACT METHOD	</a:t>
-            </a:r>
-            <a:br>
-              <a:rPr lang="it-IT" sz="5000" b="1" dirty="0">
-                <a:latin typeface="+mn-lt"/>
-              </a:rPr>
-            </a:br>
-            <a:r>
-              <a:rPr lang="it-IT" sz="5000" b="1" dirty="0">
-                <a:latin typeface="+mn-lt"/>
-              </a:rPr>
-              <a:t>1. SELEZIONE NOME RICETTA</a:t>
+              <a:t> BRIDGE</a:t>
             </a:r>
           </a:p>
         </p:txBody>
       </p:sp>
       <p:pic>
         <p:nvPicPr>
-          <p:cNvPr id="5" name="Immagine 4">
-            <a:extLst>
-              <a:ext uri="{FF2B5EF4-FFF2-40B4-BE49-F238E27FC236}">
-                <a16:creationId xmlns:a16="http://schemas.microsoft.com/office/drawing/2014/main" id="{62BAAD63-EC70-5273-A50D-941025595643}"/>
+          <p:cNvPr id="7" name="Immagine 6">
+            <a:extLst>
+              <a:ext uri="{FF2B5EF4-FFF2-40B4-BE49-F238E27FC236}">
+                <a16:creationId xmlns:a16="http://schemas.microsoft.com/office/drawing/2014/main" id="{D6B42FB9-8880-6A6F-F843-8E35CD32FCF3}"/>
               </a:ext>
             </a:extLst>
           </p:cNvPr>
@@ -4226,101 +4327,21 @@
           <p:nvPr/>
         </p:nvPicPr>
         <p:blipFill>
-          <a:blip r:embed="rId3"/>
+          <a:blip r:embed="rId3">
+            <a:extLst>
+              <a:ext uri="{28A0092B-C50C-407E-A947-70E740481C1C}">
+                <a14:useLocalDpi xmlns:a14="http://schemas.microsoft.com/office/drawing/2010/main" val="0"/>
+              </a:ext>
+            </a:extLst>
+          </a:blip>
           <a:stretch>
             <a:fillRect/>
           </a:stretch>
         </p:blipFill>
         <p:spPr>
           <a:xfrm>
-            <a:off x="5107136" y="478697"/>
-            <a:ext cx="6541655" cy="2403758"/>
-          </a:xfrm>
-          <a:prstGeom prst="rect">
-            <a:avLst/>
-          </a:prstGeom>
-        </p:spPr>
-      </p:pic>
-      <p:sp>
-        <p:nvSpPr>
-          <p:cNvPr id="6" name="Titolo 1">
-            <a:extLst>
-              <a:ext uri="{FF2B5EF4-FFF2-40B4-BE49-F238E27FC236}">
-                <a16:creationId xmlns:a16="http://schemas.microsoft.com/office/drawing/2014/main" id="{092B1D86-09F5-31B3-6E44-ECC2AB1393C7}"/>
-              </a:ext>
-            </a:extLst>
-          </p:cNvPr>
-          <p:cNvSpPr txBox="1">
-            <a:spLocks/>
-          </p:cNvSpPr>
-          <p:nvPr/>
-        </p:nvSpPr>
-        <p:spPr>
-          <a:xfrm>
-            <a:off x="440661" y="3230535"/>
-            <a:ext cx="8798230" cy="1450578"/>
-          </a:xfrm>
-          <a:prstGeom prst="rect">
-            <a:avLst/>
-          </a:prstGeom>
-        </p:spPr>
-        <p:txBody>
-          <a:bodyPr vert="horz" lIns="91440" tIns="45720" rIns="91440" bIns="45720" rtlCol="0" anchor="ctr">
-            <a:normAutofit fontScale="97500"/>
-          </a:bodyPr>
-          <a:lstStyle>
-            <a:lvl1pPr algn="l" defTabSz="914400" rtl="0" eaLnBrk="1" latinLnBrk="0" hangingPunct="1">
-              <a:lnSpc>
-                <a:spcPct val="90000"/>
-              </a:lnSpc>
-              <a:spcBef>
-                <a:spcPct val="0"/>
-              </a:spcBef>
-              <a:buNone/>
-              <a:defRPr sz="4400" kern="1200">
-                <a:solidFill>
-                  <a:schemeClr val="tx1"/>
-                </a:solidFill>
-                <a:latin typeface="+mj-lt"/>
-                <a:ea typeface="+mj-ea"/>
-                <a:cs typeface="+mj-cs"/>
-              </a:defRPr>
-            </a:lvl1pPr>
-          </a:lstStyle>
-          <a:p>
-            <a:r>
-              <a:rPr lang="it-IT" sz="5000" b="1" dirty="0">
-                <a:latin typeface="+mn-lt"/>
-              </a:rPr>
-              <a:t>2. INSERIMENTO INGREDIENTI</a:t>
-            </a:r>
-          </a:p>
-        </p:txBody>
-      </p:sp>
-      <p:pic>
-        <p:nvPicPr>
-          <p:cNvPr id="7" name="Immagine 6">
-            <a:extLst>
-              <a:ext uri="{FF2B5EF4-FFF2-40B4-BE49-F238E27FC236}">
-                <a16:creationId xmlns:a16="http://schemas.microsoft.com/office/drawing/2014/main" id="{24C75405-B781-A78D-A213-71CA719711F0}"/>
-              </a:ext>
-            </a:extLst>
-          </p:cNvPr>
-          <p:cNvPicPr>
-            <a:picLocks noChangeAspect="1"/>
-          </p:cNvPicPr>
-          <p:nvPr/>
-        </p:nvPicPr>
-        <p:blipFill>
-          <a:blip r:embed="rId4"/>
-          <a:stretch>
-            <a:fillRect/>
-          </a:stretch>
-        </p:blipFill>
-        <p:spPr>
-          <a:xfrm>
-            <a:off x="566462" y="4488430"/>
-            <a:ext cx="8249801" cy="2010056"/>
+            <a:off x="2509701" y="1559634"/>
+            <a:ext cx="7172578" cy="4679763"/>
           </a:xfrm>
           <a:prstGeom prst="rect">
             <a:avLst/>
@@ -4330,7 +4351,7 @@
     </p:spTree>
     <p:extLst>
       <p:ext uri="{BB962C8B-B14F-4D97-AF65-F5344CB8AC3E}">
-        <p14:creationId xmlns:p14="http://schemas.microsoft.com/office/powerpoint/2010/main" val="1116908804"/>
+        <p14:creationId xmlns:p14="http://schemas.microsoft.com/office/powerpoint/2010/main" val="1933716718"/>
       </p:ext>
     </p:extLst>
   </p:cSld>
@@ -4343,6 +4364,14 @@
 <file path=ppt/slides/slide13.xml><?xml version="1.0" encoding="utf-8"?>
 <p:sld xmlns:a="http://schemas.openxmlformats.org/drawingml/2006/main" xmlns:r="http://schemas.openxmlformats.org/officeDocument/2006/relationships" xmlns:p="http://schemas.openxmlformats.org/presentationml/2006/main">
   <p:cSld>
+    <p:bg>
+      <p:bgPr>
+        <a:solidFill>
+          <a:srgbClr val="000000"/>
+        </a:solidFill>
+        <a:effectLst/>
+      </p:bgPr>
+    </p:bg>
     <p:spTree>
       <p:nvGrpSpPr>
         <p:cNvPr id="1" name=""/>
@@ -4357,12 +4386,104 @@
           <a:chExt cx="0" cy="0"/>
         </a:xfrm>
       </p:grpSpPr>
+      <p:sp>
+        <p:nvSpPr>
+          <p:cNvPr id="14" name="Rectangle 13">
+            <a:extLst>
+              <a:ext uri="{FF2B5EF4-FFF2-40B4-BE49-F238E27FC236}">
+                <a16:creationId xmlns:a16="http://schemas.microsoft.com/office/drawing/2014/main" id="{71B2258F-86CA-4D4D-8270-BC05FCDEBFB3}"/>
+              </a:ext>
+              <a:ext uri="{C183D7F6-B498-43B3-948B-1728B52AA6E4}">
+                <adec:decorative xmlns:adec="http://schemas.microsoft.com/office/drawing/2017/decorative" val="1"/>
+              </a:ext>
+            </a:extLst>
+          </p:cNvPr>
+          <p:cNvSpPr>
+            <a:spLocks noGrp="1" noRot="1" noChangeAspect="1" noMove="1" noResize="1" noEditPoints="1" noAdjustHandles="1" noChangeArrowheads="1" noChangeShapeType="1" noTextEdit="1"/>
+          </p:cNvSpPr>
+          <p:nvPr>
+            <p:extLst>
+              <p:ext uri="{386F3935-93C4-4BCD-93E2-E3B085C9AB24}">
+                <p16:designElem xmlns:p16="http://schemas.microsoft.com/office/powerpoint/2015/main" val="1"/>
+              </p:ext>
+            </p:extLst>
+          </p:nvPr>
+        </p:nvSpPr>
+        <p:spPr>
+          <a:xfrm>
+            <a:off x="0" y="0"/>
+            <a:ext cx="12192000" cy="6857999"/>
+          </a:xfrm>
+          <a:prstGeom prst="rect">
+            <a:avLst/>
+          </a:prstGeom>
+          <a:solidFill>
+            <a:srgbClr val="000000"/>
+          </a:solidFill>
+          <a:ln>
+            <a:noFill/>
+          </a:ln>
+        </p:spPr>
+        <p:style>
+          <a:lnRef idx="2">
+            <a:schemeClr val="accent1">
+              <a:shade val="50000"/>
+            </a:schemeClr>
+          </a:lnRef>
+          <a:fillRef idx="1">
+            <a:schemeClr val="accent1"/>
+          </a:fillRef>
+          <a:effectRef idx="0">
+            <a:schemeClr val="accent1"/>
+          </a:effectRef>
+          <a:fontRef idx="minor">
+            <a:schemeClr val="lt1"/>
+          </a:fontRef>
+        </p:style>
+        <p:txBody>
+          <a:bodyPr rtlCol="0" anchor="ctr"/>
+          <a:lstStyle/>
+          <a:p>
+            <a:pPr marL="0" marR="0" lvl="0" indent="0" algn="ctr" defTabSz="914400" rtl="0" eaLnBrk="1" fontAlgn="auto" latinLnBrk="0" hangingPunct="1">
+              <a:lnSpc>
+                <a:spcPct val="100000"/>
+              </a:lnSpc>
+              <a:spcBef>
+                <a:spcPts val="0"/>
+              </a:spcBef>
+              <a:spcAft>
+                <a:spcPts val="0"/>
+              </a:spcAft>
+              <a:buClrTx/>
+              <a:buSzTx/>
+              <a:buFontTx/>
+              <a:buNone/>
+              <a:tabLst/>
+              <a:defRPr/>
+            </a:pPr>
+            <a:endParaRPr kumimoji="0" lang="en-US" sz="1800" b="0" i="0" u="none" strike="noStrike" kern="1200" cap="none" spc="0" normalizeH="0" baseline="0" noProof="0">
+              <a:ln>
+                <a:noFill/>
+              </a:ln>
+              <a:solidFill>
+                <a:prstClr val="white"/>
+              </a:solidFill>
+              <a:effectLst/>
+              <a:uLnTx/>
+              <a:uFillTx/>
+              <a:latin typeface="Calibri" panose="020F0502020204030204"/>
+              <a:ea typeface="+mn-ea"/>
+              <a:cs typeface="+mn-cs"/>
+            </a:endParaRPr>
+          </a:p>
+        </p:txBody>
+      </p:sp>
       <p:pic>
         <p:nvPicPr>
-          <p:cNvPr id="3" name="Picture 4" descr="Immagine che contiene Policromia, forniture per ufficio, cancelleria, strumento di scrittura&#10;&#10;Descrizione generata automaticamente">
-            <a:extLst>
-              <a:ext uri="{FF2B5EF4-FFF2-40B4-BE49-F238E27FC236}">
-                <a16:creationId xmlns:a16="http://schemas.microsoft.com/office/drawing/2014/main" id="{D5CFEB29-AE0E-EBCB-E8A5-79E442FEEBDC}"/>
+          <p:cNvPr id="5" name="Picture 4">
+            <a:extLst>
+              <a:ext uri="{FF2B5EF4-FFF2-40B4-BE49-F238E27FC236}">
+                <a16:creationId xmlns:a16="http://schemas.microsoft.com/office/drawing/2014/main" id="{40724E6C-6FD0-7ECD-6680-33616FFD5ED1}"/>
               </a:ext>
             </a:extLst>
           </p:cNvPr>
@@ -4373,14 +4494,14 @@
         </p:nvPicPr>
         <p:blipFill rotWithShape="1">
           <a:blip r:embed="rId2">
-            <a:alphaModFix amt="35000"/>
+            <a:alphaModFix amt="50000"/>
           </a:blip>
           <a:srcRect t="3820" b="11910"/>
           <a:stretch/>
         </p:blipFill>
         <p:spPr>
           <a:xfrm>
-            <a:off x="0" y="1"/>
+            <a:off x="20" y="1"/>
             <a:ext cx="12191980" cy="6857999"/>
           </a:xfrm>
           <a:prstGeom prst="rect">
@@ -4393,7 +4514,7 @@
           <p:cNvPr id="2" name="Titolo 1">
             <a:extLst>
               <a:ext uri="{FF2B5EF4-FFF2-40B4-BE49-F238E27FC236}">
-                <a16:creationId xmlns:a16="http://schemas.microsoft.com/office/drawing/2014/main" id="{A9FB4951-625F-270C-333C-BE32AF659EA2}"/>
+                <a16:creationId xmlns:a16="http://schemas.microsoft.com/office/drawing/2014/main" id="{96FA6D06-8050-A809-5056-D7E77A22BC94}"/>
               </a:ext>
             </a:extLst>
           </p:cNvPr>
@@ -4401,76 +4522,135 @@
             <a:spLocks noGrp="1"/>
           </p:cNvSpPr>
           <p:nvPr>
-            <p:ph type="title"/>
+            <p:ph type="ctrTitle"/>
           </p:nvPr>
         </p:nvSpPr>
-        <p:spPr/>
+        <p:spPr>
+          <a:xfrm>
+            <a:off x="0" y="2905617"/>
+            <a:ext cx="12192000" cy="1046767"/>
+          </a:xfrm>
+        </p:spPr>
         <p:txBody>
           <a:bodyPr>
-            <a:normAutofit fontScale="90000"/>
+            <a:normAutofit/>
           </a:bodyPr>
           <a:lstStyle/>
           <a:p>
             <a:r>
-              <a:rPr lang="it-IT" sz="5000" b="1" dirty="0">
+              <a:rPr lang="it-IT" sz="6600" b="1" dirty="0">
+                <a:solidFill>
+                  <a:srgbClr val="FFFFFF"/>
+                </a:solidFill>
                 <a:latin typeface="+mn-lt"/>
               </a:rPr>
-              <a:t>EXTRACT METHOD:	</a:t>
-            </a:r>
-            <a:br>
-              <a:rPr lang="it-IT" sz="5000" b="1" dirty="0">
-                <a:latin typeface="+mn-lt"/>
-              </a:rPr>
-            </a:br>
-            <a:r>
-              <a:rPr lang="it-IT" sz="5000" b="1" dirty="0">
-                <a:latin typeface="+mn-lt"/>
-              </a:rPr>
-              <a:t>METODO DOPO IL REFACTORING</a:t>
-            </a:r>
-          </a:p>
-        </p:txBody>
-      </p:sp>
-      <p:pic>
-        <p:nvPicPr>
-          <p:cNvPr id="5" name="Immagine 4">
-            <a:extLst>
-              <a:ext uri="{FF2B5EF4-FFF2-40B4-BE49-F238E27FC236}">
-                <a16:creationId xmlns:a16="http://schemas.microsoft.com/office/drawing/2014/main" id="{7216A8F1-1B95-E194-00D6-C7B7E095E760}"/>
-              </a:ext>
-            </a:extLst>
-          </p:cNvPr>
-          <p:cNvPicPr>
-            <a:picLocks noChangeAspect="1"/>
-          </p:cNvPicPr>
-          <p:nvPr/>
-        </p:nvPicPr>
-        <p:blipFill>
-          <a:blip r:embed="rId3"/>
-          <a:stretch>
-            <a:fillRect/>
-          </a:stretch>
-        </p:blipFill>
-        <p:spPr>
-          <a:xfrm>
-            <a:off x="838200" y="1900024"/>
-            <a:ext cx="7859222" cy="3057952"/>
-          </a:xfrm>
-          <a:prstGeom prst="rect">
-            <a:avLst/>
-          </a:prstGeom>
-        </p:spPr>
-      </p:pic>
+              <a:t>TESTING</a:t>
+            </a:r>
+          </a:p>
+        </p:txBody>
+      </p:sp>
     </p:spTree>
     <p:extLst>
       <p:ext uri="{BB962C8B-B14F-4D97-AF65-F5344CB8AC3E}">
-        <p14:creationId xmlns:p14="http://schemas.microsoft.com/office/powerpoint/2010/main" val="2146558666"/>
+        <p14:creationId xmlns:p14="http://schemas.microsoft.com/office/powerpoint/2010/main" val="324766179"/>
       </p:ext>
     </p:extLst>
   </p:cSld>
   <p:clrMapOvr>
-    <a:masterClrMapping/>
+    <a:overrideClrMapping bg1="dk1" tx1="lt1" bg2="dk2" tx2="lt2" accent1="accent1" accent2="accent2" accent3="accent3" accent4="accent4" accent5="accent5" accent6="accent6" hlink="hlink" folHlink="folHlink"/>
   </p:clrMapOvr>
+  <p:timing>
+    <p:tnLst>
+      <p:par>
+        <p:cTn id="1" dur="indefinite" restart="never" nodeType="tmRoot">
+          <p:childTnLst>
+            <p:seq concurrent="1" nextAc="seek">
+              <p:cTn id="2" dur="indefinite" nodeType="mainSeq">
+                <p:childTnLst>
+                  <p:par>
+                    <p:cTn id="3" fill="hold">
+                      <p:stCondLst>
+                        <p:cond delay="indefinite"/>
+                        <p:cond evt="onBegin" delay="0">
+                          <p:tn val="2"/>
+                        </p:cond>
+                      </p:stCondLst>
+                      <p:childTnLst>
+                        <p:par>
+                          <p:cTn id="4" fill="hold">
+                            <p:stCondLst>
+                              <p:cond delay="0"/>
+                            </p:stCondLst>
+                            <p:childTnLst>
+                              <p:par>
+                                <p:cTn id="5" presetID="10" presetClass="entr" presetSubtype="0" fill="hold" grpId="0" nodeType="withEffect">
+                                  <p:stCondLst>
+                                    <p:cond delay="1000"/>
+                                  </p:stCondLst>
+                                  <p:iterate type="lt">
+                                    <p:tmPct val="10000"/>
+                                  </p:iterate>
+                                  <p:childTnLst>
+                                    <p:set>
+                                      <p:cBhvr>
+                                        <p:cTn id="6" dur="1" fill="hold">
+                                          <p:stCondLst>
+                                            <p:cond delay="0"/>
+                                          </p:stCondLst>
+                                        </p:cTn>
+                                        <p:tgtEl>
+                                          <p:spTgt spid="2"/>
+                                        </p:tgtEl>
+                                        <p:attrNameLst>
+                                          <p:attrName>style.visibility</p:attrName>
+                                        </p:attrNameLst>
+                                      </p:cBhvr>
+                                      <p:to>
+                                        <p:strVal val="visible"/>
+                                      </p:to>
+                                    </p:set>
+                                    <p:animEffect transition="in" filter="fade">
+                                      <p:cBhvr>
+                                        <p:cTn id="7" dur="400"/>
+                                        <p:tgtEl>
+                                          <p:spTgt spid="2"/>
+                                        </p:tgtEl>
+                                      </p:cBhvr>
+                                    </p:animEffect>
+                                  </p:childTnLst>
+                                </p:cTn>
+                              </p:par>
+                            </p:childTnLst>
+                          </p:cTn>
+                        </p:par>
+                      </p:childTnLst>
+                    </p:cTn>
+                  </p:par>
+                </p:childTnLst>
+              </p:cTn>
+              <p:prevCondLst>
+                <p:cond evt="onPrev" delay="0">
+                  <p:tgtEl>
+                    <p:sldTgt/>
+                  </p:tgtEl>
+                </p:cond>
+              </p:prevCondLst>
+              <p:nextCondLst>
+                <p:cond evt="onNext" delay="0">
+                  <p:tgtEl>
+                    <p:sldTgt/>
+                  </p:tgtEl>
+                </p:cond>
+              </p:nextCondLst>
+            </p:seq>
+          </p:childTnLst>
+        </p:cTn>
+      </p:par>
+    </p:tnLst>
+    <p:bldLst>
+      <p:bldP spid="2" grpId="0"/>
+    </p:bldLst>
+  </p:timing>
 </p:sld>
 </file>
 
@@ -4514,7 +4694,7 @@
         </p:blipFill>
         <p:spPr>
           <a:xfrm>
-            <a:off x="20" y="-175490"/>
+            <a:off x="0" y="1"/>
             <a:ext cx="12191980" cy="6857999"/>
           </a:xfrm>
           <a:prstGeom prst="rect">
@@ -4538,12 +4718,7 @@
             <p:ph type="title"/>
           </p:nvPr>
         </p:nvSpPr>
-        <p:spPr>
-          <a:xfrm>
-            <a:off x="473895" y="286517"/>
-            <a:ext cx="11543920" cy="1325563"/>
-          </a:xfrm>
-        </p:spPr>
+        <p:spPr/>
         <p:txBody>
           <a:bodyPr>
             <a:normAutofit/>
@@ -4554,17 +4729,17 @@
               <a:rPr lang="it-IT" sz="5000" b="1" dirty="0">
                 <a:latin typeface="+mn-lt"/>
               </a:rPr>
-              <a:t>EXTRACT METHOD: CREA MENU TEMATICO</a:t>
+              <a:t>TESTING: VALORE LIMITE  </a:t>
             </a:r>
           </a:p>
         </p:txBody>
       </p:sp>
       <p:pic>
         <p:nvPicPr>
-          <p:cNvPr id="6" name="Immagine 5" descr="Immagine che contiene testo, schermata, Carattere&#10;&#10;Descrizione generata automaticamente">
-            <a:extLst>
-              <a:ext uri="{FF2B5EF4-FFF2-40B4-BE49-F238E27FC236}">
-                <a16:creationId xmlns:a16="http://schemas.microsoft.com/office/drawing/2014/main" id="{FBE9BAD0-692A-261A-3DF5-9334025A0776}"/>
+          <p:cNvPr id="9" name="Immagine 8">
+            <a:extLst>
+              <a:ext uri="{FF2B5EF4-FFF2-40B4-BE49-F238E27FC236}">
+                <a16:creationId xmlns:a16="http://schemas.microsoft.com/office/drawing/2014/main" id="{DDC0F64D-7076-C3AE-BF60-1939B928509C}"/>
               </a:ext>
             </a:extLst>
           </p:cNvPr>
@@ -4574,132 +4749,221 @@
           <p:nvPr/>
         </p:nvPicPr>
         <p:blipFill>
-          <a:blip r:embed="rId3">
-            <a:extLst>
-              <a:ext uri="{28A0092B-C50C-407E-A947-70E740481C1C}">
-                <a14:useLocalDpi xmlns:a14="http://schemas.microsoft.com/office/drawing/2010/main" val="0"/>
-              </a:ext>
-            </a:extLst>
-          </a:blip>
+          <a:blip r:embed="rId3"/>
           <a:stretch>
             <a:fillRect/>
           </a:stretch>
         </p:blipFill>
         <p:spPr>
           <a:xfrm>
-            <a:off x="589508" y="1544320"/>
-            <a:ext cx="10193173" cy="4753638"/>
+            <a:off x="3140157" y="3275829"/>
+            <a:ext cx="5911665" cy="3088025"/>
           </a:xfrm>
           <a:prstGeom prst="rect">
             <a:avLst/>
           </a:prstGeom>
         </p:spPr>
       </p:pic>
-      <p:sp>
-        <p:nvSpPr>
-          <p:cNvPr id="11" name="Parentesi graffa chiusa 10">
-            <a:extLst>
-              <a:ext uri="{FF2B5EF4-FFF2-40B4-BE49-F238E27FC236}">
-                <a16:creationId xmlns:a16="http://schemas.microsoft.com/office/drawing/2014/main" id="{3C2DEC42-FE1D-1CB3-C00A-52980C3FD020}"/>
-              </a:ext>
-            </a:extLst>
-          </p:cNvPr>
-          <p:cNvSpPr/>
-          <p:nvPr/>
-        </p:nvSpPr>
-        <p:spPr>
-          <a:xfrm>
-            <a:off x="8310182" y="3041244"/>
-            <a:ext cx="1233577" cy="1759789"/>
-          </a:xfrm>
-          <a:prstGeom prst="rightBrace">
-            <a:avLst>
-              <a:gd name="adj1" fmla="val 17484"/>
-              <a:gd name="adj2" fmla="val 48137"/>
-            </a:avLst>
-          </a:prstGeom>
-          <a:ln>
-            <a:solidFill>
-              <a:srgbClr val="FF0000"/>
-            </a:solidFill>
-          </a:ln>
-        </p:spPr>
-        <p:style>
-          <a:lnRef idx="3">
-            <a:schemeClr val="accent2"/>
-          </a:lnRef>
-          <a:fillRef idx="0">
-            <a:schemeClr val="accent2"/>
-          </a:fillRef>
-          <a:effectRef idx="2">
-            <a:schemeClr val="accent2"/>
-          </a:effectRef>
-          <a:fontRef idx="minor">
-            <a:schemeClr val="tx1"/>
-          </a:fontRef>
-        </p:style>
-        <p:txBody>
-          <a:bodyPr rtlCol="0" anchor="ctr"/>
-          <a:lstStyle/>
-          <a:p>
-            <a:pPr algn="ctr"/>
-            <a:endParaRPr lang="it-IT"/>
-          </a:p>
-        </p:txBody>
-      </p:sp>
-      <p:sp>
-        <p:nvSpPr>
-          <p:cNvPr id="12" name="CasellaDiTesto 11">
-            <a:extLst>
-              <a:ext uri="{FF2B5EF4-FFF2-40B4-BE49-F238E27FC236}">
-                <a16:creationId xmlns:a16="http://schemas.microsoft.com/office/drawing/2014/main" id="{C2606D89-CEC7-C737-E883-A93BA96D2EFE}"/>
-              </a:ext>
-            </a:extLst>
-          </p:cNvPr>
-          <p:cNvSpPr txBox="1"/>
-          <p:nvPr/>
-        </p:nvSpPr>
-        <p:spPr>
-          <a:xfrm>
-            <a:off x="9475169" y="3660698"/>
-            <a:ext cx="1925079" cy="707886"/>
-          </a:xfrm>
-          <a:prstGeom prst="rect">
-            <a:avLst/>
-          </a:prstGeom>
-          <a:noFill/>
-        </p:spPr>
-        <p:txBody>
-          <a:bodyPr wrap="none" rtlCol="0">
-            <a:spAutoFit/>
-          </a:bodyPr>
-          <a:lstStyle/>
-          <a:p>
-            <a:r>
-              <a:rPr lang="it-IT" sz="2000" b="1" dirty="0">
-                <a:solidFill>
-                  <a:srgbClr val="FF0000"/>
-                </a:solidFill>
-              </a:rPr>
-              <a:t>1. SCELTA NOME</a:t>
-            </a:r>
-          </a:p>
-          <a:p>
-            <a:r>
-              <a:rPr lang="it-IT" sz="2000" b="1" dirty="0">
-                <a:solidFill>
-                  <a:srgbClr val="FF0000"/>
-                </a:solidFill>
-              </a:rPr>
-              <a:t>     MENU</a:t>
-            </a:r>
-          </a:p>
-        </p:txBody>
-      </p:sp>
+      <p:graphicFrame>
+        <p:nvGraphicFramePr>
+          <p:cNvPr id="10" name="Tabella 10">
+            <a:extLst>
+              <a:ext uri="{FF2B5EF4-FFF2-40B4-BE49-F238E27FC236}">
+                <a16:creationId xmlns:a16="http://schemas.microsoft.com/office/drawing/2014/main" id="{4993070F-E9B6-AB8F-9530-C512F566170F}"/>
+              </a:ext>
+            </a:extLst>
+          </p:cNvPr>
+          <p:cNvGraphicFramePr>
+            <a:graphicFrameLocks noGrp="1"/>
+          </p:cNvGraphicFramePr>
+          <p:nvPr>
+            <p:extLst>
+              <p:ext uri="{D42A27DB-BD31-4B8C-83A1-F6EECF244321}">
+                <p14:modId xmlns:p14="http://schemas.microsoft.com/office/powerpoint/2010/main" val="3640757744"/>
+              </p:ext>
+            </p:extLst>
+          </p:nvPr>
+        </p:nvGraphicFramePr>
+        <p:xfrm>
+          <a:off x="2031989" y="1669163"/>
+          <a:ext cx="8127999" cy="1137920"/>
+        </p:xfrm>
+        <a:graphic>
+          <a:graphicData uri="http://schemas.openxmlformats.org/drawingml/2006/table">
+            <a:tbl>
+              <a:tblPr firstRow="1" bandRow="1">
+                <a:tableStyleId>{5C22544A-7EE6-4342-B048-85BDC9FD1C3A}</a:tableStyleId>
+              </a:tblPr>
+              <a:tblGrid>
+                <a:gridCol w="2709333">
+                  <a:extLst>
+                    <a:ext uri="{9D8B030D-6E8A-4147-A177-3AD203B41FA5}">
+                      <a16:colId xmlns:a16="http://schemas.microsoft.com/office/drawing/2014/main" val="2308677863"/>
+                    </a:ext>
+                  </a:extLst>
+                </a:gridCol>
+                <a:gridCol w="2709333">
+                  <a:extLst>
+                    <a:ext uri="{9D8B030D-6E8A-4147-A177-3AD203B41FA5}">
+                      <a16:colId xmlns:a16="http://schemas.microsoft.com/office/drawing/2014/main" val="1951086049"/>
+                    </a:ext>
+                  </a:extLst>
+                </a:gridCol>
+                <a:gridCol w="2709333">
+                  <a:extLst>
+                    <a:ext uri="{9D8B030D-6E8A-4147-A177-3AD203B41FA5}">
+                      <a16:colId xmlns:a16="http://schemas.microsoft.com/office/drawing/2014/main" val="1349026515"/>
+                    </a:ext>
+                  </a:extLst>
+                </a:gridCol>
+              </a:tblGrid>
+              <a:tr h="370840">
+                <a:tc gridSpan="3">
+                  <a:txBody>
+                    <a:bodyPr/>
+                    <a:lstStyle/>
+                    <a:p>
+                      <a:pPr algn="ctr"/>
+                      <a:r>
+                        <a:rPr lang="it-IT" sz="2000" dirty="0"/>
+                        <a:t>BOUNDARY VALUE ANALYSIS</a:t>
+                      </a:r>
+                    </a:p>
+                  </a:txBody>
+                  <a:tcPr/>
+                </a:tc>
+                <a:tc hMerge="1">
+                  <a:txBody>
+                    <a:bodyPr/>
+                    <a:lstStyle/>
+                    <a:p>
+                      <a:endParaRPr lang="it-IT" dirty="0"/>
+                    </a:p>
+                  </a:txBody>
+                  <a:tcPr/>
+                </a:tc>
+                <a:tc hMerge="1">
+                  <a:txBody>
+                    <a:bodyPr/>
+                    <a:lstStyle/>
+                    <a:p>
+                      <a:endParaRPr lang="it-IT"/>
+                    </a:p>
+                  </a:txBody>
+                  <a:tcPr/>
+                </a:tc>
+                <a:extLst>
+                  <a:ext uri="{0D108BD9-81ED-4DB2-BD59-A6C34878D82A}">
+                    <a16:rowId xmlns:a16="http://schemas.microsoft.com/office/drawing/2014/main" val="768642626"/>
+                  </a:ext>
+                </a:extLst>
+              </a:tr>
+              <a:tr h="370840">
+                <a:tc>
+                  <a:txBody>
+                    <a:bodyPr/>
+                    <a:lstStyle/>
+                    <a:p>
+                      <a:pPr algn="ctr"/>
+                      <a:r>
+                        <a:rPr lang="it-IT" dirty="0"/>
+                        <a:t>INVALID</a:t>
+                      </a:r>
+                    </a:p>
+                  </a:txBody>
+                  <a:tcPr/>
+                </a:tc>
+                <a:tc>
+                  <a:txBody>
+                    <a:bodyPr/>
+                    <a:lstStyle/>
+                    <a:p>
+                      <a:pPr algn="ctr"/>
+                      <a:r>
+                        <a:rPr lang="it-IT" dirty="0"/>
+                        <a:t>VALID </a:t>
+                      </a:r>
+                    </a:p>
+                  </a:txBody>
+                  <a:tcPr/>
+                </a:tc>
+                <a:tc>
+                  <a:txBody>
+                    <a:bodyPr/>
+                    <a:lstStyle/>
+                    <a:p>
+                      <a:pPr algn="ctr"/>
+                      <a:r>
+                        <a:rPr lang="it-IT" dirty="0"/>
+                        <a:t>INVALID</a:t>
+                      </a:r>
+                    </a:p>
+                  </a:txBody>
+                  <a:tcPr/>
+                </a:tc>
+                <a:extLst>
+                  <a:ext uri="{0D108BD9-81ED-4DB2-BD59-A6C34878D82A}">
+                    <a16:rowId xmlns:a16="http://schemas.microsoft.com/office/drawing/2014/main" val="3854850570"/>
+                  </a:ext>
+                </a:extLst>
+              </a:tr>
+              <a:tr h="370840">
+                <a:tc>
+                  <a:txBody>
+                    <a:bodyPr/>
+                    <a:lstStyle/>
+                    <a:p>
+                      <a:pPr algn="ctr"/>
+                      <a:r>
+                        <a:rPr lang="it-IT" dirty="0"/>
+                        <a:t>0</a:t>
+                      </a:r>
+                    </a:p>
+                  </a:txBody>
+                  <a:tcPr/>
+                </a:tc>
+                <a:tc>
+                  <a:txBody>
+                    <a:bodyPr/>
+                    <a:lstStyle/>
+                    <a:p>
+                      <a:pPr algn="ctr"/>
+                      <a:r>
+                        <a:rPr lang="it-IT" dirty="0"/>
+                        <a:t>1, 2, 11, 12</a:t>
+                      </a:r>
+                    </a:p>
+                  </a:txBody>
+                  <a:tcPr/>
+                </a:tc>
+                <a:tc>
+                  <a:txBody>
+                    <a:bodyPr/>
+                    <a:lstStyle/>
+                    <a:p>
+                      <a:pPr algn="ctr"/>
+                      <a:r>
+                        <a:rPr lang="it-IT" dirty="0"/>
+                        <a:t>13</a:t>
+                      </a:r>
+                    </a:p>
+                  </a:txBody>
+                  <a:tcPr/>
+                </a:tc>
+                <a:extLst>
+                  <a:ext uri="{0D108BD9-81ED-4DB2-BD59-A6C34878D82A}">
+                    <a16:rowId xmlns:a16="http://schemas.microsoft.com/office/drawing/2014/main" val="3640707741"/>
+                  </a:ext>
+                </a:extLst>
+              </a:tr>
+            </a:tbl>
+          </a:graphicData>
+        </a:graphic>
+      </p:graphicFrame>
     </p:spTree>
     <p:extLst>
       <p:ext uri="{BB962C8B-B14F-4D97-AF65-F5344CB8AC3E}">
-        <p14:creationId xmlns:p14="http://schemas.microsoft.com/office/powerpoint/2010/main" val="2157287213"/>
+        <p14:creationId xmlns:p14="http://schemas.microsoft.com/office/powerpoint/2010/main" val="2702069540"/>
       </p:ext>
     </p:extLst>
   </p:cSld>
@@ -4749,7 +5013,7 @@
         </p:blipFill>
         <p:spPr>
           <a:xfrm>
-            <a:off x="20" y="-175490"/>
+            <a:off x="0" y="1"/>
             <a:ext cx="12191980" cy="6857999"/>
           </a:xfrm>
           <a:prstGeom prst="rect">
@@ -4773,15 +5037,10 @@
             <p:ph type="title"/>
           </p:nvPr>
         </p:nvSpPr>
-        <p:spPr>
-          <a:xfrm>
-            <a:off x="8319806" y="375362"/>
-            <a:ext cx="3723560" cy="1325563"/>
-          </a:xfrm>
-        </p:spPr>
+        <p:spPr/>
         <p:txBody>
           <a:bodyPr>
-            <a:normAutofit fontScale="90000"/>
+            <a:normAutofit/>
           </a:bodyPr>
           <a:lstStyle/>
           <a:p>
@@ -4789,17 +5048,218 @@
               <a:rPr lang="it-IT" sz="5000" b="1" dirty="0">
                 <a:latin typeface="+mn-lt"/>
               </a:rPr>
-              <a:t>CREA MENU TEMATICO</a:t>
-            </a:r>
-          </a:p>
-        </p:txBody>
-      </p:sp>
+              <a:t>TESTING: CLASSI DI EQUIVALENZA</a:t>
+            </a:r>
+          </a:p>
+        </p:txBody>
+      </p:sp>
+      <p:graphicFrame>
+        <p:nvGraphicFramePr>
+          <p:cNvPr id="10" name="Tabella 10">
+            <a:extLst>
+              <a:ext uri="{FF2B5EF4-FFF2-40B4-BE49-F238E27FC236}">
+                <a16:creationId xmlns:a16="http://schemas.microsoft.com/office/drawing/2014/main" id="{4993070F-E9B6-AB8F-9530-C512F566170F}"/>
+              </a:ext>
+            </a:extLst>
+          </p:cNvPr>
+          <p:cNvGraphicFramePr>
+            <a:graphicFrameLocks noGrp="1"/>
+          </p:cNvGraphicFramePr>
+          <p:nvPr>
+            <p:extLst>
+              <p:ext uri="{D42A27DB-BD31-4B8C-83A1-F6EECF244321}">
+                <p14:modId xmlns:p14="http://schemas.microsoft.com/office/powerpoint/2010/main" val="3864963810"/>
+              </p:ext>
+            </p:extLst>
+          </p:nvPr>
+        </p:nvGraphicFramePr>
+        <p:xfrm>
+          <a:off x="2031989" y="1669163"/>
+          <a:ext cx="8127999" cy="1407160"/>
+        </p:xfrm>
+        <a:graphic>
+          <a:graphicData uri="http://schemas.openxmlformats.org/drawingml/2006/table">
+            <a:tbl>
+              <a:tblPr firstRow="1" bandRow="1">
+                <a:tableStyleId>{5C22544A-7EE6-4342-B048-85BDC9FD1C3A}</a:tableStyleId>
+              </a:tblPr>
+              <a:tblGrid>
+                <a:gridCol w="2709333">
+                  <a:extLst>
+                    <a:ext uri="{9D8B030D-6E8A-4147-A177-3AD203B41FA5}">
+                      <a16:colId xmlns:a16="http://schemas.microsoft.com/office/drawing/2014/main" val="2308677863"/>
+                    </a:ext>
+                  </a:extLst>
+                </a:gridCol>
+                <a:gridCol w="2709333">
+                  <a:extLst>
+                    <a:ext uri="{9D8B030D-6E8A-4147-A177-3AD203B41FA5}">
+                      <a16:colId xmlns:a16="http://schemas.microsoft.com/office/drawing/2014/main" val="1951086049"/>
+                    </a:ext>
+                  </a:extLst>
+                </a:gridCol>
+                <a:gridCol w="2709333">
+                  <a:extLst>
+                    <a:ext uri="{9D8B030D-6E8A-4147-A177-3AD203B41FA5}">
+                      <a16:colId xmlns:a16="http://schemas.microsoft.com/office/drawing/2014/main" val="1349026515"/>
+                    </a:ext>
+                  </a:extLst>
+                </a:gridCol>
+              </a:tblGrid>
+              <a:tr h="370840">
+                <a:tc gridSpan="3">
+                  <a:txBody>
+                    <a:bodyPr/>
+                    <a:lstStyle/>
+                    <a:p>
+                      <a:pPr algn="ctr"/>
+                      <a:r>
+                        <a:rPr lang="it-IT" sz="2000" dirty="0"/>
+                        <a:t>EQUIVALENCE PARTITIONING</a:t>
+                      </a:r>
+                    </a:p>
+                  </a:txBody>
+                  <a:tcPr anchor="ctr"/>
+                </a:tc>
+                <a:tc hMerge="1">
+                  <a:txBody>
+                    <a:bodyPr/>
+                    <a:lstStyle/>
+                    <a:p>
+                      <a:endParaRPr lang="it-IT" dirty="0"/>
+                    </a:p>
+                  </a:txBody>
+                  <a:tcPr/>
+                </a:tc>
+                <a:tc hMerge="1">
+                  <a:txBody>
+                    <a:bodyPr/>
+                    <a:lstStyle/>
+                    <a:p>
+                      <a:endParaRPr lang="it-IT"/>
+                    </a:p>
+                  </a:txBody>
+                  <a:tcPr/>
+                </a:tc>
+                <a:extLst>
+                  <a:ext uri="{0D108BD9-81ED-4DB2-BD59-A6C34878D82A}">
+                    <a16:rowId xmlns:a16="http://schemas.microsoft.com/office/drawing/2014/main" val="768642626"/>
+                  </a:ext>
+                </a:extLst>
+              </a:tr>
+              <a:tr h="370840">
+                <a:tc>
+                  <a:txBody>
+                    <a:bodyPr/>
+                    <a:lstStyle/>
+                    <a:p>
+                      <a:pPr algn="ctr"/>
+                      <a:r>
+                        <a:rPr lang="it-IT" dirty="0"/>
+                        <a:t>INVALID</a:t>
+                      </a:r>
+                    </a:p>
+                  </a:txBody>
+                  <a:tcPr anchor="ctr"/>
+                </a:tc>
+                <a:tc>
+                  <a:txBody>
+                    <a:bodyPr/>
+                    <a:lstStyle/>
+                    <a:p>
+                      <a:pPr algn="ctr"/>
+                      <a:r>
+                        <a:rPr lang="it-IT" dirty="0"/>
+                        <a:t>VALID </a:t>
+                      </a:r>
+                    </a:p>
+                  </a:txBody>
+                  <a:tcPr anchor="ctr"/>
+                </a:tc>
+                <a:tc>
+                  <a:txBody>
+                    <a:bodyPr/>
+                    <a:lstStyle/>
+                    <a:p>
+                      <a:pPr algn="ctr"/>
+                      <a:r>
+                        <a:rPr lang="it-IT" dirty="0"/>
+                        <a:t>INVALID</a:t>
+                      </a:r>
+                    </a:p>
+                  </a:txBody>
+                  <a:tcPr anchor="ctr"/>
+                </a:tc>
+                <a:extLst>
+                  <a:ext uri="{0D108BD9-81ED-4DB2-BD59-A6C34878D82A}">
+                    <a16:rowId xmlns:a16="http://schemas.microsoft.com/office/drawing/2014/main" val="3854850570"/>
+                  </a:ext>
+                </a:extLst>
+              </a:tr>
+              <a:tr h="370840">
+                <a:tc>
+                  <a:txBody>
+                    <a:bodyPr/>
+                    <a:lstStyle/>
+                    <a:p>
+                      <a:pPr algn="ctr"/>
+                      <a:r>
+                        <a:rPr lang="it-IT" dirty="0"/>
+                        <a:t>Altro</a:t>
+                      </a:r>
+                    </a:p>
+                  </a:txBody>
+                  <a:tcPr anchor="ctr"/>
+                </a:tc>
+                <a:tc>
+                  <a:txBody>
+                    <a:bodyPr/>
+                    <a:lstStyle/>
+                    <a:p>
+                      <a:pPr algn="ctr"/>
+                      <a:r>
+                        <a:rPr lang="it-IT" dirty="0"/>
+                        <a:t>E</a:t>
+                      </a:r>
+                      <a:r>
+                        <a:rPr lang="it-IT" altLang="zh-CN" dirty="0"/>
+                        <a:t>state, Inverno, Autunno, Primavera</a:t>
+                      </a:r>
+                      <a:endParaRPr lang="it-IT" dirty="0"/>
+                    </a:p>
+                  </a:txBody>
+                  <a:tcPr anchor="ctr"/>
+                </a:tc>
+                <a:tc>
+                  <a:txBody>
+                    <a:bodyPr/>
+                    <a:lstStyle/>
+                    <a:p>
+                      <a:pPr algn="ctr"/>
+                      <a:r>
+                        <a:rPr lang="it-IT" dirty="0"/>
+                        <a:t>Altro</a:t>
+                      </a:r>
+                    </a:p>
+                  </a:txBody>
+                  <a:tcPr anchor="ctr"/>
+                </a:tc>
+                <a:extLst>
+                  <a:ext uri="{0D108BD9-81ED-4DB2-BD59-A6C34878D82A}">
+                    <a16:rowId xmlns:a16="http://schemas.microsoft.com/office/drawing/2014/main" val="3640707741"/>
+                  </a:ext>
+                </a:extLst>
+              </a:tr>
+            </a:tbl>
+          </a:graphicData>
+        </a:graphic>
+      </p:graphicFrame>
       <p:pic>
         <p:nvPicPr>
-          <p:cNvPr id="8" name="Immagine 7" descr="Immagine che contiene testo, schermata&#10;&#10;Descrizione generata automaticamente">
-            <a:extLst>
-              <a:ext uri="{FF2B5EF4-FFF2-40B4-BE49-F238E27FC236}">
-                <a16:creationId xmlns:a16="http://schemas.microsoft.com/office/drawing/2014/main" id="{202B5B4B-6574-DEF8-7EF3-256C511E7966}"/>
+          <p:cNvPr id="5" name="Immagine 4">
+            <a:extLst>
+              <a:ext uri="{FF2B5EF4-FFF2-40B4-BE49-F238E27FC236}">
+                <a16:creationId xmlns:a16="http://schemas.microsoft.com/office/drawing/2014/main" id="{29D1B911-6A4D-8E33-2629-72C402738831}"/>
               </a:ext>
             </a:extLst>
           </p:cNvPr>
@@ -4809,395 +5269,25 @@
           <p:nvPr/>
         </p:nvPicPr>
         <p:blipFill>
-          <a:blip r:embed="rId3">
-            <a:extLst>
-              <a:ext uri="{28A0092B-C50C-407E-A947-70E740481C1C}">
-                <a14:useLocalDpi xmlns:a14="http://schemas.microsoft.com/office/drawing/2010/main" val="0"/>
-              </a:ext>
-            </a:extLst>
-          </a:blip>
+          <a:blip r:embed="rId3"/>
           <a:stretch>
             <a:fillRect/>
           </a:stretch>
         </p:blipFill>
         <p:spPr>
           <a:xfrm>
-            <a:off x="473895" y="460769"/>
-            <a:ext cx="7697277" cy="5936462"/>
+            <a:off x="3438142" y="3781678"/>
+            <a:ext cx="5315692" cy="2000529"/>
           </a:xfrm>
           <a:prstGeom prst="rect">
             <a:avLst/>
           </a:prstGeom>
         </p:spPr>
       </p:pic>
-      <p:sp>
-        <p:nvSpPr>
-          <p:cNvPr id="9" name="Parentesi graffa chiusa 8">
-            <a:extLst>
-              <a:ext uri="{FF2B5EF4-FFF2-40B4-BE49-F238E27FC236}">
-                <a16:creationId xmlns:a16="http://schemas.microsoft.com/office/drawing/2014/main" id="{E791340E-A568-01EA-949F-285C0AEAD179}"/>
-              </a:ext>
-            </a:extLst>
-          </p:cNvPr>
-          <p:cNvSpPr/>
-          <p:nvPr/>
-        </p:nvSpPr>
-        <p:spPr>
-          <a:xfrm>
-            <a:off x="6937593" y="547426"/>
-            <a:ext cx="1233577" cy="1549229"/>
-          </a:xfrm>
-          <a:prstGeom prst="rightBrace">
-            <a:avLst>
-              <a:gd name="adj1" fmla="val 14597"/>
-              <a:gd name="adj2" fmla="val 75562"/>
-            </a:avLst>
-          </a:prstGeom>
-          <a:ln>
-            <a:solidFill>
-              <a:srgbClr val="FF0000"/>
-            </a:solidFill>
-          </a:ln>
-        </p:spPr>
-        <p:style>
-          <a:lnRef idx="3">
-            <a:schemeClr val="accent2"/>
-          </a:lnRef>
-          <a:fillRef idx="0">
-            <a:schemeClr val="accent2"/>
-          </a:fillRef>
-          <a:effectRef idx="2">
-            <a:schemeClr val="accent2"/>
-          </a:effectRef>
-          <a:fontRef idx="minor">
-            <a:schemeClr val="tx1"/>
-          </a:fontRef>
-        </p:style>
-        <p:txBody>
-          <a:bodyPr rtlCol="0" anchor="ctr"/>
-          <a:lstStyle/>
-          <a:p>
-            <a:pPr algn="ctr"/>
-            <a:endParaRPr lang="it-IT"/>
-          </a:p>
-        </p:txBody>
-      </p:sp>
-      <p:sp>
-        <p:nvSpPr>
-          <p:cNvPr id="13" name="CasellaDiTesto 12">
-            <a:extLst>
-              <a:ext uri="{FF2B5EF4-FFF2-40B4-BE49-F238E27FC236}">
-                <a16:creationId xmlns:a16="http://schemas.microsoft.com/office/drawing/2014/main" id="{1976C4C3-5039-ECEB-2048-626B01B62C2E}"/>
-              </a:ext>
-            </a:extLst>
-          </p:cNvPr>
-          <p:cNvSpPr txBox="1"/>
-          <p:nvPr/>
-        </p:nvSpPr>
-        <p:spPr>
-          <a:xfrm>
-            <a:off x="8171170" y="1528861"/>
-            <a:ext cx="2603854" cy="400110"/>
-          </a:xfrm>
-          <a:prstGeom prst="rect">
-            <a:avLst/>
-          </a:prstGeom>
-          <a:noFill/>
-        </p:spPr>
-        <p:txBody>
-          <a:bodyPr wrap="none" rtlCol="0">
-            <a:spAutoFit/>
-          </a:bodyPr>
-          <a:lstStyle/>
-          <a:p>
-            <a:r>
-              <a:rPr lang="it-IT" sz="2000" b="1" dirty="0">
-                <a:solidFill>
-                  <a:srgbClr val="FF0000"/>
-                </a:solidFill>
-              </a:rPr>
-              <a:t>3. INSERMENTO PIATTI</a:t>
-            </a:r>
-          </a:p>
-        </p:txBody>
-      </p:sp>
-      <p:sp>
-        <p:nvSpPr>
-          <p:cNvPr id="14" name="Parentesi graffa chiusa 13">
-            <a:extLst>
-              <a:ext uri="{FF2B5EF4-FFF2-40B4-BE49-F238E27FC236}">
-                <a16:creationId xmlns:a16="http://schemas.microsoft.com/office/drawing/2014/main" id="{82C6389B-7133-8DF3-5EBA-AE1B31603E18}"/>
-              </a:ext>
-            </a:extLst>
-          </p:cNvPr>
-          <p:cNvSpPr/>
-          <p:nvPr/>
-        </p:nvSpPr>
-        <p:spPr>
-          <a:xfrm>
-            <a:off x="5882530" y="2183312"/>
-            <a:ext cx="1233577" cy="1945343"/>
-          </a:xfrm>
-          <a:prstGeom prst="rightBrace">
-            <a:avLst>
-              <a:gd name="adj1" fmla="val 17484"/>
-              <a:gd name="adj2" fmla="val 52445"/>
-            </a:avLst>
-          </a:prstGeom>
-          <a:ln>
-            <a:solidFill>
-              <a:srgbClr val="FF0000"/>
-            </a:solidFill>
-          </a:ln>
-        </p:spPr>
-        <p:style>
-          <a:lnRef idx="3">
-            <a:schemeClr val="accent2"/>
-          </a:lnRef>
-          <a:fillRef idx="0">
-            <a:schemeClr val="accent2"/>
-          </a:fillRef>
-          <a:effectRef idx="2">
-            <a:schemeClr val="accent2"/>
-          </a:effectRef>
-          <a:fontRef idx="minor">
-            <a:schemeClr val="tx1"/>
-          </a:fontRef>
-        </p:style>
-        <p:txBody>
-          <a:bodyPr rtlCol="0" anchor="ctr"/>
-          <a:lstStyle/>
-          <a:p>
-            <a:pPr algn="ctr"/>
-            <a:endParaRPr lang="it-IT"/>
-          </a:p>
-        </p:txBody>
-      </p:sp>
-      <p:sp>
-        <p:nvSpPr>
-          <p:cNvPr id="15" name="CasellaDiTesto 14">
-            <a:extLst>
-              <a:ext uri="{FF2B5EF4-FFF2-40B4-BE49-F238E27FC236}">
-                <a16:creationId xmlns:a16="http://schemas.microsoft.com/office/drawing/2014/main" id="{9D8C6405-A69C-7C12-FD45-9F8ADD52985F}"/>
-              </a:ext>
-            </a:extLst>
-          </p:cNvPr>
-          <p:cNvSpPr txBox="1"/>
-          <p:nvPr/>
-        </p:nvSpPr>
-        <p:spPr>
-          <a:xfrm>
-            <a:off x="7079697" y="3022108"/>
-            <a:ext cx="2531014" cy="400110"/>
-          </a:xfrm>
-          <a:prstGeom prst="rect">
-            <a:avLst/>
-          </a:prstGeom>
-          <a:noFill/>
-        </p:spPr>
-        <p:txBody>
-          <a:bodyPr wrap="none" rtlCol="0">
-            <a:spAutoFit/>
-          </a:bodyPr>
-          <a:lstStyle/>
-          <a:p>
-            <a:r>
-              <a:rPr lang="it-IT" sz="2000" b="1" dirty="0">
-                <a:solidFill>
-                  <a:srgbClr val="FF0000"/>
-                </a:solidFill>
-              </a:rPr>
-              <a:t>4. CAN ADD TO MENU</a:t>
-            </a:r>
-          </a:p>
-        </p:txBody>
-      </p:sp>
-      <p:sp>
-        <p:nvSpPr>
-          <p:cNvPr id="16" name="Parentesi graffa chiusa 15">
-            <a:extLst>
-              <a:ext uri="{FF2B5EF4-FFF2-40B4-BE49-F238E27FC236}">
-                <a16:creationId xmlns:a16="http://schemas.microsoft.com/office/drawing/2014/main" id="{7E0B88DE-9C47-4825-4336-BE84DE49583E}"/>
-              </a:ext>
-            </a:extLst>
-          </p:cNvPr>
-          <p:cNvSpPr/>
-          <p:nvPr/>
-        </p:nvSpPr>
-        <p:spPr>
-          <a:xfrm>
-            <a:off x="3705744" y="1172436"/>
-            <a:ext cx="1233577" cy="931463"/>
-          </a:xfrm>
-          <a:prstGeom prst="rightBrace">
-            <a:avLst>
-              <a:gd name="adj1" fmla="val 17484"/>
-              <a:gd name="adj2" fmla="val 45814"/>
-            </a:avLst>
-          </a:prstGeom>
-          <a:ln>
-            <a:solidFill>
-              <a:srgbClr val="FF0000"/>
-            </a:solidFill>
-          </a:ln>
-        </p:spPr>
-        <p:style>
-          <a:lnRef idx="3">
-            <a:schemeClr val="accent2"/>
-          </a:lnRef>
-          <a:fillRef idx="0">
-            <a:schemeClr val="accent2"/>
-          </a:fillRef>
-          <a:effectRef idx="2">
-            <a:schemeClr val="accent2"/>
-          </a:effectRef>
-          <a:fontRef idx="minor">
-            <a:schemeClr val="tx1"/>
-          </a:fontRef>
-        </p:style>
-        <p:txBody>
-          <a:bodyPr rtlCol="0" anchor="ctr"/>
-          <a:lstStyle/>
-          <a:p>
-            <a:pPr algn="ctr"/>
-            <a:endParaRPr lang="it-IT"/>
-          </a:p>
-        </p:txBody>
-      </p:sp>
-      <p:sp>
-        <p:nvSpPr>
-          <p:cNvPr id="17" name="CasellaDiTesto 16">
-            <a:extLst>
-              <a:ext uri="{FF2B5EF4-FFF2-40B4-BE49-F238E27FC236}">
-                <a16:creationId xmlns:a16="http://schemas.microsoft.com/office/drawing/2014/main" id="{FCB9B566-44C9-82B8-44F3-7906A9793A27}"/>
-              </a:ext>
-            </a:extLst>
-          </p:cNvPr>
-          <p:cNvSpPr txBox="1"/>
-          <p:nvPr/>
-        </p:nvSpPr>
-        <p:spPr>
-          <a:xfrm>
-            <a:off x="4922637" y="1386222"/>
-            <a:ext cx="2402966" cy="400110"/>
-          </a:xfrm>
-          <a:prstGeom prst="rect">
-            <a:avLst/>
-          </a:prstGeom>
-          <a:noFill/>
-        </p:spPr>
-        <p:txBody>
-          <a:bodyPr wrap="none" rtlCol="0">
-            <a:spAutoFit/>
-          </a:bodyPr>
-          <a:lstStyle/>
-          <a:p>
-            <a:r>
-              <a:rPr lang="it-IT" sz="2000" b="1" dirty="0">
-                <a:solidFill>
-                  <a:srgbClr val="FF0000"/>
-                </a:solidFill>
-              </a:rPr>
-              <a:t>2. CHECK DUPLICATO</a:t>
-            </a:r>
-          </a:p>
-        </p:txBody>
-      </p:sp>
-      <p:sp>
-        <p:nvSpPr>
-          <p:cNvPr id="18" name="Parentesi graffa chiusa 17">
-            <a:extLst>
-              <a:ext uri="{FF2B5EF4-FFF2-40B4-BE49-F238E27FC236}">
-                <a16:creationId xmlns:a16="http://schemas.microsoft.com/office/drawing/2014/main" id="{194E3650-B378-0C78-44F9-95CC6051C979}"/>
-              </a:ext>
-            </a:extLst>
-          </p:cNvPr>
-          <p:cNvSpPr/>
-          <p:nvPr/>
-        </p:nvSpPr>
-        <p:spPr>
-          <a:xfrm>
-            <a:off x="7497959" y="5315815"/>
-            <a:ext cx="821847" cy="1081416"/>
-          </a:xfrm>
-          <a:prstGeom prst="rightBrace">
-            <a:avLst>
-              <a:gd name="adj1" fmla="val 17484"/>
-              <a:gd name="adj2" fmla="val 49029"/>
-            </a:avLst>
-          </a:prstGeom>
-          <a:ln>
-            <a:solidFill>
-              <a:srgbClr val="FF0000"/>
-            </a:solidFill>
-          </a:ln>
-        </p:spPr>
-        <p:style>
-          <a:lnRef idx="3">
-            <a:schemeClr val="accent2"/>
-          </a:lnRef>
-          <a:fillRef idx="0">
-            <a:schemeClr val="accent2"/>
-          </a:fillRef>
-          <a:effectRef idx="2">
-            <a:schemeClr val="accent2"/>
-          </a:effectRef>
-          <a:fontRef idx="minor">
-            <a:schemeClr val="tx1"/>
-          </a:fontRef>
-        </p:style>
-        <p:txBody>
-          <a:bodyPr rtlCol="0" anchor="ctr"/>
-          <a:lstStyle/>
-          <a:p>
-            <a:pPr algn="ctr"/>
-            <a:endParaRPr lang="it-IT"/>
-          </a:p>
-        </p:txBody>
-      </p:sp>
-      <p:sp>
-        <p:nvSpPr>
-          <p:cNvPr id="20" name="CasellaDiTesto 19">
-            <a:extLst>
-              <a:ext uri="{FF2B5EF4-FFF2-40B4-BE49-F238E27FC236}">
-                <a16:creationId xmlns:a16="http://schemas.microsoft.com/office/drawing/2014/main" id="{A8230ADC-020A-08E5-6754-40F77141E123}"/>
-              </a:ext>
-            </a:extLst>
-          </p:cNvPr>
-          <p:cNvSpPr txBox="1"/>
-          <p:nvPr/>
-        </p:nvSpPr>
-        <p:spPr>
-          <a:xfrm>
-            <a:off x="8319806" y="5575963"/>
-            <a:ext cx="2299091" cy="400110"/>
-          </a:xfrm>
-          <a:prstGeom prst="rect">
-            <a:avLst/>
-          </a:prstGeom>
-          <a:noFill/>
-        </p:spPr>
-        <p:txBody>
-          <a:bodyPr wrap="none" rtlCol="0">
-            <a:spAutoFit/>
-          </a:bodyPr>
-          <a:lstStyle/>
-          <a:p>
-            <a:r>
-              <a:rPr lang="it-IT" sz="2000" b="1" dirty="0">
-                <a:solidFill>
-                  <a:srgbClr val="FF0000"/>
-                </a:solidFill>
-              </a:rPr>
-              <a:t>5. AGGIUNGI MENU</a:t>
-            </a:r>
-          </a:p>
-        </p:txBody>
-      </p:sp>
     </p:spTree>
     <p:extLst>
       <p:ext uri="{BB962C8B-B14F-4D97-AF65-F5344CB8AC3E}">
-        <p14:creationId xmlns:p14="http://schemas.microsoft.com/office/powerpoint/2010/main" val="2700449681"/>
+        <p14:creationId xmlns:p14="http://schemas.microsoft.com/office/powerpoint/2010/main" val="2758244425"/>
       </p:ext>
     </p:extLst>
   </p:cSld>
@@ -5273,13 +5363,13 @@
         </p:nvSpPr>
         <p:spPr>
           <a:xfrm>
-            <a:off x="838190" y="118623"/>
+            <a:off x="838190" y="335942"/>
             <a:ext cx="10515600" cy="1325563"/>
           </a:xfrm>
         </p:spPr>
         <p:txBody>
           <a:bodyPr>
-            <a:normAutofit fontScale="90000"/>
+            <a:normAutofit/>
           </a:bodyPr>
           <a:lstStyle/>
           <a:p>
@@ -5287,7 +5377,18 @@
               <a:rPr lang="it-IT" sz="5000" b="1" dirty="0">
                 <a:latin typeface="+mn-lt"/>
               </a:rPr>
-              <a:t>EXTRACT METHOD: 1. SELEZIONE NOME</a:t>
+              <a:t>TESTING: SCENARIO SCELTO</a:t>
+            </a:r>
+            <a:br>
+              <a:rPr lang="it-IT" sz="5000" b="1" dirty="0">
+                <a:latin typeface="+mn-lt"/>
+              </a:rPr>
+            </a:br>
+            <a:r>
+              <a:rPr lang="it-IT" sz="2400" b="1" dirty="0">
+                <a:latin typeface="+mn-lt"/>
+              </a:rPr>
+              <a:t>Scenario scelto: creazione di un menu</a:t>
             </a:r>
           </a:p>
         </p:txBody>
@@ -5297,7 +5398,7 @@
           <p:cNvPr id="5" name="Immagine 4">
             <a:extLst>
               <a:ext uri="{FF2B5EF4-FFF2-40B4-BE49-F238E27FC236}">
-                <a16:creationId xmlns:a16="http://schemas.microsoft.com/office/drawing/2014/main" id="{6FFFE843-4597-107F-6A1B-F595A7F977A9}"/>
+                <a16:creationId xmlns:a16="http://schemas.microsoft.com/office/drawing/2014/main" id="{A2B6AC6A-CF2A-B962-1B30-13248F1BF68D}"/>
               </a:ext>
             </a:extLst>
           </p:cNvPr>
@@ -5314,84 +5415,20 @@
         </p:blipFill>
         <p:spPr>
           <a:xfrm>
-            <a:off x="953155" y="1279165"/>
-            <a:ext cx="8326012" cy="2562583"/>
+            <a:off x="838200" y="1722860"/>
+            <a:ext cx="5105400" cy="2063322"/>
           </a:xfrm>
           <a:prstGeom prst="rect">
             <a:avLst/>
           </a:prstGeom>
         </p:spPr>
       </p:pic>
-      <p:sp>
-        <p:nvSpPr>
-          <p:cNvPr id="6" name="Titolo 1">
-            <a:extLst>
-              <a:ext uri="{FF2B5EF4-FFF2-40B4-BE49-F238E27FC236}">
-                <a16:creationId xmlns:a16="http://schemas.microsoft.com/office/drawing/2014/main" id="{7226FCB2-B051-74EE-EDB7-B5DC8CCD8904}"/>
-              </a:ext>
-            </a:extLst>
-          </p:cNvPr>
-          <p:cNvSpPr txBox="1">
-            <a:spLocks/>
-          </p:cNvSpPr>
-          <p:nvPr/>
-        </p:nvSpPr>
-        <p:spPr>
-          <a:xfrm>
-            <a:off x="705928" y="4504530"/>
-            <a:ext cx="10515600" cy="1325563"/>
-          </a:xfrm>
-          <a:prstGeom prst="rect">
-            <a:avLst/>
-          </a:prstGeom>
-        </p:spPr>
-        <p:txBody>
-          <a:bodyPr vert="horz" lIns="91440" tIns="45720" rIns="91440" bIns="45720" rtlCol="0" anchor="ctr">
-            <a:normAutofit fontScale="97500" lnSpcReduction="10000"/>
-          </a:bodyPr>
-          <a:lstStyle>
-            <a:lvl1pPr algn="l" defTabSz="914400" rtl="0" eaLnBrk="1" latinLnBrk="0" hangingPunct="1">
-              <a:lnSpc>
-                <a:spcPct val="90000"/>
-              </a:lnSpc>
-              <a:spcBef>
-                <a:spcPct val="0"/>
-              </a:spcBef>
-              <a:buNone/>
-              <a:defRPr sz="4400" kern="1200">
-                <a:solidFill>
-                  <a:schemeClr val="tx1"/>
-                </a:solidFill>
-                <a:latin typeface="+mj-lt"/>
-                <a:ea typeface="+mj-ea"/>
-                <a:cs typeface="+mj-cs"/>
-              </a:defRPr>
-            </a:lvl1pPr>
-          </a:lstStyle>
-          <a:p>
-            <a:r>
-              <a:rPr lang="it-IT" sz="5000" b="1" dirty="0">
-                <a:latin typeface="+mn-lt"/>
-              </a:rPr>
-              <a:t>2. CHECK </a:t>
-            </a:r>
-          </a:p>
-          <a:p>
-            <a:r>
-              <a:rPr lang="it-IT" sz="5000" b="1" dirty="0">
-                <a:latin typeface="+mn-lt"/>
-              </a:rPr>
-              <a:t>DUPLICATO</a:t>
-            </a:r>
-          </a:p>
-        </p:txBody>
-      </p:sp>
       <p:pic>
         <p:nvPicPr>
-          <p:cNvPr id="8" name="Immagine 7">
-            <a:extLst>
-              <a:ext uri="{FF2B5EF4-FFF2-40B4-BE49-F238E27FC236}">
-                <a16:creationId xmlns:a16="http://schemas.microsoft.com/office/drawing/2014/main" id="{BC7E8DDF-5002-44D8-CFC6-F8326BA4A484}"/>
+          <p:cNvPr id="7" name="Immagine 6">
+            <a:extLst>
+              <a:ext uri="{FF2B5EF4-FFF2-40B4-BE49-F238E27FC236}">
+                <a16:creationId xmlns:a16="http://schemas.microsoft.com/office/drawing/2014/main" id="{D53FC5BA-C516-B1BB-8789-5ABE8472398A}"/>
               </a:ext>
             </a:extLst>
           </p:cNvPr>
@@ -5408,8 +5445,8 @@
         </p:blipFill>
         <p:spPr>
           <a:xfrm>
-            <a:off x="4360594" y="4212313"/>
-            <a:ext cx="6230219" cy="2400635"/>
+            <a:off x="4784877" y="3706131"/>
+            <a:ext cx="6852157" cy="2807542"/>
           </a:xfrm>
           <a:prstGeom prst="rect">
             <a:avLst/>
@@ -5419,7 +5456,7 @@
     </p:spTree>
     <p:extLst>
       <p:ext uri="{BB962C8B-B14F-4D97-AF65-F5344CB8AC3E}">
-        <p14:creationId xmlns:p14="http://schemas.microsoft.com/office/powerpoint/2010/main" val="262832158"/>
+        <p14:creationId xmlns:p14="http://schemas.microsoft.com/office/powerpoint/2010/main" val="3993114888"/>
       </p:ext>
     </p:extLst>
   </p:cSld>
@@ -5432,6 +5469,14 @@
 <file path=ppt/slides/slide17.xml><?xml version="1.0" encoding="utf-8"?>
 <p:sld xmlns:a="http://schemas.openxmlformats.org/drawingml/2006/main" xmlns:r="http://schemas.openxmlformats.org/officeDocument/2006/relationships" xmlns:p="http://schemas.openxmlformats.org/presentationml/2006/main">
   <p:cSld>
+    <p:bg>
+      <p:bgPr>
+        <a:solidFill>
+          <a:srgbClr val="000000"/>
+        </a:solidFill>
+        <a:effectLst/>
+      </p:bgPr>
+    </p:bg>
     <p:spTree>
       <p:nvGrpSpPr>
         <p:cNvPr id="1" name=""/>
@@ -5446,12 +5491,104 @@
           <a:chExt cx="0" cy="0"/>
         </a:xfrm>
       </p:grpSpPr>
+      <p:sp>
+        <p:nvSpPr>
+          <p:cNvPr id="14" name="Rectangle 13">
+            <a:extLst>
+              <a:ext uri="{FF2B5EF4-FFF2-40B4-BE49-F238E27FC236}">
+                <a16:creationId xmlns:a16="http://schemas.microsoft.com/office/drawing/2014/main" id="{71B2258F-86CA-4D4D-8270-BC05FCDEBFB3}"/>
+              </a:ext>
+              <a:ext uri="{C183D7F6-B498-43B3-948B-1728B52AA6E4}">
+                <adec:decorative xmlns:adec="http://schemas.microsoft.com/office/drawing/2017/decorative" val="1"/>
+              </a:ext>
+            </a:extLst>
+          </p:cNvPr>
+          <p:cNvSpPr>
+            <a:spLocks noGrp="1" noRot="1" noChangeAspect="1" noMove="1" noResize="1" noEditPoints="1" noAdjustHandles="1" noChangeArrowheads="1" noChangeShapeType="1" noTextEdit="1"/>
+          </p:cNvSpPr>
+          <p:nvPr>
+            <p:extLst>
+              <p:ext uri="{386F3935-93C4-4BCD-93E2-E3B085C9AB24}">
+                <p16:designElem xmlns:p16="http://schemas.microsoft.com/office/powerpoint/2015/main" val="1"/>
+              </p:ext>
+            </p:extLst>
+          </p:nvPr>
+        </p:nvSpPr>
+        <p:spPr>
+          <a:xfrm>
+            <a:off x="0" y="0"/>
+            <a:ext cx="12192000" cy="6857999"/>
+          </a:xfrm>
+          <a:prstGeom prst="rect">
+            <a:avLst/>
+          </a:prstGeom>
+          <a:solidFill>
+            <a:srgbClr val="000000"/>
+          </a:solidFill>
+          <a:ln>
+            <a:noFill/>
+          </a:ln>
+        </p:spPr>
+        <p:style>
+          <a:lnRef idx="2">
+            <a:schemeClr val="accent1">
+              <a:shade val="50000"/>
+            </a:schemeClr>
+          </a:lnRef>
+          <a:fillRef idx="1">
+            <a:schemeClr val="accent1"/>
+          </a:fillRef>
+          <a:effectRef idx="0">
+            <a:schemeClr val="accent1"/>
+          </a:effectRef>
+          <a:fontRef idx="minor">
+            <a:schemeClr val="lt1"/>
+          </a:fontRef>
+        </p:style>
+        <p:txBody>
+          <a:bodyPr rtlCol="0" anchor="ctr"/>
+          <a:lstStyle/>
+          <a:p>
+            <a:pPr marL="0" marR="0" lvl="0" indent="0" algn="ctr" defTabSz="914400" rtl="0" eaLnBrk="1" fontAlgn="auto" latinLnBrk="0" hangingPunct="1">
+              <a:lnSpc>
+                <a:spcPct val="100000"/>
+              </a:lnSpc>
+              <a:spcBef>
+                <a:spcPts val="0"/>
+              </a:spcBef>
+              <a:spcAft>
+                <a:spcPts val="0"/>
+              </a:spcAft>
+              <a:buClrTx/>
+              <a:buSzTx/>
+              <a:buFontTx/>
+              <a:buNone/>
+              <a:tabLst/>
+              <a:defRPr/>
+            </a:pPr>
+            <a:endParaRPr kumimoji="0" lang="en-US" sz="1800" b="0" i="0" u="none" strike="noStrike" kern="1200" cap="none" spc="0" normalizeH="0" baseline="0" noProof="0">
+              <a:ln>
+                <a:noFill/>
+              </a:ln>
+              <a:solidFill>
+                <a:prstClr val="white"/>
+              </a:solidFill>
+              <a:effectLst/>
+              <a:uLnTx/>
+              <a:uFillTx/>
+              <a:latin typeface="Calibri" panose="020F0502020204030204"/>
+              <a:ea typeface="+mn-ea"/>
+              <a:cs typeface="+mn-cs"/>
+            </a:endParaRPr>
+          </a:p>
+        </p:txBody>
+      </p:sp>
       <p:pic>
         <p:nvPicPr>
-          <p:cNvPr id="3" name="Picture 4" descr="Immagine che contiene Policromia, forniture per ufficio, cancelleria, strumento di scrittura&#10;&#10;Descrizione generata automaticamente">
-            <a:extLst>
-              <a:ext uri="{FF2B5EF4-FFF2-40B4-BE49-F238E27FC236}">
-                <a16:creationId xmlns:a16="http://schemas.microsoft.com/office/drawing/2014/main" id="{D5CFEB29-AE0E-EBCB-E8A5-79E442FEEBDC}"/>
+          <p:cNvPr id="5" name="Picture 4">
+            <a:extLst>
+              <a:ext uri="{FF2B5EF4-FFF2-40B4-BE49-F238E27FC236}">
+                <a16:creationId xmlns:a16="http://schemas.microsoft.com/office/drawing/2014/main" id="{40724E6C-6FD0-7ECD-6680-33616FFD5ED1}"/>
               </a:ext>
             </a:extLst>
           </p:cNvPr>
@@ -5462,14 +5599,14 @@
         </p:nvPicPr>
         <p:blipFill rotWithShape="1">
           <a:blip r:embed="rId2">
-            <a:alphaModFix amt="35000"/>
+            <a:alphaModFix amt="50000"/>
           </a:blip>
           <a:srcRect t="3820" b="11910"/>
           <a:stretch/>
         </p:blipFill>
         <p:spPr>
           <a:xfrm>
-            <a:off x="0" y="1"/>
+            <a:off x="20" y="1"/>
             <a:ext cx="12191980" cy="6857999"/>
           </a:xfrm>
           <a:prstGeom prst="rect">
@@ -5482,7 +5619,7 @@
           <p:cNvPr id="2" name="Titolo 1">
             <a:extLst>
               <a:ext uri="{FF2B5EF4-FFF2-40B4-BE49-F238E27FC236}">
-                <a16:creationId xmlns:a16="http://schemas.microsoft.com/office/drawing/2014/main" id="{A9FB4951-625F-270C-333C-BE32AF659EA2}"/>
+                <a16:creationId xmlns:a16="http://schemas.microsoft.com/office/drawing/2014/main" id="{96FA6D06-8050-A809-5056-D7E77A22BC94}"/>
               </a:ext>
             </a:extLst>
           </p:cNvPr>
@@ -5490,70 +5627,152 @@
             <a:spLocks noGrp="1"/>
           </p:cNvSpPr>
           <p:nvPr>
-            <p:ph type="title"/>
+            <p:ph type="ctrTitle"/>
           </p:nvPr>
         </p:nvSpPr>
         <p:spPr>
           <a:xfrm>
-            <a:off x="838189" y="176451"/>
-            <a:ext cx="7908647" cy="1325563"/>
+            <a:off x="0" y="2595808"/>
+            <a:ext cx="12192000" cy="1666384"/>
           </a:xfrm>
         </p:spPr>
         <p:txBody>
           <a:bodyPr>
-            <a:normAutofit/>
+            <a:normAutofit fontScale="90000"/>
           </a:bodyPr>
           <a:lstStyle/>
           <a:p>
             <a:r>
-              <a:rPr lang="it-IT" sz="5000" b="1" dirty="0">
+              <a:rPr lang="it-IT" sz="6600" b="1" dirty="0">
+                <a:solidFill>
+                  <a:srgbClr val="FFFFFF"/>
+                </a:solidFill>
                 <a:latin typeface="+mn-lt"/>
               </a:rPr>
-              <a:t>3. INSERIMENTO PIATTI</a:t>
-            </a:r>
-          </a:p>
-        </p:txBody>
-      </p:sp>
-      <p:pic>
-        <p:nvPicPr>
-          <p:cNvPr id="10" name="Immagine 9">
-            <a:extLst>
-              <a:ext uri="{FF2B5EF4-FFF2-40B4-BE49-F238E27FC236}">
-                <a16:creationId xmlns:a16="http://schemas.microsoft.com/office/drawing/2014/main" id="{6A2CD70B-C231-8B95-71E5-89DDB5EEA202}"/>
-              </a:ext>
-            </a:extLst>
-          </p:cNvPr>
-          <p:cNvPicPr>
-            <a:picLocks noChangeAspect="1"/>
-          </p:cNvPicPr>
-          <p:nvPr/>
-        </p:nvPicPr>
-        <p:blipFill>
-          <a:blip r:embed="rId3"/>
-          <a:stretch>
-            <a:fillRect/>
-          </a:stretch>
-        </p:blipFill>
-        <p:spPr>
-          <a:xfrm>
-            <a:off x="838189" y="1304998"/>
-            <a:ext cx="10231278" cy="3962953"/>
-          </a:xfrm>
-          <a:prstGeom prst="rect">
-            <a:avLst/>
-          </a:prstGeom>
-        </p:spPr>
-      </p:pic>
+              <a:t>REFACTORING </a:t>
+            </a:r>
+            <a:br>
+              <a:rPr lang="it-IT" sz="6600" b="1" dirty="0">
+                <a:solidFill>
+                  <a:srgbClr val="FFFFFF"/>
+                </a:solidFill>
+                <a:latin typeface="+mn-lt"/>
+              </a:rPr>
+            </a:br>
+            <a:r>
+              <a:rPr lang="it-IT" sz="6600" b="1" dirty="0">
+                <a:solidFill>
+                  <a:srgbClr val="FFFFFF"/>
+                </a:solidFill>
+                <a:latin typeface="+mn-lt"/>
+              </a:rPr>
+              <a:t>EXTRACT METHOD</a:t>
+            </a:r>
+          </a:p>
+        </p:txBody>
+      </p:sp>
     </p:spTree>
     <p:extLst>
       <p:ext uri="{BB962C8B-B14F-4D97-AF65-F5344CB8AC3E}">
-        <p14:creationId xmlns:p14="http://schemas.microsoft.com/office/powerpoint/2010/main" val="2761269882"/>
+        <p14:creationId xmlns:p14="http://schemas.microsoft.com/office/powerpoint/2010/main" val="1832875806"/>
       </p:ext>
     </p:extLst>
   </p:cSld>
   <p:clrMapOvr>
-    <a:masterClrMapping/>
+    <a:overrideClrMapping bg1="dk1" tx1="lt1" bg2="dk2" tx2="lt2" accent1="accent1" accent2="accent2" accent3="accent3" accent4="accent4" accent5="accent5" accent6="accent6" hlink="hlink" folHlink="folHlink"/>
   </p:clrMapOvr>
+  <p:timing>
+    <p:tnLst>
+      <p:par>
+        <p:cTn id="1" dur="indefinite" restart="never" nodeType="tmRoot">
+          <p:childTnLst>
+            <p:seq concurrent="1" nextAc="seek">
+              <p:cTn id="2" dur="indefinite" nodeType="mainSeq">
+                <p:childTnLst>
+                  <p:par>
+                    <p:cTn id="3" fill="hold">
+                      <p:stCondLst>
+                        <p:cond delay="indefinite"/>
+                        <p:cond evt="onBegin" delay="0">
+                          <p:tn val="2"/>
+                        </p:cond>
+                      </p:stCondLst>
+                      <p:childTnLst>
+                        <p:par>
+                          <p:cTn id="4" fill="hold">
+                            <p:stCondLst>
+                              <p:cond delay="0"/>
+                            </p:stCondLst>
+                            <p:childTnLst>
+                              <p:par>
+                                <p:cTn id="5" presetID="10" presetClass="entr" presetSubtype="0" fill="hold" grpId="0" nodeType="withEffect">
+                                  <p:stCondLst>
+                                    <p:cond delay="1000"/>
+                                  </p:stCondLst>
+                                  <p:iterate type="lt">
+                                    <p:tmPct val="10000"/>
+                                  </p:iterate>
+                                  <p:childTnLst>
+                                    <p:set>
+                                      <p:cBhvr>
+                                        <p:cTn id="6" dur="1" fill="hold">
+                                          <p:stCondLst>
+                                            <p:cond delay="0"/>
+                                          </p:stCondLst>
+                                        </p:cTn>
+                                        <p:tgtEl>
+                                          <p:spTgt spid="2"/>
+                                        </p:tgtEl>
+                                        <p:attrNameLst>
+                                          <p:attrName>style.visibility</p:attrName>
+                                        </p:attrNameLst>
+                                      </p:cBhvr>
+                                      <p:to>
+                                        <p:strVal val="visible"/>
+                                      </p:to>
+                                    </p:set>
+                                    <p:animEffect transition="in" filter="fade">
+                                      <p:cBhvr>
+                                        <p:cTn id="7" dur="400"/>
+                                        <p:tgtEl>
+                                          <p:spTgt spid="2"/>
+                                        </p:tgtEl>
+                                      </p:cBhvr>
+                                    </p:animEffect>
+                                  </p:childTnLst>
+                                </p:cTn>
+                              </p:par>
+                            </p:childTnLst>
+                          </p:cTn>
+                        </p:par>
+                      </p:childTnLst>
+                    </p:cTn>
+                  </p:par>
+                </p:childTnLst>
+              </p:cTn>
+              <p:prevCondLst>
+                <p:cond evt="onPrev" delay="0">
+                  <p:tgtEl>
+                    <p:sldTgt/>
+                  </p:tgtEl>
+                </p:cond>
+              </p:prevCondLst>
+              <p:nextCondLst>
+                <p:cond evt="onNext" delay="0">
+                  <p:tgtEl>
+                    <p:sldTgt/>
+                  </p:tgtEl>
+                </p:cond>
+              </p:nextCondLst>
+            </p:seq>
+          </p:childTnLst>
+        </p:cTn>
+      </p:par>
+    </p:tnLst>
+    <p:bldLst>
+      <p:bldP spid="2" grpId="0"/>
+    </p:bldLst>
+  </p:timing>
 </p:sld>
 </file>
 
@@ -5597,7 +5816,7 @@
         </p:blipFill>
         <p:spPr>
           <a:xfrm>
-            <a:off x="0" y="1"/>
+            <a:off x="20" y="-175490"/>
             <a:ext cx="12191980" cy="6857999"/>
           </a:xfrm>
           <a:prstGeom prst="rect">
@@ -5623,8 +5842,8 @@
         </p:nvSpPr>
         <p:spPr>
           <a:xfrm>
-            <a:off x="838189" y="736408"/>
-            <a:ext cx="7908647" cy="1325563"/>
+            <a:off x="7961744" y="580807"/>
+            <a:ext cx="4230236" cy="1325563"/>
           </a:xfrm>
         </p:spPr>
         <p:txBody>
@@ -5633,11 +5852,12 @@
           </a:bodyPr>
           <a:lstStyle/>
           <a:p>
+            <a:pPr algn="ctr"/>
             <a:r>
               <a:rPr lang="it-IT" sz="5000" b="1" dirty="0">
                 <a:latin typeface="+mn-lt"/>
               </a:rPr>
-              <a:t>4. CAN ADD </a:t>
+              <a:t>EXTRACT METHOD: </a:t>
             </a:r>
             <a:br>
               <a:rPr lang="it-IT" sz="5000" b="1" dirty="0">
@@ -5648,17 +5868,17 @@
               <a:rPr lang="it-IT" sz="5000" b="1" dirty="0">
                 <a:latin typeface="+mn-lt"/>
               </a:rPr>
-              <a:t>TO MENU</a:t>
+              <a:t>CREA RICETTA</a:t>
             </a:r>
           </a:p>
         </p:txBody>
       </p:sp>
       <p:pic>
         <p:nvPicPr>
-          <p:cNvPr id="5" name="Immagine 4">
-            <a:extLst>
-              <a:ext uri="{FF2B5EF4-FFF2-40B4-BE49-F238E27FC236}">
-                <a16:creationId xmlns:a16="http://schemas.microsoft.com/office/drawing/2014/main" id="{ADFA6A35-40E3-C57C-4CA4-28F1485BE60C}"/>
+          <p:cNvPr id="5" name="Immagine 4" descr="Immagine che contiene testo, schermata&#10;&#10;Descrizione generata automaticamente">
+            <a:extLst>
+              <a:ext uri="{FF2B5EF4-FFF2-40B4-BE49-F238E27FC236}">
+                <a16:creationId xmlns:a16="http://schemas.microsoft.com/office/drawing/2014/main" id="{13EA5698-5C52-B93C-047C-D3B684499FA3}"/>
               </a:ext>
             </a:extLst>
           </p:cNvPr>
@@ -5668,15 +5888,21 @@
           <p:nvPr/>
         </p:nvPicPr>
         <p:blipFill>
-          <a:blip r:embed="rId3"/>
+          <a:blip r:embed="rId3">
+            <a:extLst>
+              <a:ext uri="{28A0092B-C50C-407E-A947-70E740481C1C}">
+                <a14:useLocalDpi xmlns:a14="http://schemas.microsoft.com/office/drawing/2010/main" val="0"/>
+              </a:ext>
+            </a:extLst>
+          </a:blip>
           <a:stretch>
             <a:fillRect/>
           </a:stretch>
         </p:blipFill>
         <p:spPr>
           <a:xfrm>
-            <a:off x="4792512" y="694943"/>
-            <a:ext cx="6068272" cy="2734057"/>
+            <a:off x="445539" y="365125"/>
+            <a:ext cx="7516205" cy="6077816"/>
           </a:xfrm>
           <a:prstGeom prst="rect">
             <a:avLst/>
@@ -5685,102 +5911,190 @@
       </p:pic>
       <p:sp>
         <p:nvSpPr>
-          <p:cNvPr id="6" name="Titolo 1">
-            <a:extLst>
-              <a:ext uri="{FF2B5EF4-FFF2-40B4-BE49-F238E27FC236}">
-                <a16:creationId xmlns:a16="http://schemas.microsoft.com/office/drawing/2014/main" id="{DBAEE201-1985-51F6-6967-DF986174E548}"/>
-              </a:ext>
-            </a:extLst>
-          </p:cNvPr>
-          <p:cNvSpPr txBox="1">
-            <a:spLocks/>
-          </p:cNvSpPr>
+          <p:cNvPr id="7" name="Parentesi graffa chiusa 6">
+            <a:extLst>
+              <a:ext uri="{FF2B5EF4-FFF2-40B4-BE49-F238E27FC236}">
+                <a16:creationId xmlns:a16="http://schemas.microsoft.com/office/drawing/2014/main" id="{D79D1E15-DF8A-4A35-D520-2ED5433D4DB3}"/>
+              </a:ext>
+            </a:extLst>
+          </p:cNvPr>
+          <p:cNvSpPr/>
           <p:nvPr/>
         </p:nvSpPr>
         <p:spPr>
           <a:xfrm>
-            <a:off x="838189" y="4287789"/>
-            <a:ext cx="7908647" cy="1325563"/>
+            <a:off x="6973088" y="1567090"/>
+            <a:ext cx="1233577" cy="1759789"/>
+          </a:xfrm>
+          <a:prstGeom prst="rightBrace">
+            <a:avLst>
+              <a:gd name="adj1" fmla="val 17484"/>
+              <a:gd name="adj2" fmla="val 48137"/>
+            </a:avLst>
+          </a:prstGeom>
+          <a:ln>
+            <a:solidFill>
+              <a:srgbClr val="FF0000"/>
+            </a:solidFill>
+          </a:ln>
+        </p:spPr>
+        <p:style>
+          <a:lnRef idx="3">
+            <a:schemeClr val="accent2"/>
+          </a:lnRef>
+          <a:fillRef idx="0">
+            <a:schemeClr val="accent2"/>
+          </a:fillRef>
+          <a:effectRef idx="2">
+            <a:schemeClr val="accent2"/>
+          </a:effectRef>
+          <a:fontRef idx="minor">
+            <a:schemeClr val="tx1"/>
+          </a:fontRef>
+        </p:style>
+        <p:txBody>
+          <a:bodyPr rtlCol="0" anchor="ctr"/>
+          <a:lstStyle/>
+          <a:p>
+            <a:pPr algn="ctr"/>
+            <a:endParaRPr lang="it-IT"/>
+          </a:p>
+        </p:txBody>
+      </p:sp>
+      <p:sp>
+        <p:nvSpPr>
+          <p:cNvPr id="8" name="CasellaDiTesto 7">
+            <a:extLst>
+              <a:ext uri="{FF2B5EF4-FFF2-40B4-BE49-F238E27FC236}">
+                <a16:creationId xmlns:a16="http://schemas.microsoft.com/office/drawing/2014/main" id="{F311495A-65BD-EB95-E810-93071A527B4B}"/>
+              </a:ext>
+            </a:extLst>
+          </p:cNvPr>
+          <p:cNvSpPr txBox="1"/>
+          <p:nvPr/>
+        </p:nvSpPr>
+        <p:spPr>
+          <a:xfrm>
+            <a:off x="8242034" y="2262557"/>
+            <a:ext cx="3250570" cy="400110"/>
           </a:xfrm>
           <a:prstGeom prst="rect">
             <a:avLst/>
           </a:prstGeom>
-        </p:spPr>
-        <p:txBody>
-          <a:bodyPr vert="horz" lIns="91440" tIns="45720" rIns="91440" bIns="45720" rtlCol="0" anchor="ctr">
-            <a:normAutofit fontScale="97500" lnSpcReduction="10000"/>
+          <a:noFill/>
+        </p:spPr>
+        <p:txBody>
+          <a:bodyPr wrap="none" rtlCol="0">
+            <a:spAutoFit/>
           </a:bodyPr>
-          <a:lstStyle>
-            <a:lvl1pPr algn="l" defTabSz="914400" rtl="0" eaLnBrk="1" latinLnBrk="0" hangingPunct="1">
-              <a:lnSpc>
-                <a:spcPct val="90000"/>
-              </a:lnSpc>
-              <a:spcBef>
-                <a:spcPct val="0"/>
-              </a:spcBef>
-              <a:buNone/>
-              <a:defRPr sz="4400" kern="1200">
+          <a:lstStyle/>
+          <a:p>
+            <a:r>
+              <a:rPr lang="it-IT" sz="2000" b="1" dirty="0">
                 <a:solidFill>
-                  <a:schemeClr val="tx1"/>
+                  <a:srgbClr val="FF0000"/>
                 </a:solidFill>
-                <a:latin typeface="+mj-lt"/>
-                <a:ea typeface="+mj-ea"/>
-                <a:cs typeface="+mj-cs"/>
-              </a:defRPr>
-            </a:lvl1pPr>
-          </a:lstStyle>
-          <a:p>
-            <a:r>
-              <a:rPr lang="it-IT" sz="5000" b="1" dirty="0">
-                <a:latin typeface="+mn-lt"/>
               </a:rPr>
-              <a:t>5. AGGIUNGI </a:t>
-            </a:r>
-          </a:p>
-          <a:p>
-            <a:r>
-              <a:rPr lang="it-IT" sz="5000" b="1" dirty="0">
-                <a:latin typeface="+mn-lt"/>
-              </a:rPr>
-              <a:t>MENU</a:t>
-            </a:r>
-          </a:p>
-        </p:txBody>
-      </p:sp>
-      <p:pic>
-        <p:nvPicPr>
-          <p:cNvPr id="8" name="Immagine 7">
-            <a:extLst>
-              <a:ext uri="{FF2B5EF4-FFF2-40B4-BE49-F238E27FC236}">
-                <a16:creationId xmlns:a16="http://schemas.microsoft.com/office/drawing/2014/main" id="{CC91E82E-C10D-E2C2-2958-DDEAEEC2DB6D}"/>
-              </a:ext>
-            </a:extLst>
-          </p:cNvPr>
-          <p:cNvPicPr>
-            <a:picLocks noChangeAspect="1"/>
-          </p:cNvPicPr>
+              <a:t>1. SELEZIONE NOME RICETTA</a:t>
+            </a:r>
+          </a:p>
+        </p:txBody>
+      </p:sp>
+      <p:sp>
+        <p:nvSpPr>
+          <p:cNvPr id="9" name="Parentesi graffa chiusa 8">
+            <a:extLst>
+              <a:ext uri="{FF2B5EF4-FFF2-40B4-BE49-F238E27FC236}">
+                <a16:creationId xmlns:a16="http://schemas.microsoft.com/office/drawing/2014/main" id="{ECD34AD5-7721-0D97-4CCB-B0B2F60DE8E9}"/>
+              </a:ext>
+            </a:extLst>
+          </p:cNvPr>
+          <p:cNvSpPr/>
           <p:nvPr/>
-        </p:nvPicPr>
-        <p:blipFill>
-          <a:blip r:embed="rId4"/>
-          <a:stretch>
-            <a:fillRect/>
-          </a:stretch>
-        </p:blipFill>
-        <p:spPr>
-          <a:xfrm>
-            <a:off x="4792512" y="4308245"/>
-            <a:ext cx="6087325" cy="1305107"/>
+        </p:nvSpPr>
+        <p:spPr>
+          <a:xfrm>
+            <a:off x="7260566" y="4229374"/>
+            <a:ext cx="1233577" cy="1759789"/>
+          </a:xfrm>
+          <a:prstGeom prst="rightBrace">
+            <a:avLst>
+              <a:gd name="adj1" fmla="val 18882"/>
+              <a:gd name="adj2" fmla="val 48137"/>
+            </a:avLst>
+          </a:prstGeom>
+          <a:ln>
+            <a:solidFill>
+              <a:srgbClr val="FF0000"/>
+            </a:solidFill>
+          </a:ln>
+        </p:spPr>
+        <p:style>
+          <a:lnRef idx="3">
+            <a:schemeClr val="accent2"/>
+          </a:lnRef>
+          <a:fillRef idx="0">
+            <a:schemeClr val="accent2"/>
+          </a:fillRef>
+          <a:effectRef idx="2">
+            <a:schemeClr val="accent2"/>
+          </a:effectRef>
+          <a:fontRef idx="minor">
+            <a:schemeClr val="tx1"/>
+          </a:fontRef>
+        </p:style>
+        <p:txBody>
+          <a:bodyPr rtlCol="0" anchor="ctr"/>
+          <a:lstStyle/>
+          <a:p>
+            <a:pPr algn="ctr"/>
+            <a:endParaRPr lang="it-IT"/>
+          </a:p>
+        </p:txBody>
+      </p:sp>
+      <p:sp>
+        <p:nvSpPr>
+          <p:cNvPr id="10" name="CasellaDiTesto 9">
+            <a:extLst>
+              <a:ext uri="{FF2B5EF4-FFF2-40B4-BE49-F238E27FC236}">
+                <a16:creationId xmlns:a16="http://schemas.microsoft.com/office/drawing/2014/main" id="{B32255C3-F06A-685B-B817-096CB315B73A}"/>
+              </a:ext>
+            </a:extLst>
+          </p:cNvPr>
+          <p:cNvSpPr txBox="1"/>
+          <p:nvPr/>
+        </p:nvSpPr>
+        <p:spPr>
+          <a:xfrm>
+            <a:off x="8494143" y="4785616"/>
+            <a:ext cx="3396635" cy="400110"/>
           </a:xfrm>
           <a:prstGeom prst="rect">
             <a:avLst/>
           </a:prstGeom>
-        </p:spPr>
-      </p:pic>
+          <a:noFill/>
+        </p:spPr>
+        <p:txBody>
+          <a:bodyPr wrap="none" rtlCol="0">
+            <a:spAutoFit/>
+          </a:bodyPr>
+          <a:lstStyle/>
+          <a:p>
+            <a:r>
+              <a:rPr lang="it-IT" sz="2000" b="1" dirty="0">
+                <a:solidFill>
+                  <a:srgbClr val="FF0000"/>
+                </a:solidFill>
+              </a:rPr>
+              <a:t>2. INSERIMENTO INGREDIENTI</a:t>
+            </a:r>
+          </a:p>
+        </p:txBody>
+      </p:sp>
     </p:spTree>
     <p:extLst>
       <p:ext uri="{BB962C8B-B14F-4D97-AF65-F5344CB8AC3E}">
-        <p14:creationId xmlns:p14="http://schemas.microsoft.com/office/powerpoint/2010/main" val="1788256721"/>
+        <p14:creationId xmlns:p14="http://schemas.microsoft.com/office/powerpoint/2010/main" val="4156807899"/>
       </p:ext>
     </p:extLst>
   </p:cSld>
@@ -5830,7 +6144,7 @@
         </p:blipFill>
         <p:spPr>
           <a:xfrm>
-            <a:off x="20" y="-175490"/>
+            <a:off x="20" y="1"/>
             <a:ext cx="12191980" cy="6857999"/>
           </a:xfrm>
           <a:prstGeom prst="rect">
@@ -5856,8 +6170,8 @@
         </p:nvSpPr>
         <p:spPr>
           <a:xfrm>
-            <a:off x="473895" y="286517"/>
-            <a:ext cx="11543920" cy="1325563"/>
+            <a:off x="440661" y="1017795"/>
+            <a:ext cx="4513053" cy="1325563"/>
           </a:xfrm>
         </p:spPr>
         <p:txBody>
@@ -5870,7 +6184,18 @@
               <a:rPr lang="it-IT" sz="5000" b="1" dirty="0">
                 <a:latin typeface="+mn-lt"/>
               </a:rPr>
-              <a:t>EXTRACT METHOD: CREA MENU TEMATICO DOPO IL REFACTORING</a:t>
+              <a:t>EXTRACT METHOD	</a:t>
+            </a:r>
+            <a:br>
+              <a:rPr lang="it-IT" sz="5000" b="1" dirty="0">
+                <a:latin typeface="+mn-lt"/>
+              </a:rPr>
+            </a:br>
+            <a:r>
+              <a:rPr lang="it-IT" sz="5000" b="1" dirty="0">
+                <a:latin typeface="+mn-lt"/>
+              </a:rPr>
+              <a:t>1. SELEZIONE NOME RICETTA</a:t>
             </a:r>
           </a:p>
         </p:txBody>
@@ -5880,7 +6205,7 @@
           <p:cNvPr id="5" name="Immagine 4">
             <a:extLst>
               <a:ext uri="{FF2B5EF4-FFF2-40B4-BE49-F238E27FC236}">
-                <a16:creationId xmlns:a16="http://schemas.microsoft.com/office/drawing/2014/main" id="{8AB10790-DF72-79C8-1205-CCAD94D18D42}"/>
+                <a16:creationId xmlns:a16="http://schemas.microsoft.com/office/drawing/2014/main" id="{62BAAD63-EC70-5273-A50D-941025595643}"/>
               </a:ext>
             </a:extLst>
           </p:cNvPr>
@@ -5897,8 +6222,94 @@
         </p:blipFill>
         <p:spPr>
           <a:xfrm>
-            <a:off x="603742" y="1612080"/>
-            <a:ext cx="9488224" cy="2591162"/>
+            <a:off x="5107136" y="478697"/>
+            <a:ext cx="6541655" cy="2403758"/>
+          </a:xfrm>
+          <a:prstGeom prst="rect">
+            <a:avLst/>
+          </a:prstGeom>
+        </p:spPr>
+      </p:pic>
+      <p:sp>
+        <p:nvSpPr>
+          <p:cNvPr id="6" name="Titolo 1">
+            <a:extLst>
+              <a:ext uri="{FF2B5EF4-FFF2-40B4-BE49-F238E27FC236}">
+                <a16:creationId xmlns:a16="http://schemas.microsoft.com/office/drawing/2014/main" id="{092B1D86-09F5-31B3-6E44-ECC2AB1393C7}"/>
+              </a:ext>
+            </a:extLst>
+          </p:cNvPr>
+          <p:cNvSpPr txBox="1">
+            <a:spLocks/>
+          </p:cNvSpPr>
+          <p:nvPr/>
+        </p:nvSpPr>
+        <p:spPr>
+          <a:xfrm>
+            <a:off x="440661" y="3230535"/>
+            <a:ext cx="8798230" cy="1450578"/>
+          </a:xfrm>
+          <a:prstGeom prst="rect">
+            <a:avLst/>
+          </a:prstGeom>
+        </p:spPr>
+        <p:txBody>
+          <a:bodyPr vert="horz" lIns="91440" tIns="45720" rIns="91440" bIns="45720" rtlCol="0" anchor="ctr">
+            <a:normAutofit fontScale="97500"/>
+          </a:bodyPr>
+          <a:lstStyle>
+            <a:lvl1pPr algn="l" defTabSz="914400" rtl="0" eaLnBrk="1" latinLnBrk="0" hangingPunct="1">
+              <a:lnSpc>
+                <a:spcPct val="90000"/>
+              </a:lnSpc>
+              <a:spcBef>
+                <a:spcPct val="0"/>
+              </a:spcBef>
+              <a:buNone/>
+              <a:defRPr sz="4400" kern="1200">
+                <a:solidFill>
+                  <a:schemeClr val="tx1"/>
+                </a:solidFill>
+                <a:latin typeface="+mj-lt"/>
+                <a:ea typeface="+mj-ea"/>
+                <a:cs typeface="+mj-cs"/>
+              </a:defRPr>
+            </a:lvl1pPr>
+          </a:lstStyle>
+          <a:p>
+            <a:r>
+              <a:rPr lang="it-IT" sz="5000" b="1" dirty="0">
+                <a:latin typeface="+mn-lt"/>
+              </a:rPr>
+              <a:t>2. INSERIMENTO INGREDIENTI</a:t>
+            </a:r>
+          </a:p>
+        </p:txBody>
+      </p:sp>
+      <p:pic>
+        <p:nvPicPr>
+          <p:cNvPr id="7" name="Immagine 6">
+            <a:extLst>
+              <a:ext uri="{FF2B5EF4-FFF2-40B4-BE49-F238E27FC236}">
+                <a16:creationId xmlns:a16="http://schemas.microsoft.com/office/drawing/2014/main" id="{24C75405-B781-A78D-A213-71CA719711F0}"/>
+              </a:ext>
+            </a:extLst>
+          </p:cNvPr>
+          <p:cNvPicPr>
+            <a:picLocks noChangeAspect="1"/>
+          </p:cNvPicPr>
+          <p:nvPr/>
+        </p:nvPicPr>
+        <p:blipFill>
+          <a:blip r:embed="rId4"/>
+          <a:stretch>
+            <a:fillRect/>
+          </a:stretch>
+        </p:blipFill>
+        <p:spPr>
+          <a:xfrm>
+            <a:off x="566462" y="4488430"/>
+            <a:ext cx="8249801" cy="2010056"/>
           </a:xfrm>
           <a:prstGeom prst="rect">
             <a:avLst/>
@@ -5908,7 +6319,7 @@
     </p:spTree>
     <p:extLst>
       <p:ext uri="{BB962C8B-B14F-4D97-AF65-F5344CB8AC3E}">
-        <p14:creationId xmlns:p14="http://schemas.microsoft.com/office/powerpoint/2010/main" val="2475949038"/>
+        <p14:creationId xmlns:p14="http://schemas.microsoft.com/office/powerpoint/2010/main" val="1116908804"/>
       </p:ext>
     </p:extLst>
   </p:cSld>
@@ -6197,7 +6608,7 @@
 </p:sld>
 </file>
 
-<file path=ppt/slides/slide3.xml><?xml version="1.0" encoding="utf-8"?>
+<file path=ppt/slides/slide20.xml><?xml version="1.0" encoding="utf-8"?>
 <p:sld xmlns:a="http://schemas.openxmlformats.org/drawingml/2006/main" xmlns:r="http://schemas.openxmlformats.org/officeDocument/2006/relationships" xmlns:p="http://schemas.openxmlformats.org/presentationml/2006/main">
   <p:cSld>
     <p:spTree>
@@ -6216,10 +6627,10 @@
       </p:grpSpPr>
       <p:pic>
         <p:nvPicPr>
-          <p:cNvPr id="16" name="Picture 4" descr="Immagine che contiene Policromia, forniture per ufficio, cancelleria, strumento di scrittura&#10;&#10;Descrizione generata automaticamente">
-            <a:extLst>
-              <a:ext uri="{FF2B5EF4-FFF2-40B4-BE49-F238E27FC236}">
-                <a16:creationId xmlns:a16="http://schemas.microsoft.com/office/drawing/2014/main" id="{21F23909-C77F-FACE-B69E-8BFE1F2E9907}"/>
+          <p:cNvPr id="3" name="Picture 4" descr="Immagine che contiene Policromia, forniture per ufficio, cancelleria, strumento di scrittura&#10;&#10;Descrizione generata automaticamente">
+            <a:extLst>
+              <a:ext uri="{FF2B5EF4-FFF2-40B4-BE49-F238E27FC236}">
+                <a16:creationId xmlns:a16="http://schemas.microsoft.com/office/drawing/2014/main" id="{D5CFEB29-AE0E-EBCB-E8A5-79E442FEEBDC}"/>
               </a:ext>
             </a:extLst>
           </p:cNvPr>
@@ -6264,7 +6675,7 @@
         <p:spPr/>
         <p:txBody>
           <a:bodyPr>
-            <a:normAutofit/>
+            <a:normAutofit fontScale="90000"/>
           </a:bodyPr>
           <a:lstStyle/>
           <a:p>
@@ -6272,17 +6683,28 @@
               <a:rPr lang="it-IT" sz="5000" b="1" dirty="0">
                 <a:latin typeface="+mn-lt"/>
               </a:rPr>
-              <a:t>GRASP EXPERT:LISTA DELLA SPESA</a:t>
+              <a:t>EXTRACT METHOD:	</a:t>
+            </a:r>
+            <a:br>
+              <a:rPr lang="it-IT" sz="5000" b="1" dirty="0">
+                <a:latin typeface="+mn-lt"/>
+              </a:rPr>
+            </a:br>
+            <a:r>
+              <a:rPr lang="it-IT" sz="5000" b="1" dirty="0">
+                <a:latin typeface="+mn-lt"/>
+              </a:rPr>
+              <a:t>METODO DOPO IL REFACTORING</a:t>
             </a:r>
           </a:p>
         </p:txBody>
       </p:sp>
       <p:pic>
         <p:nvPicPr>
-          <p:cNvPr id="9" name="Immagine 8">
-            <a:extLst>
-              <a:ext uri="{FF2B5EF4-FFF2-40B4-BE49-F238E27FC236}">
-                <a16:creationId xmlns:a16="http://schemas.microsoft.com/office/drawing/2014/main" id="{5CEB08E7-45EC-B3D9-0413-849B4512917F}"/>
+          <p:cNvPr id="5" name="Immagine 4">
+            <a:extLst>
+              <a:ext uri="{FF2B5EF4-FFF2-40B4-BE49-F238E27FC236}">
+                <a16:creationId xmlns:a16="http://schemas.microsoft.com/office/drawing/2014/main" id="{7216A8F1-1B95-E194-00D6-C7B7E095E760}"/>
               </a:ext>
             </a:extLst>
           </p:cNvPr>
@@ -6299,59 +6721,2157 @@
         </p:blipFill>
         <p:spPr>
           <a:xfrm>
-            <a:off x="838200" y="1690688"/>
-            <a:ext cx="5611008" cy="2038635"/>
+            <a:off x="838200" y="1900024"/>
+            <a:ext cx="7859222" cy="3057952"/>
           </a:xfrm>
           <a:prstGeom prst="rect">
             <a:avLst/>
           </a:prstGeom>
         </p:spPr>
       </p:pic>
-      <p:sp>
-        <p:nvSpPr>
-          <p:cNvPr id="11" name="CasellaDiTesto 10">
-            <a:extLst>
-              <a:ext uri="{FF2B5EF4-FFF2-40B4-BE49-F238E27FC236}">
-                <a16:creationId xmlns:a16="http://schemas.microsoft.com/office/drawing/2014/main" id="{F1CE4BA8-90F6-EFD8-8C26-DAD48E75BFFF}"/>
-              </a:ext>
-            </a:extLst>
-          </p:cNvPr>
-          <p:cNvSpPr txBox="1"/>
-          <p:nvPr/>
-        </p:nvSpPr>
-        <p:spPr>
-          <a:xfrm>
-            <a:off x="838199" y="4129468"/>
-            <a:ext cx="5907657" cy="1384995"/>
-          </a:xfrm>
-          <a:prstGeom prst="rect">
-            <a:avLst/>
-          </a:prstGeom>
-          <a:noFill/>
-        </p:spPr>
-        <p:txBody>
-          <a:bodyPr wrap="square" rtlCol="0">
-            <a:spAutoFit/>
-          </a:bodyPr>
-          <a:lstStyle/>
-          <a:p>
-            <a:r>
-              <a:rPr lang="it-IT" sz="2800" b="1" dirty="0"/>
-              <a:t>Il Magazziniere possiede di tutte le informazioni necessarie per creare la lista della spesa</a:t>
-            </a:r>
-          </a:p>
-        </p:txBody>
-      </p:sp>
     </p:spTree>
     <p:extLst>
       <p:ext uri="{BB962C8B-B14F-4D97-AF65-F5344CB8AC3E}">
-        <p14:creationId xmlns:p14="http://schemas.microsoft.com/office/powerpoint/2010/main" val="3299881004"/>
+        <p14:creationId xmlns:p14="http://schemas.microsoft.com/office/powerpoint/2010/main" val="2146558666"/>
       </p:ext>
     </p:extLst>
   </p:cSld>
   <p:clrMapOvr>
     <a:masterClrMapping/>
   </p:clrMapOvr>
+</p:sld>
+</file>
+
+<file path=ppt/slides/slide21.xml><?xml version="1.0" encoding="utf-8"?>
+<p:sld xmlns:a="http://schemas.openxmlformats.org/drawingml/2006/main" xmlns:r="http://schemas.openxmlformats.org/officeDocument/2006/relationships" xmlns:p="http://schemas.openxmlformats.org/presentationml/2006/main">
+  <p:cSld>
+    <p:spTree>
+      <p:nvGrpSpPr>
+        <p:cNvPr id="1" name=""/>
+        <p:cNvGrpSpPr/>
+        <p:nvPr/>
+      </p:nvGrpSpPr>
+      <p:grpSpPr>
+        <a:xfrm>
+          <a:off x="0" y="0"/>
+          <a:ext cx="0" cy="0"/>
+          <a:chOff x="0" y="0"/>
+          <a:chExt cx="0" cy="0"/>
+        </a:xfrm>
+      </p:grpSpPr>
+      <p:pic>
+        <p:nvPicPr>
+          <p:cNvPr id="3" name="Picture 4" descr="Immagine che contiene Policromia, forniture per ufficio, cancelleria, strumento di scrittura&#10;&#10;Descrizione generata automaticamente">
+            <a:extLst>
+              <a:ext uri="{FF2B5EF4-FFF2-40B4-BE49-F238E27FC236}">
+                <a16:creationId xmlns:a16="http://schemas.microsoft.com/office/drawing/2014/main" id="{D5CFEB29-AE0E-EBCB-E8A5-79E442FEEBDC}"/>
+              </a:ext>
+            </a:extLst>
+          </p:cNvPr>
+          <p:cNvPicPr>
+            <a:picLocks noChangeAspect="1"/>
+          </p:cNvPicPr>
+          <p:nvPr/>
+        </p:nvPicPr>
+        <p:blipFill rotWithShape="1">
+          <a:blip r:embed="rId2">
+            <a:alphaModFix amt="35000"/>
+          </a:blip>
+          <a:srcRect t="3820" b="11910"/>
+          <a:stretch/>
+        </p:blipFill>
+        <p:spPr>
+          <a:xfrm>
+            <a:off x="20" y="-175490"/>
+            <a:ext cx="12191980" cy="6857999"/>
+          </a:xfrm>
+          <a:prstGeom prst="rect">
+            <a:avLst/>
+          </a:prstGeom>
+        </p:spPr>
+      </p:pic>
+      <p:sp>
+        <p:nvSpPr>
+          <p:cNvPr id="2" name="Titolo 1">
+            <a:extLst>
+              <a:ext uri="{FF2B5EF4-FFF2-40B4-BE49-F238E27FC236}">
+                <a16:creationId xmlns:a16="http://schemas.microsoft.com/office/drawing/2014/main" id="{A9FB4951-625F-270C-333C-BE32AF659EA2}"/>
+              </a:ext>
+            </a:extLst>
+          </p:cNvPr>
+          <p:cNvSpPr>
+            <a:spLocks noGrp="1"/>
+          </p:cNvSpPr>
+          <p:nvPr>
+            <p:ph type="title"/>
+          </p:nvPr>
+        </p:nvSpPr>
+        <p:spPr>
+          <a:xfrm>
+            <a:off x="473895" y="286517"/>
+            <a:ext cx="11543920" cy="1325563"/>
+          </a:xfrm>
+        </p:spPr>
+        <p:txBody>
+          <a:bodyPr>
+            <a:normAutofit/>
+          </a:bodyPr>
+          <a:lstStyle/>
+          <a:p>
+            <a:r>
+              <a:rPr lang="it-IT" sz="5000" b="1" dirty="0">
+                <a:latin typeface="+mn-lt"/>
+              </a:rPr>
+              <a:t>EXTRACT METHOD: CREA MENU TEMATICO</a:t>
+            </a:r>
+          </a:p>
+        </p:txBody>
+      </p:sp>
+      <p:pic>
+        <p:nvPicPr>
+          <p:cNvPr id="6" name="Immagine 5" descr="Immagine che contiene testo, schermata, Carattere&#10;&#10;Descrizione generata automaticamente">
+            <a:extLst>
+              <a:ext uri="{FF2B5EF4-FFF2-40B4-BE49-F238E27FC236}">
+                <a16:creationId xmlns:a16="http://schemas.microsoft.com/office/drawing/2014/main" id="{FBE9BAD0-692A-261A-3DF5-9334025A0776}"/>
+              </a:ext>
+            </a:extLst>
+          </p:cNvPr>
+          <p:cNvPicPr>
+            <a:picLocks noChangeAspect="1"/>
+          </p:cNvPicPr>
+          <p:nvPr/>
+        </p:nvPicPr>
+        <p:blipFill>
+          <a:blip r:embed="rId3">
+            <a:extLst>
+              <a:ext uri="{28A0092B-C50C-407E-A947-70E740481C1C}">
+                <a14:useLocalDpi xmlns:a14="http://schemas.microsoft.com/office/drawing/2010/main" val="0"/>
+              </a:ext>
+            </a:extLst>
+          </a:blip>
+          <a:stretch>
+            <a:fillRect/>
+          </a:stretch>
+        </p:blipFill>
+        <p:spPr>
+          <a:xfrm>
+            <a:off x="589508" y="1544320"/>
+            <a:ext cx="10193173" cy="4753638"/>
+          </a:xfrm>
+          <a:prstGeom prst="rect">
+            <a:avLst/>
+          </a:prstGeom>
+        </p:spPr>
+      </p:pic>
+      <p:sp>
+        <p:nvSpPr>
+          <p:cNvPr id="11" name="Parentesi graffa chiusa 10">
+            <a:extLst>
+              <a:ext uri="{FF2B5EF4-FFF2-40B4-BE49-F238E27FC236}">
+                <a16:creationId xmlns:a16="http://schemas.microsoft.com/office/drawing/2014/main" id="{3C2DEC42-FE1D-1CB3-C00A-52980C3FD020}"/>
+              </a:ext>
+            </a:extLst>
+          </p:cNvPr>
+          <p:cNvSpPr/>
+          <p:nvPr/>
+        </p:nvSpPr>
+        <p:spPr>
+          <a:xfrm>
+            <a:off x="8310182" y="3041244"/>
+            <a:ext cx="1233577" cy="1759789"/>
+          </a:xfrm>
+          <a:prstGeom prst="rightBrace">
+            <a:avLst>
+              <a:gd name="adj1" fmla="val 17484"/>
+              <a:gd name="adj2" fmla="val 48137"/>
+            </a:avLst>
+          </a:prstGeom>
+          <a:ln>
+            <a:solidFill>
+              <a:srgbClr val="FF0000"/>
+            </a:solidFill>
+          </a:ln>
+        </p:spPr>
+        <p:style>
+          <a:lnRef idx="3">
+            <a:schemeClr val="accent2"/>
+          </a:lnRef>
+          <a:fillRef idx="0">
+            <a:schemeClr val="accent2"/>
+          </a:fillRef>
+          <a:effectRef idx="2">
+            <a:schemeClr val="accent2"/>
+          </a:effectRef>
+          <a:fontRef idx="minor">
+            <a:schemeClr val="tx1"/>
+          </a:fontRef>
+        </p:style>
+        <p:txBody>
+          <a:bodyPr rtlCol="0" anchor="ctr"/>
+          <a:lstStyle/>
+          <a:p>
+            <a:pPr algn="ctr"/>
+            <a:endParaRPr lang="it-IT"/>
+          </a:p>
+        </p:txBody>
+      </p:sp>
+      <p:sp>
+        <p:nvSpPr>
+          <p:cNvPr id="12" name="CasellaDiTesto 11">
+            <a:extLst>
+              <a:ext uri="{FF2B5EF4-FFF2-40B4-BE49-F238E27FC236}">
+                <a16:creationId xmlns:a16="http://schemas.microsoft.com/office/drawing/2014/main" id="{C2606D89-CEC7-C737-E883-A93BA96D2EFE}"/>
+              </a:ext>
+            </a:extLst>
+          </p:cNvPr>
+          <p:cNvSpPr txBox="1"/>
+          <p:nvPr/>
+        </p:nvSpPr>
+        <p:spPr>
+          <a:xfrm>
+            <a:off x="9475169" y="3660698"/>
+            <a:ext cx="1925079" cy="707886"/>
+          </a:xfrm>
+          <a:prstGeom prst="rect">
+            <a:avLst/>
+          </a:prstGeom>
+          <a:noFill/>
+        </p:spPr>
+        <p:txBody>
+          <a:bodyPr wrap="none" rtlCol="0">
+            <a:spAutoFit/>
+          </a:bodyPr>
+          <a:lstStyle/>
+          <a:p>
+            <a:r>
+              <a:rPr lang="it-IT" sz="2000" b="1" dirty="0">
+                <a:solidFill>
+                  <a:srgbClr val="FF0000"/>
+                </a:solidFill>
+              </a:rPr>
+              <a:t>1. SCELTA NOME</a:t>
+            </a:r>
+          </a:p>
+          <a:p>
+            <a:r>
+              <a:rPr lang="it-IT" sz="2000" b="1" dirty="0">
+                <a:solidFill>
+                  <a:srgbClr val="FF0000"/>
+                </a:solidFill>
+              </a:rPr>
+              <a:t>     MENU</a:t>
+            </a:r>
+          </a:p>
+        </p:txBody>
+      </p:sp>
+    </p:spTree>
+    <p:extLst>
+      <p:ext uri="{BB962C8B-B14F-4D97-AF65-F5344CB8AC3E}">
+        <p14:creationId xmlns:p14="http://schemas.microsoft.com/office/powerpoint/2010/main" val="2157287213"/>
+      </p:ext>
+    </p:extLst>
+  </p:cSld>
+  <p:clrMapOvr>
+    <a:masterClrMapping/>
+  </p:clrMapOvr>
+</p:sld>
+</file>
+
+<file path=ppt/slides/slide22.xml><?xml version="1.0" encoding="utf-8"?>
+<p:sld xmlns:a="http://schemas.openxmlformats.org/drawingml/2006/main" xmlns:r="http://schemas.openxmlformats.org/officeDocument/2006/relationships" xmlns:p="http://schemas.openxmlformats.org/presentationml/2006/main">
+  <p:cSld>
+    <p:spTree>
+      <p:nvGrpSpPr>
+        <p:cNvPr id="1" name=""/>
+        <p:cNvGrpSpPr/>
+        <p:nvPr/>
+      </p:nvGrpSpPr>
+      <p:grpSpPr>
+        <a:xfrm>
+          <a:off x="0" y="0"/>
+          <a:ext cx="0" cy="0"/>
+          <a:chOff x="0" y="0"/>
+          <a:chExt cx="0" cy="0"/>
+        </a:xfrm>
+      </p:grpSpPr>
+      <p:pic>
+        <p:nvPicPr>
+          <p:cNvPr id="3" name="Picture 4" descr="Immagine che contiene Policromia, forniture per ufficio, cancelleria, strumento di scrittura&#10;&#10;Descrizione generata automaticamente">
+            <a:extLst>
+              <a:ext uri="{FF2B5EF4-FFF2-40B4-BE49-F238E27FC236}">
+                <a16:creationId xmlns:a16="http://schemas.microsoft.com/office/drawing/2014/main" id="{D5CFEB29-AE0E-EBCB-E8A5-79E442FEEBDC}"/>
+              </a:ext>
+            </a:extLst>
+          </p:cNvPr>
+          <p:cNvPicPr>
+            <a:picLocks noChangeAspect="1"/>
+          </p:cNvPicPr>
+          <p:nvPr/>
+        </p:nvPicPr>
+        <p:blipFill rotWithShape="1">
+          <a:blip r:embed="rId2">
+            <a:alphaModFix amt="35000"/>
+          </a:blip>
+          <a:srcRect t="3820" b="11910"/>
+          <a:stretch/>
+        </p:blipFill>
+        <p:spPr>
+          <a:xfrm>
+            <a:off x="20" y="-175490"/>
+            <a:ext cx="12191980" cy="6857999"/>
+          </a:xfrm>
+          <a:prstGeom prst="rect">
+            <a:avLst/>
+          </a:prstGeom>
+        </p:spPr>
+      </p:pic>
+      <p:sp>
+        <p:nvSpPr>
+          <p:cNvPr id="2" name="Titolo 1">
+            <a:extLst>
+              <a:ext uri="{FF2B5EF4-FFF2-40B4-BE49-F238E27FC236}">
+                <a16:creationId xmlns:a16="http://schemas.microsoft.com/office/drawing/2014/main" id="{A9FB4951-625F-270C-333C-BE32AF659EA2}"/>
+              </a:ext>
+            </a:extLst>
+          </p:cNvPr>
+          <p:cNvSpPr>
+            <a:spLocks noGrp="1"/>
+          </p:cNvSpPr>
+          <p:nvPr>
+            <p:ph type="title"/>
+          </p:nvPr>
+        </p:nvSpPr>
+        <p:spPr>
+          <a:xfrm>
+            <a:off x="8319806" y="375362"/>
+            <a:ext cx="3723560" cy="1325563"/>
+          </a:xfrm>
+        </p:spPr>
+        <p:txBody>
+          <a:bodyPr>
+            <a:normAutofit fontScale="90000"/>
+          </a:bodyPr>
+          <a:lstStyle/>
+          <a:p>
+            <a:r>
+              <a:rPr lang="it-IT" sz="5000" b="1" dirty="0">
+                <a:latin typeface="+mn-lt"/>
+              </a:rPr>
+              <a:t>CREA MENU TEMATICO</a:t>
+            </a:r>
+          </a:p>
+        </p:txBody>
+      </p:sp>
+      <p:pic>
+        <p:nvPicPr>
+          <p:cNvPr id="8" name="Immagine 7" descr="Immagine che contiene testo, schermata&#10;&#10;Descrizione generata automaticamente">
+            <a:extLst>
+              <a:ext uri="{FF2B5EF4-FFF2-40B4-BE49-F238E27FC236}">
+                <a16:creationId xmlns:a16="http://schemas.microsoft.com/office/drawing/2014/main" id="{202B5B4B-6574-DEF8-7EF3-256C511E7966}"/>
+              </a:ext>
+            </a:extLst>
+          </p:cNvPr>
+          <p:cNvPicPr>
+            <a:picLocks noChangeAspect="1"/>
+          </p:cNvPicPr>
+          <p:nvPr/>
+        </p:nvPicPr>
+        <p:blipFill>
+          <a:blip r:embed="rId3">
+            <a:extLst>
+              <a:ext uri="{28A0092B-C50C-407E-A947-70E740481C1C}">
+                <a14:useLocalDpi xmlns:a14="http://schemas.microsoft.com/office/drawing/2010/main" val="0"/>
+              </a:ext>
+            </a:extLst>
+          </a:blip>
+          <a:stretch>
+            <a:fillRect/>
+          </a:stretch>
+        </p:blipFill>
+        <p:spPr>
+          <a:xfrm>
+            <a:off x="473895" y="460769"/>
+            <a:ext cx="7697277" cy="5936462"/>
+          </a:xfrm>
+          <a:prstGeom prst="rect">
+            <a:avLst/>
+          </a:prstGeom>
+        </p:spPr>
+      </p:pic>
+      <p:sp>
+        <p:nvSpPr>
+          <p:cNvPr id="9" name="Parentesi graffa chiusa 8">
+            <a:extLst>
+              <a:ext uri="{FF2B5EF4-FFF2-40B4-BE49-F238E27FC236}">
+                <a16:creationId xmlns:a16="http://schemas.microsoft.com/office/drawing/2014/main" id="{E791340E-A568-01EA-949F-285C0AEAD179}"/>
+              </a:ext>
+            </a:extLst>
+          </p:cNvPr>
+          <p:cNvSpPr/>
+          <p:nvPr/>
+        </p:nvSpPr>
+        <p:spPr>
+          <a:xfrm>
+            <a:off x="6937593" y="547426"/>
+            <a:ext cx="1233577" cy="1549229"/>
+          </a:xfrm>
+          <a:prstGeom prst="rightBrace">
+            <a:avLst>
+              <a:gd name="adj1" fmla="val 14597"/>
+              <a:gd name="adj2" fmla="val 75562"/>
+            </a:avLst>
+          </a:prstGeom>
+          <a:ln>
+            <a:solidFill>
+              <a:srgbClr val="FF0000"/>
+            </a:solidFill>
+          </a:ln>
+        </p:spPr>
+        <p:style>
+          <a:lnRef idx="3">
+            <a:schemeClr val="accent2"/>
+          </a:lnRef>
+          <a:fillRef idx="0">
+            <a:schemeClr val="accent2"/>
+          </a:fillRef>
+          <a:effectRef idx="2">
+            <a:schemeClr val="accent2"/>
+          </a:effectRef>
+          <a:fontRef idx="minor">
+            <a:schemeClr val="tx1"/>
+          </a:fontRef>
+        </p:style>
+        <p:txBody>
+          <a:bodyPr rtlCol="0" anchor="ctr"/>
+          <a:lstStyle/>
+          <a:p>
+            <a:pPr algn="ctr"/>
+            <a:endParaRPr lang="it-IT"/>
+          </a:p>
+        </p:txBody>
+      </p:sp>
+      <p:sp>
+        <p:nvSpPr>
+          <p:cNvPr id="13" name="CasellaDiTesto 12">
+            <a:extLst>
+              <a:ext uri="{FF2B5EF4-FFF2-40B4-BE49-F238E27FC236}">
+                <a16:creationId xmlns:a16="http://schemas.microsoft.com/office/drawing/2014/main" id="{1976C4C3-5039-ECEB-2048-626B01B62C2E}"/>
+              </a:ext>
+            </a:extLst>
+          </p:cNvPr>
+          <p:cNvSpPr txBox="1"/>
+          <p:nvPr/>
+        </p:nvSpPr>
+        <p:spPr>
+          <a:xfrm>
+            <a:off x="8171170" y="1528861"/>
+            <a:ext cx="2603854" cy="400110"/>
+          </a:xfrm>
+          <a:prstGeom prst="rect">
+            <a:avLst/>
+          </a:prstGeom>
+          <a:noFill/>
+        </p:spPr>
+        <p:txBody>
+          <a:bodyPr wrap="none" rtlCol="0">
+            <a:spAutoFit/>
+          </a:bodyPr>
+          <a:lstStyle/>
+          <a:p>
+            <a:r>
+              <a:rPr lang="it-IT" sz="2000" b="1" dirty="0">
+                <a:solidFill>
+                  <a:srgbClr val="FF0000"/>
+                </a:solidFill>
+              </a:rPr>
+              <a:t>3. INSERMENTO PIATTI</a:t>
+            </a:r>
+          </a:p>
+        </p:txBody>
+      </p:sp>
+      <p:sp>
+        <p:nvSpPr>
+          <p:cNvPr id="14" name="Parentesi graffa chiusa 13">
+            <a:extLst>
+              <a:ext uri="{FF2B5EF4-FFF2-40B4-BE49-F238E27FC236}">
+                <a16:creationId xmlns:a16="http://schemas.microsoft.com/office/drawing/2014/main" id="{82C6389B-7133-8DF3-5EBA-AE1B31603E18}"/>
+              </a:ext>
+            </a:extLst>
+          </p:cNvPr>
+          <p:cNvSpPr/>
+          <p:nvPr/>
+        </p:nvSpPr>
+        <p:spPr>
+          <a:xfrm>
+            <a:off x="5882530" y="2183312"/>
+            <a:ext cx="1233577" cy="1945343"/>
+          </a:xfrm>
+          <a:prstGeom prst="rightBrace">
+            <a:avLst>
+              <a:gd name="adj1" fmla="val 17484"/>
+              <a:gd name="adj2" fmla="val 52445"/>
+            </a:avLst>
+          </a:prstGeom>
+          <a:ln>
+            <a:solidFill>
+              <a:srgbClr val="FF0000"/>
+            </a:solidFill>
+          </a:ln>
+        </p:spPr>
+        <p:style>
+          <a:lnRef idx="3">
+            <a:schemeClr val="accent2"/>
+          </a:lnRef>
+          <a:fillRef idx="0">
+            <a:schemeClr val="accent2"/>
+          </a:fillRef>
+          <a:effectRef idx="2">
+            <a:schemeClr val="accent2"/>
+          </a:effectRef>
+          <a:fontRef idx="minor">
+            <a:schemeClr val="tx1"/>
+          </a:fontRef>
+        </p:style>
+        <p:txBody>
+          <a:bodyPr rtlCol="0" anchor="ctr"/>
+          <a:lstStyle/>
+          <a:p>
+            <a:pPr algn="ctr"/>
+            <a:endParaRPr lang="it-IT"/>
+          </a:p>
+        </p:txBody>
+      </p:sp>
+      <p:sp>
+        <p:nvSpPr>
+          <p:cNvPr id="15" name="CasellaDiTesto 14">
+            <a:extLst>
+              <a:ext uri="{FF2B5EF4-FFF2-40B4-BE49-F238E27FC236}">
+                <a16:creationId xmlns:a16="http://schemas.microsoft.com/office/drawing/2014/main" id="{9D8C6405-A69C-7C12-FD45-9F8ADD52985F}"/>
+              </a:ext>
+            </a:extLst>
+          </p:cNvPr>
+          <p:cNvSpPr txBox="1"/>
+          <p:nvPr/>
+        </p:nvSpPr>
+        <p:spPr>
+          <a:xfrm>
+            <a:off x="7079697" y="3022108"/>
+            <a:ext cx="2531014" cy="400110"/>
+          </a:xfrm>
+          <a:prstGeom prst="rect">
+            <a:avLst/>
+          </a:prstGeom>
+          <a:noFill/>
+        </p:spPr>
+        <p:txBody>
+          <a:bodyPr wrap="none" rtlCol="0">
+            <a:spAutoFit/>
+          </a:bodyPr>
+          <a:lstStyle/>
+          <a:p>
+            <a:r>
+              <a:rPr lang="it-IT" sz="2000" b="1" dirty="0">
+                <a:solidFill>
+                  <a:srgbClr val="FF0000"/>
+                </a:solidFill>
+              </a:rPr>
+              <a:t>4. CAN ADD TO MENU</a:t>
+            </a:r>
+          </a:p>
+        </p:txBody>
+      </p:sp>
+      <p:sp>
+        <p:nvSpPr>
+          <p:cNvPr id="16" name="Parentesi graffa chiusa 15">
+            <a:extLst>
+              <a:ext uri="{FF2B5EF4-FFF2-40B4-BE49-F238E27FC236}">
+                <a16:creationId xmlns:a16="http://schemas.microsoft.com/office/drawing/2014/main" id="{7E0B88DE-9C47-4825-4336-BE84DE49583E}"/>
+              </a:ext>
+            </a:extLst>
+          </p:cNvPr>
+          <p:cNvSpPr/>
+          <p:nvPr/>
+        </p:nvSpPr>
+        <p:spPr>
+          <a:xfrm>
+            <a:off x="3705744" y="1172436"/>
+            <a:ext cx="1233577" cy="931463"/>
+          </a:xfrm>
+          <a:prstGeom prst="rightBrace">
+            <a:avLst>
+              <a:gd name="adj1" fmla="val 17484"/>
+              <a:gd name="adj2" fmla="val 45814"/>
+            </a:avLst>
+          </a:prstGeom>
+          <a:ln>
+            <a:solidFill>
+              <a:srgbClr val="FF0000"/>
+            </a:solidFill>
+          </a:ln>
+        </p:spPr>
+        <p:style>
+          <a:lnRef idx="3">
+            <a:schemeClr val="accent2"/>
+          </a:lnRef>
+          <a:fillRef idx="0">
+            <a:schemeClr val="accent2"/>
+          </a:fillRef>
+          <a:effectRef idx="2">
+            <a:schemeClr val="accent2"/>
+          </a:effectRef>
+          <a:fontRef idx="minor">
+            <a:schemeClr val="tx1"/>
+          </a:fontRef>
+        </p:style>
+        <p:txBody>
+          <a:bodyPr rtlCol="0" anchor="ctr"/>
+          <a:lstStyle/>
+          <a:p>
+            <a:pPr algn="ctr"/>
+            <a:endParaRPr lang="it-IT"/>
+          </a:p>
+        </p:txBody>
+      </p:sp>
+      <p:sp>
+        <p:nvSpPr>
+          <p:cNvPr id="17" name="CasellaDiTesto 16">
+            <a:extLst>
+              <a:ext uri="{FF2B5EF4-FFF2-40B4-BE49-F238E27FC236}">
+                <a16:creationId xmlns:a16="http://schemas.microsoft.com/office/drawing/2014/main" id="{FCB9B566-44C9-82B8-44F3-7906A9793A27}"/>
+              </a:ext>
+            </a:extLst>
+          </p:cNvPr>
+          <p:cNvSpPr txBox="1"/>
+          <p:nvPr/>
+        </p:nvSpPr>
+        <p:spPr>
+          <a:xfrm>
+            <a:off x="4922637" y="1386222"/>
+            <a:ext cx="2402966" cy="400110"/>
+          </a:xfrm>
+          <a:prstGeom prst="rect">
+            <a:avLst/>
+          </a:prstGeom>
+          <a:noFill/>
+        </p:spPr>
+        <p:txBody>
+          <a:bodyPr wrap="none" rtlCol="0">
+            <a:spAutoFit/>
+          </a:bodyPr>
+          <a:lstStyle/>
+          <a:p>
+            <a:r>
+              <a:rPr lang="it-IT" sz="2000" b="1" dirty="0">
+                <a:solidFill>
+                  <a:srgbClr val="FF0000"/>
+                </a:solidFill>
+              </a:rPr>
+              <a:t>2. CHECK DUPLICATO</a:t>
+            </a:r>
+          </a:p>
+        </p:txBody>
+      </p:sp>
+      <p:sp>
+        <p:nvSpPr>
+          <p:cNvPr id="18" name="Parentesi graffa chiusa 17">
+            <a:extLst>
+              <a:ext uri="{FF2B5EF4-FFF2-40B4-BE49-F238E27FC236}">
+                <a16:creationId xmlns:a16="http://schemas.microsoft.com/office/drawing/2014/main" id="{194E3650-B378-0C78-44F9-95CC6051C979}"/>
+              </a:ext>
+            </a:extLst>
+          </p:cNvPr>
+          <p:cNvSpPr/>
+          <p:nvPr/>
+        </p:nvSpPr>
+        <p:spPr>
+          <a:xfrm>
+            <a:off x="7497959" y="5315815"/>
+            <a:ext cx="821847" cy="1081416"/>
+          </a:xfrm>
+          <a:prstGeom prst="rightBrace">
+            <a:avLst>
+              <a:gd name="adj1" fmla="val 17484"/>
+              <a:gd name="adj2" fmla="val 49029"/>
+            </a:avLst>
+          </a:prstGeom>
+          <a:ln>
+            <a:solidFill>
+              <a:srgbClr val="FF0000"/>
+            </a:solidFill>
+          </a:ln>
+        </p:spPr>
+        <p:style>
+          <a:lnRef idx="3">
+            <a:schemeClr val="accent2"/>
+          </a:lnRef>
+          <a:fillRef idx="0">
+            <a:schemeClr val="accent2"/>
+          </a:fillRef>
+          <a:effectRef idx="2">
+            <a:schemeClr val="accent2"/>
+          </a:effectRef>
+          <a:fontRef idx="minor">
+            <a:schemeClr val="tx1"/>
+          </a:fontRef>
+        </p:style>
+        <p:txBody>
+          <a:bodyPr rtlCol="0" anchor="ctr"/>
+          <a:lstStyle/>
+          <a:p>
+            <a:pPr algn="ctr"/>
+            <a:endParaRPr lang="it-IT"/>
+          </a:p>
+        </p:txBody>
+      </p:sp>
+      <p:sp>
+        <p:nvSpPr>
+          <p:cNvPr id="20" name="CasellaDiTesto 19">
+            <a:extLst>
+              <a:ext uri="{FF2B5EF4-FFF2-40B4-BE49-F238E27FC236}">
+                <a16:creationId xmlns:a16="http://schemas.microsoft.com/office/drawing/2014/main" id="{A8230ADC-020A-08E5-6754-40F77141E123}"/>
+              </a:ext>
+            </a:extLst>
+          </p:cNvPr>
+          <p:cNvSpPr txBox="1"/>
+          <p:nvPr/>
+        </p:nvSpPr>
+        <p:spPr>
+          <a:xfrm>
+            <a:off x="8319806" y="5575963"/>
+            <a:ext cx="2299091" cy="400110"/>
+          </a:xfrm>
+          <a:prstGeom prst="rect">
+            <a:avLst/>
+          </a:prstGeom>
+          <a:noFill/>
+        </p:spPr>
+        <p:txBody>
+          <a:bodyPr wrap="none" rtlCol="0">
+            <a:spAutoFit/>
+          </a:bodyPr>
+          <a:lstStyle/>
+          <a:p>
+            <a:r>
+              <a:rPr lang="it-IT" sz="2000" b="1" dirty="0">
+                <a:solidFill>
+                  <a:srgbClr val="FF0000"/>
+                </a:solidFill>
+              </a:rPr>
+              <a:t>5. AGGIUNGI MENU</a:t>
+            </a:r>
+          </a:p>
+        </p:txBody>
+      </p:sp>
+    </p:spTree>
+    <p:extLst>
+      <p:ext uri="{BB962C8B-B14F-4D97-AF65-F5344CB8AC3E}">
+        <p14:creationId xmlns:p14="http://schemas.microsoft.com/office/powerpoint/2010/main" val="2700449681"/>
+      </p:ext>
+    </p:extLst>
+  </p:cSld>
+  <p:clrMapOvr>
+    <a:masterClrMapping/>
+  </p:clrMapOvr>
+</p:sld>
+</file>
+
+<file path=ppt/slides/slide23.xml><?xml version="1.0" encoding="utf-8"?>
+<p:sld xmlns:a="http://schemas.openxmlformats.org/drawingml/2006/main" xmlns:r="http://schemas.openxmlformats.org/officeDocument/2006/relationships" xmlns:p="http://schemas.openxmlformats.org/presentationml/2006/main">
+  <p:cSld>
+    <p:spTree>
+      <p:nvGrpSpPr>
+        <p:cNvPr id="1" name=""/>
+        <p:cNvGrpSpPr/>
+        <p:nvPr/>
+      </p:nvGrpSpPr>
+      <p:grpSpPr>
+        <a:xfrm>
+          <a:off x="0" y="0"/>
+          <a:ext cx="0" cy="0"/>
+          <a:chOff x="0" y="0"/>
+          <a:chExt cx="0" cy="0"/>
+        </a:xfrm>
+      </p:grpSpPr>
+      <p:pic>
+        <p:nvPicPr>
+          <p:cNvPr id="3" name="Picture 4" descr="Immagine che contiene Policromia, forniture per ufficio, cancelleria, strumento di scrittura&#10;&#10;Descrizione generata automaticamente">
+            <a:extLst>
+              <a:ext uri="{FF2B5EF4-FFF2-40B4-BE49-F238E27FC236}">
+                <a16:creationId xmlns:a16="http://schemas.microsoft.com/office/drawing/2014/main" id="{D5CFEB29-AE0E-EBCB-E8A5-79E442FEEBDC}"/>
+              </a:ext>
+            </a:extLst>
+          </p:cNvPr>
+          <p:cNvPicPr>
+            <a:picLocks noChangeAspect="1"/>
+          </p:cNvPicPr>
+          <p:nvPr/>
+        </p:nvPicPr>
+        <p:blipFill rotWithShape="1">
+          <a:blip r:embed="rId2">
+            <a:alphaModFix amt="35000"/>
+          </a:blip>
+          <a:srcRect t="3820" b="11910"/>
+          <a:stretch/>
+        </p:blipFill>
+        <p:spPr>
+          <a:xfrm>
+            <a:off x="0" y="1"/>
+            <a:ext cx="12191980" cy="6857999"/>
+          </a:xfrm>
+          <a:prstGeom prst="rect">
+            <a:avLst/>
+          </a:prstGeom>
+        </p:spPr>
+      </p:pic>
+      <p:sp>
+        <p:nvSpPr>
+          <p:cNvPr id="2" name="Titolo 1">
+            <a:extLst>
+              <a:ext uri="{FF2B5EF4-FFF2-40B4-BE49-F238E27FC236}">
+                <a16:creationId xmlns:a16="http://schemas.microsoft.com/office/drawing/2014/main" id="{A9FB4951-625F-270C-333C-BE32AF659EA2}"/>
+              </a:ext>
+            </a:extLst>
+          </p:cNvPr>
+          <p:cNvSpPr>
+            <a:spLocks noGrp="1"/>
+          </p:cNvSpPr>
+          <p:nvPr>
+            <p:ph type="title"/>
+          </p:nvPr>
+        </p:nvSpPr>
+        <p:spPr>
+          <a:xfrm>
+            <a:off x="838190" y="118623"/>
+            <a:ext cx="10515600" cy="1325563"/>
+          </a:xfrm>
+        </p:spPr>
+        <p:txBody>
+          <a:bodyPr>
+            <a:normAutofit fontScale="90000"/>
+          </a:bodyPr>
+          <a:lstStyle/>
+          <a:p>
+            <a:r>
+              <a:rPr lang="it-IT" sz="5000" b="1" dirty="0">
+                <a:latin typeface="+mn-lt"/>
+              </a:rPr>
+              <a:t>EXTRACT METHOD: 1. SELEZIONE NOME</a:t>
+            </a:r>
+          </a:p>
+        </p:txBody>
+      </p:sp>
+      <p:pic>
+        <p:nvPicPr>
+          <p:cNvPr id="5" name="Immagine 4">
+            <a:extLst>
+              <a:ext uri="{FF2B5EF4-FFF2-40B4-BE49-F238E27FC236}">
+                <a16:creationId xmlns:a16="http://schemas.microsoft.com/office/drawing/2014/main" id="{6FFFE843-4597-107F-6A1B-F595A7F977A9}"/>
+              </a:ext>
+            </a:extLst>
+          </p:cNvPr>
+          <p:cNvPicPr>
+            <a:picLocks noChangeAspect="1"/>
+          </p:cNvPicPr>
+          <p:nvPr/>
+        </p:nvPicPr>
+        <p:blipFill>
+          <a:blip r:embed="rId3"/>
+          <a:stretch>
+            <a:fillRect/>
+          </a:stretch>
+        </p:blipFill>
+        <p:spPr>
+          <a:xfrm>
+            <a:off x="953155" y="1279165"/>
+            <a:ext cx="8326012" cy="2562583"/>
+          </a:xfrm>
+          <a:prstGeom prst="rect">
+            <a:avLst/>
+          </a:prstGeom>
+        </p:spPr>
+      </p:pic>
+      <p:sp>
+        <p:nvSpPr>
+          <p:cNvPr id="6" name="Titolo 1">
+            <a:extLst>
+              <a:ext uri="{FF2B5EF4-FFF2-40B4-BE49-F238E27FC236}">
+                <a16:creationId xmlns:a16="http://schemas.microsoft.com/office/drawing/2014/main" id="{7226FCB2-B051-74EE-EDB7-B5DC8CCD8904}"/>
+              </a:ext>
+            </a:extLst>
+          </p:cNvPr>
+          <p:cNvSpPr txBox="1">
+            <a:spLocks/>
+          </p:cNvSpPr>
+          <p:nvPr/>
+        </p:nvSpPr>
+        <p:spPr>
+          <a:xfrm>
+            <a:off x="705928" y="4504530"/>
+            <a:ext cx="10515600" cy="1325563"/>
+          </a:xfrm>
+          <a:prstGeom prst="rect">
+            <a:avLst/>
+          </a:prstGeom>
+        </p:spPr>
+        <p:txBody>
+          <a:bodyPr vert="horz" lIns="91440" tIns="45720" rIns="91440" bIns="45720" rtlCol="0" anchor="ctr">
+            <a:normAutofit fontScale="97500" lnSpcReduction="10000"/>
+          </a:bodyPr>
+          <a:lstStyle>
+            <a:lvl1pPr algn="l" defTabSz="914400" rtl="0" eaLnBrk="1" latinLnBrk="0" hangingPunct="1">
+              <a:lnSpc>
+                <a:spcPct val="90000"/>
+              </a:lnSpc>
+              <a:spcBef>
+                <a:spcPct val="0"/>
+              </a:spcBef>
+              <a:buNone/>
+              <a:defRPr sz="4400" kern="1200">
+                <a:solidFill>
+                  <a:schemeClr val="tx1"/>
+                </a:solidFill>
+                <a:latin typeface="+mj-lt"/>
+                <a:ea typeface="+mj-ea"/>
+                <a:cs typeface="+mj-cs"/>
+              </a:defRPr>
+            </a:lvl1pPr>
+          </a:lstStyle>
+          <a:p>
+            <a:r>
+              <a:rPr lang="it-IT" sz="5000" b="1" dirty="0">
+                <a:latin typeface="+mn-lt"/>
+              </a:rPr>
+              <a:t>2. CHECK </a:t>
+            </a:r>
+          </a:p>
+          <a:p>
+            <a:r>
+              <a:rPr lang="it-IT" sz="5000" b="1" dirty="0">
+                <a:latin typeface="+mn-lt"/>
+              </a:rPr>
+              <a:t>DUPLICATO</a:t>
+            </a:r>
+          </a:p>
+        </p:txBody>
+      </p:sp>
+      <p:pic>
+        <p:nvPicPr>
+          <p:cNvPr id="8" name="Immagine 7">
+            <a:extLst>
+              <a:ext uri="{FF2B5EF4-FFF2-40B4-BE49-F238E27FC236}">
+                <a16:creationId xmlns:a16="http://schemas.microsoft.com/office/drawing/2014/main" id="{BC7E8DDF-5002-44D8-CFC6-F8326BA4A484}"/>
+              </a:ext>
+            </a:extLst>
+          </p:cNvPr>
+          <p:cNvPicPr>
+            <a:picLocks noChangeAspect="1"/>
+          </p:cNvPicPr>
+          <p:nvPr/>
+        </p:nvPicPr>
+        <p:blipFill>
+          <a:blip r:embed="rId4"/>
+          <a:stretch>
+            <a:fillRect/>
+          </a:stretch>
+        </p:blipFill>
+        <p:spPr>
+          <a:xfrm>
+            <a:off x="4360594" y="4212313"/>
+            <a:ext cx="6230219" cy="2400635"/>
+          </a:xfrm>
+          <a:prstGeom prst="rect">
+            <a:avLst/>
+          </a:prstGeom>
+        </p:spPr>
+      </p:pic>
+    </p:spTree>
+    <p:extLst>
+      <p:ext uri="{BB962C8B-B14F-4D97-AF65-F5344CB8AC3E}">
+        <p14:creationId xmlns:p14="http://schemas.microsoft.com/office/powerpoint/2010/main" val="262832158"/>
+      </p:ext>
+    </p:extLst>
+  </p:cSld>
+  <p:clrMapOvr>
+    <a:masterClrMapping/>
+  </p:clrMapOvr>
+</p:sld>
+</file>
+
+<file path=ppt/slides/slide24.xml><?xml version="1.0" encoding="utf-8"?>
+<p:sld xmlns:a="http://schemas.openxmlformats.org/drawingml/2006/main" xmlns:r="http://schemas.openxmlformats.org/officeDocument/2006/relationships" xmlns:p="http://schemas.openxmlformats.org/presentationml/2006/main">
+  <p:cSld>
+    <p:spTree>
+      <p:nvGrpSpPr>
+        <p:cNvPr id="1" name=""/>
+        <p:cNvGrpSpPr/>
+        <p:nvPr/>
+      </p:nvGrpSpPr>
+      <p:grpSpPr>
+        <a:xfrm>
+          <a:off x="0" y="0"/>
+          <a:ext cx="0" cy="0"/>
+          <a:chOff x="0" y="0"/>
+          <a:chExt cx="0" cy="0"/>
+        </a:xfrm>
+      </p:grpSpPr>
+      <p:pic>
+        <p:nvPicPr>
+          <p:cNvPr id="3" name="Picture 4" descr="Immagine che contiene Policromia, forniture per ufficio, cancelleria, strumento di scrittura&#10;&#10;Descrizione generata automaticamente">
+            <a:extLst>
+              <a:ext uri="{FF2B5EF4-FFF2-40B4-BE49-F238E27FC236}">
+                <a16:creationId xmlns:a16="http://schemas.microsoft.com/office/drawing/2014/main" id="{D5CFEB29-AE0E-EBCB-E8A5-79E442FEEBDC}"/>
+              </a:ext>
+            </a:extLst>
+          </p:cNvPr>
+          <p:cNvPicPr>
+            <a:picLocks noChangeAspect="1"/>
+          </p:cNvPicPr>
+          <p:nvPr/>
+        </p:nvPicPr>
+        <p:blipFill rotWithShape="1">
+          <a:blip r:embed="rId2">
+            <a:alphaModFix amt="35000"/>
+          </a:blip>
+          <a:srcRect t="3820" b="11910"/>
+          <a:stretch/>
+        </p:blipFill>
+        <p:spPr>
+          <a:xfrm>
+            <a:off x="0" y="1"/>
+            <a:ext cx="12191980" cy="6857999"/>
+          </a:xfrm>
+          <a:prstGeom prst="rect">
+            <a:avLst/>
+          </a:prstGeom>
+        </p:spPr>
+      </p:pic>
+      <p:sp>
+        <p:nvSpPr>
+          <p:cNvPr id="2" name="Titolo 1">
+            <a:extLst>
+              <a:ext uri="{FF2B5EF4-FFF2-40B4-BE49-F238E27FC236}">
+                <a16:creationId xmlns:a16="http://schemas.microsoft.com/office/drawing/2014/main" id="{A9FB4951-625F-270C-333C-BE32AF659EA2}"/>
+              </a:ext>
+            </a:extLst>
+          </p:cNvPr>
+          <p:cNvSpPr>
+            <a:spLocks noGrp="1"/>
+          </p:cNvSpPr>
+          <p:nvPr>
+            <p:ph type="title"/>
+          </p:nvPr>
+        </p:nvSpPr>
+        <p:spPr>
+          <a:xfrm>
+            <a:off x="838189" y="176451"/>
+            <a:ext cx="7908647" cy="1325563"/>
+          </a:xfrm>
+        </p:spPr>
+        <p:txBody>
+          <a:bodyPr>
+            <a:normAutofit/>
+          </a:bodyPr>
+          <a:lstStyle/>
+          <a:p>
+            <a:r>
+              <a:rPr lang="it-IT" sz="5000" b="1" dirty="0">
+                <a:latin typeface="+mn-lt"/>
+              </a:rPr>
+              <a:t>3. INSERIMENTO PIATTI</a:t>
+            </a:r>
+          </a:p>
+        </p:txBody>
+      </p:sp>
+      <p:pic>
+        <p:nvPicPr>
+          <p:cNvPr id="10" name="Immagine 9">
+            <a:extLst>
+              <a:ext uri="{FF2B5EF4-FFF2-40B4-BE49-F238E27FC236}">
+                <a16:creationId xmlns:a16="http://schemas.microsoft.com/office/drawing/2014/main" id="{6A2CD70B-C231-8B95-71E5-89DDB5EEA202}"/>
+              </a:ext>
+            </a:extLst>
+          </p:cNvPr>
+          <p:cNvPicPr>
+            <a:picLocks noChangeAspect="1"/>
+          </p:cNvPicPr>
+          <p:nvPr/>
+        </p:nvPicPr>
+        <p:blipFill>
+          <a:blip r:embed="rId3"/>
+          <a:stretch>
+            <a:fillRect/>
+          </a:stretch>
+        </p:blipFill>
+        <p:spPr>
+          <a:xfrm>
+            <a:off x="838189" y="1304998"/>
+            <a:ext cx="10231278" cy="3962953"/>
+          </a:xfrm>
+          <a:prstGeom prst="rect">
+            <a:avLst/>
+          </a:prstGeom>
+        </p:spPr>
+      </p:pic>
+    </p:spTree>
+    <p:extLst>
+      <p:ext uri="{BB962C8B-B14F-4D97-AF65-F5344CB8AC3E}">
+        <p14:creationId xmlns:p14="http://schemas.microsoft.com/office/powerpoint/2010/main" val="2761269882"/>
+      </p:ext>
+    </p:extLst>
+  </p:cSld>
+  <p:clrMapOvr>
+    <a:masterClrMapping/>
+  </p:clrMapOvr>
+</p:sld>
+</file>
+
+<file path=ppt/slides/slide25.xml><?xml version="1.0" encoding="utf-8"?>
+<p:sld xmlns:a="http://schemas.openxmlformats.org/drawingml/2006/main" xmlns:r="http://schemas.openxmlformats.org/officeDocument/2006/relationships" xmlns:p="http://schemas.openxmlformats.org/presentationml/2006/main">
+  <p:cSld>
+    <p:spTree>
+      <p:nvGrpSpPr>
+        <p:cNvPr id="1" name=""/>
+        <p:cNvGrpSpPr/>
+        <p:nvPr/>
+      </p:nvGrpSpPr>
+      <p:grpSpPr>
+        <a:xfrm>
+          <a:off x="0" y="0"/>
+          <a:ext cx="0" cy="0"/>
+          <a:chOff x="0" y="0"/>
+          <a:chExt cx="0" cy="0"/>
+        </a:xfrm>
+      </p:grpSpPr>
+      <p:pic>
+        <p:nvPicPr>
+          <p:cNvPr id="3" name="Picture 4" descr="Immagine che contiene Policromia, forniture per ufficio, cancelleria, strumento di scrittura&#10;&#10;Descrizione generata automaticamente">
+            <a:extLst>
+              <a:ext uri="{FF2B5EF4-FFF2-40B4-BE49-F238E27FC236}">
+                <a16:creationId xmlns:a16="http://schemas.microsoft.com/office/drawing/2014/main" id="{D5CFEB29-AE0E-EBCB-E8A5-79E442FEEBDC}"/>
+              </a:ext>
+            </a:extLst>
+          </p:cNvPr>
+          <p:cNvPicPr>
+            <a:picLocks noChangeAspect="1"/>
+          </p:cNvPicPr>
+          <p:nvPr/>
+        </p:nvPicPr>
+        <p:blipFill rotWithShape="1">
+          <a:blip r:embed="rId2">
+            <a:alphaModFix amt="35000"/>
+          </a:blip>
+          <a:srcRect t="3820" b="11910"/>
+          <a:stretch/>
+        </p:blipFill>
+        <p:spPr>
+          <a:xfrm>
+            <a:off x="0" y="1"/>
+            <a:ext cx="12191980" cy="6857999"/>
+          </a:xfrm>
+          <a:prstGeom prst="rect">
+            <a:avLst/>
+          </a:prstGeom>
+        </p:spPr>
+      </p:pic>
+      <p:sp>
+        <p:nvSpPr>
+          <p:cNvPr id="2" name="Titolo 1">
+            <a:extLst>
+              <a:ext uri="{FF2B5EF4-FFF2-40B4-BE49-F238E27FC236}">
+                <a16:creationId xmlns:a16="http://schemas.microsoft.com/office/drawing/2014/main" id="{A9FB4951-625F-270C-333C-BE32AF659EA2}"/>
+              </a:ext>
+            </a:extLst>
+          </p:cNvPr>
+          <p:cNvSpPr>
+            <a:spLocks noGrp="1"/>
+          </p:cNvSpPr>
+          <p:nvPr>
+            <p:ph type="title"/>
+          </p:nvPr>
+        </p:nvSpPr>
+        <p:spPr>
+          <a:xfrm>
+            <a:off x="838189" y="736408"/>
+            <a:ext cx="7908647" cy="1325563"/>
+          </a:xfrm>
+        </p:spPr>
+        <p:txBody>
+          <a:bodyPr>
+            <a:normAutofit fontScale="90000"/>
+          </a:bodyPr>
+          <a:lstStyle/>
+          <a:p>
+            <a:r>
+              <a:rPr lang="it-IT" sz="5000" b="1" dirty="0">
+                <a:latin typeface="+mn-lt"/>
+              </a:rPr>
+              <a:t>4. CAN ADD </a:t>
+            </a:r>
+            <a:br>
+              <a:rPr lang="it-IT" sz="5000" b="1" dirty="0">
+                <a:latin typeface="+mn-lt"/>
+              </a:rPr>
+            </a:br>
+            <a:r>
+              <a:rPr lang="it-IT" sz="5000" b="1" dirty="0">
+                <a:latin typeface="+mn-lt"/>
+              </a:rPr>
+              <a:t>TO MENU</a:t>
+            </a:r>
+          </a:p>
+        </p:txBody>
+      </p:sp>
+      <p:pic>
+        <p:nvPicPr>
+          <p:cNvPr id="5" name="Immagine 4">
+            <a:extLst>
+              <a:ext uri="{FF2B5EF4-FFF2-40B4-BE49-F238E27FC236}">
+                <a16:creationId xmlns:a16="http://schemas.microsoft.com/office/drawing/2014/main" id="{ADFA6A35-40E3-C57C-4CA4-28F1485BE60C}"/>
+              </a:ext>
+            </a:extLst>
+          </p:cNvPr>
+          <p:cNvPicPr>
+            <a:picLocks noChangeAspect="1"/>
+          </p:cNvPicPr>
+          <p:nvPr/>
+        </p:nvPicPr>
+        <p:blipFill>
+          <a:blip r:embed="rId3"/>
+          <a:stretch>
+            <a:fillRect/>
+          </a:stretch>
+        </p:blipFill>
+        <p:spPr>
+          <a:xfrm>
+            <a:off x="4792512" y="694943"/>
+            <a:ext cx="6068272" cy="2734057"/>
+          </a:xfrm>
+          <a:prstGeom prst="rect">
+            <a:avLst/>
+          </a:prstGeom>
+        </p:spPr>
+      </p:pic>
+      <p:sp>
+        <p:nvSpPr>
+          <p:cNvPr id="6" name="Titolo 1">
+            <a:extLst>
+              <a:ext uri="{FF2B5EF4-FFF2-40B4-BE49-F238E27FC236}">
+                <a16:creationId xmlns:a16="http://schemas.microsoft.com/office/drawing/2014/main" id="{DBAEE201-1985-51F6-6967-DF986174E548}"/>
+              </a:ext>
+            </a:extLst>
+          </p:cNvPr>
+          <p:cNvSpPr txBox="1">
+            <a:spLocks/>
+          </p:cNvSpPr>
+          <p:nvPr/>
+        </p:nvSpPr>
+        <p:spPr>
+          <a:xfrm>
+            <a:off x="838189" y="4287789"/>
+            <a:ext cx="7908647" cy="1325563"/>
+          </a:xfrm>
+          <a:prstGeom prst="rect">
+            <a:avLst/>
+          </a:prstGeom>
+        </p:spPr>
+        <p:txBody>
+          <a:bodyPr vert="horz" lIns="91440" tIns="45720" rIns="91440" bIns="45720" rtlCol="0" anchor="ctr">
+            <a:normAutofit fontScale="97500" lnSpcReduction="10000"/>
+          </a:bodyPr>
+          <a:lstStyle>
+            <a:lvl1pPr algn="l" defTabSz="914400" rtl="0" eaLnBrk="1" latinLnBrk="0" hangingPunct="1">
+              <a:lnSpc>
+                <a:spcPct val="90000"/>
+              </a:lnSpc>
+              <a:spcBef>
+                <a:spcPct val="0"/>
+              </a:spcBef>
+              <a:buNone/>
+              <a:defRPr sz="4400" kern="1200">
+                <a:solidFill>
+                  <a:schemeClr val="tx1"/>
+                </a:solidFill>
+                <a:latin typeface="+mj-lt"/>
+                <a:ea typeface="+mj-ea"/>
+                <a:cs typeface="+mj-cs"/>
+              </a:defRPr>
+            </a:lvl1pPr>
+          </a:lstStyle>
+          <a:p>
+            <a:r>
+              <a:rPr lang="it-IT" sz="5000" b="1" dirty="0">
+                <a:latin typeface="+mn-lt"/>
+              </a:rPr>
+              <a:t>5. AGGIUNGI </a:t>
+            </a:r>
+          </a:p>
+          <a:p>
+            <a:r>
+              <a:rPr lang="it-IT" sz="5000" b="1" dirty="0">
+                <a:latin typeface="+mn-lt"/>
+              </a:rPr>
+              <a:t>MENU</a:t>
+            </a:r>
+          </a:p>
+        </p:txBody>
+      </p:sp>
+      <p:pic>
+        <p:nvPicPr>
+          <p:cNvPr id="8" name="Immagine 7">
+            <a:extLst>
+              <a:ext uri="{FF2B5EF4-FFF2-40B4-BE49-F238E27FC236}">
+                <a16:creationId xmlns:a16="http://schemas.microsoft.com/office/drawing/2014/main" id="{CC91E82E-C10D-E2C2-2958-DDEAEEC2DB6D}"/>
+              </a:ext>
+            </a:extLst>
+          </p:cNvPr>
+          <p:cNvPicPr>
+            <a:picLocks noChangeAspect="1"/>
+          </p:cNvPicPr>
+          <p:nvPr/>
+        </p:nvPicPr>
+        <p:blipFill>
+          <a:blip r:embed="rId4"/>
+          <a:stretch>
+            <a:fillRect/>
+          </a:stretch>
+        </p:blipFill>
+        <p:spPr>
+          <a:xfrm>
+            <a:off x="4792512" y="4308245"/>
+            <a:ext cx="6087325" cy="1305107"/>
+          </a:xfrm>
+          <a:prstGeom prst="rect">
+            <a:avLst/>
+          </a:prstGeom>
+        </p:spPr>
+      </p:pic>
+    </p:spTree>
+    <p:extLst>
+      <p:ext uri="{BB962C8B-B14F-4D97-AF65-F5344CB8AC3E}">
+        <p14:creationId xmlns:p14="http://schemas.microsoft.com/office/powerpoint/2010/main" val="1788256721"/>
+      </p:ext>
+    </p:extLst>
+  </p:cSld>
+  <p:clrMapOvr>
+    <a:masterClrMapping/>
+  </p:clrMapOvr>
+</p:sld>
+</file>
+
+<file path=ppt/slides/slide26.xml><?xml version="1.0" encoding="utf-8"?>
+<p:sld xmlns:a="http://schemas.openxmlformats.org/drawingml/2006/main" xmlns:r="http://schemas.openxmlformats.org/officeDocument/2006/relationships" xmlns:p="http://schemas.openxmlformats.org/presentationml/2006/main">
+  <p:cSld>
+    <p:spTree>
+      <p:nvGrpSpPr>
+        <p:cNvPr id="1" name=""/>
+        <p:cNvGrpSpPr/>
+        <p:nvPr/>
+      </p:nvGrpSpPr>
+      <p:grpSpPr>
+        <a:xfrm>
+          <a:off x="0" y="0"/>
+          <a:ext cx="0" cy="0"/>
+          <a:chOff x="0" y="0"/>
+          <a:chExt cx="0" cy="0"/>
+        </a:xfrm>
+      </p:grpSpPr>
+      <p:pic>
+        <p:nvPicPr>
+          <p:cNvPr id="3" name="Picture 4" descr="Immagine che contiene Policromia, forniture per ufficio, cancelleria, strumento di scrittura&#10;&#10;Descrizione generata automaticamente">
+            <a:extLst>
+              <a:ext uri="{FF2B5EF4-FFF2-40B4-BE49-F238E27FC236}">
+                <a16:creationId xmlns:a16="http://schemas.microsoft.com/office/drawing/2014/main" id="{D5CFEB29-AE0E-EBCB-E8A5-79E442FEEBDC}"/>
+              </a:ext>
+            </a:extLst>
+          </p:cNvPr>
+          <p:cNvPicPr>
+            <a:picLocks noChangeAspect="1"/>
+          </p:cNvPicPr>
+          <p:nvPr/>
+        </p:nvPicPr>
+        <p:blipFill rotWithShape="1">
+          <a:blip r:embed="rId2">
+            <a:alphaModFix amt="35000"/>
+          </a:blip>
+          <a:srcRect t="3820" b="11910"/>
+          <a:stretch/>
+        </p:blipFill>
+        <p:spPr>
+          <a:xfrm>
+            <a:off x="20" y="-175490"/>
+            <a:ext cx="12191980" cy="6857999"/>
+          </a:xfrm>
+          <a:prstGeom prst="rect">
+            <a:avLst/>
+          </a:prstGeom>
+        </p:spPr>
+      </p:pic>
+      <p:sp>
+        <p:nvSpPr>
+          <p:cNvPr id="2" name="Titolo 1">
+            <a:extLst>
+              <a:ext uri="{FF2B5EF4-FFF2-40B4-BE49-F238E27FC236}">
+                <a16:creationId xmlns:a16="http://schemas.microsoft.com/office/drawing/2014/main" id="{A9FB4951-625F-270C-333C-BE32AF659EA2}"/>
+              </a:ext>
+            </a:extLst>
+          </p:cNvPr>
+          <p:cNvSpPr>
+            <a:spLocks noGrp="1"/>
+          </p:cNvSpPr>
+          <p:nvPr>
+            <p:ph type="title"/>
+          </p:nvPr>
+        </p:nvSpPr>
+        <p:spPr>
+          <a:xfrm>
+            <a:off x="473895" y="286517"/>
+            <a:ext cx="11543920" cy="1325563"/>
+          </a:xfrm>
+        </p:spPr>
+        <p:txBody>
+          <a:bodyPr>
+            <a:normAutofit fontScale="90000"/>
+          </a:bodyPr>
+          <a:lstStyle/>
+          <a:p>
+            <a:r>
+              <a:rPr lang="it-IT" sz="5000" b="1" dirty="0">
+                <a:latin typeface="+mn-lt"/>
+              </a:rPr>
+              <a:t>EXTRACT METHOD: CREA MENU TEMATICO DOPO IL REFACTORING</a:t>
+            </a:r>
+          </a:p>
+        </p:txBody>
+      </p:sp>
+      <p:pic>
+        <p:nvPicPr>
+          <p:cNvPr id="5" name="Immagine 4">
+            <a:extLst>
+              <a:ext uri="{FF2B5EF4-FFF2-40B4-BE49-F238E27FC236}">
+                <a16:creationId xmlns:a16="http://schemas.microsoft.com/office/drawing/2014/main" id="{8AB10790-DF72-79C8-1205-CCAD94D18D42}"/>
+              </a:ext>
+            </a:extLst>
+          </p:cNvPr>
+          <p:cNvPicPr>
+            <a:picLocks noChangeAspect="1"/>
+          </p:cNvPicPr>
+          <p:nvPr/>
+        </p:nvPicPr>
+        <p:blipFill>
+          <a:blip r:embed="rId3"/>
+          <a:stretch>
+            <a:fillRect/>
+          </a:stretch>
+        </p:blipFill>
+        <p:spPr>
+          <a:xfrm>
+            <a:off x="603742" y="1612080"/>
+            <a:ext cx="9488224" cy="2591162"/>
+          </a:xfrm>
+          <a:prstGeom prst="rect">
+            <a:avLst/>
+          </a:prstGeom>
+        </p:spPr>
+      </p:pic>
+    </p:spTree>
+    <p:extLst>
+      <p:ext uri="{BB962C8B-B14F-4D97-AF65-F5344CB8AC3E}">
+        <p14:creationId xmlns:p14="http://schemas.microsoft.com/office/powerpoint/2010/main" val="2475949038"/>
+      </p:ext>
+    </p:extLst>
+  </p:cSld>
+  <p:clrMapOvr>
+    <a:masterClrMapping/>
+  </p:clrMapOvr>
+</p:sld>
+</file>
+
+<file path=ppt/slides/slide27.xml><?xml version="1.0" encoding="utf-8"?>
+<p:sld xmlns:a="http://schemas.openxmlformats.org/drawingml/2006/main" xmlns:r="http://schemas.openxmlformats.org/officeDocument/2006/relationships" xmlns:p="http://schemas.openxmlformats.org/presentationml/2006/main">
+  <p:cSld>
+    <p:bg>
+      <p:bgPr>
+        <a:solidFill>
+          <a:srgbClr val="000000"/>
+        </a:solidFill>
+        <a:effectLst/>
+      </p:bgPr>
+    </p:bg>
+    <p:spTree>
+      <p:nvGrpSpPr>
+        <p:cNvPr id="1" name=""/>
+        <p:cNvGrpSpPr/>
+        <p:nvPr/>
+      </p:nvGrpSpPr>
+      <p:grpSpPr>
+        <a:xfrm>
+          <a:off x="0" y="0"/>
+          <a:ext cx="0" cy="0"/>
+          <a:chOff x="0" y="0"/>
+          <a:chExt cx="0" cy="0"/>
+        </a:xfrm>
+      </p:grpSpPr>
+      <p:sp>
+        <p:nvSpPr>
+          <p:cNvPr id="14" name="Rectangle 13">
+            <a:extLst>
+              <a:ext uri="{FF2B5EF4-FFF2-40B4-BE49-F238E27FC236}">
+                <a16:creationId xmlns:a16="http://schemas.microsoft.com/office/drawing/2014/main" id="{71B2258F-86CA-4D4D-8270-BC05FCDEBFB3}"/>
+              </a:ext>
+              <a:ext uri="{C183D7F6-B498-43B3-948B-1728B52AA6E4}">
+                <adec:decorative xmlns:adec="http://schemas.microsoft.com/office/drawing/2017/decorative" val="1"/>
+              </a:ext>
+            </a:extLst>
+          </p:cNvPr>
+          <p:cNvSpPr>
+            <a:spLocks noGrp="1" noRot="1" noChangeAspect="1" noMove="1" noResize="1" noEditPoints="1" noAdjustHandles="1" noChangeArrowheads="1" noChangeShapeType="1" noTextEdit="1"/>
+          </p:cNvSpPr>
+          <p:nvPr>
+            <p:extLst>
+              <p:ext uri="{386F3935-93C4-4BCD-93E2-E3B085C9AB24}">
+                <p16:designElem xmlns:p16="http://schemas.microsoft.com/office/powerpoint/2015/main" val="1"/>
+              </p:ext>
+            </p:extLst>
+          </p:nvPr>
+        </p:nvSpPr>
+        <p:spPr>
+          <a:xfrm>
+            <a:off x="0" y="0"/>
+            <a:ext cx="12192000" cy="6857999"/>
+          </a:xfrm>
+          <a:prstGeom prst="rect">
+            <a:avLst/>
+          </a:prstGeom>
+          <a:solidFill>
+            <a:srgbClr val="000000"/>
+          </a:solidFill>
+          <a:ln>
+            <a:noFill/>
+          </a:ln>
+        </p:spPr>
+        <p:style>
+          <a:lnRef idx="2">
+            <a:schemeClr val="accent1">
+              <a:shade val="50000"/>
+            </a:schemeClr>
+          </a:lnRef>
+          <a:fillRef idx="1">
+            <a:schemeClr val="accent1"/>
+          </a:fillRef>
+          <a:effectRef idx="0">
+            <a:schemeClr val="accent1"/>
+          </a:effectRef>
+          <a:fontRef idx="minor">
+            <a:schemeClr val="lt1"/>
+          </a:fontRef>
+        </p:style>
+        <p:txBody>
+          <a:bodyPr rtlCol="0" anchor="ctr"/>
+          <a:lstStyle/>
+          <a:p>
+            <a:pPr marL="0" marR="0" lvl="0" indent="0" algn="ctr" defTabSz="914400" rtl="0" eaLnBrk="1" fontAlgn="auto" latinLnBrk="0" hangingPunct="1">
+              <a:lnSpc>
+                <a:spcPct val="100000"/>
+              </a:lnSpc>
+              <a:spcBef>
+                <a:spcPts val="0"/>
+              </a:spcBef>
+              <a:spcAft>
+                <a:spcPts val="0"/>
+              </a:spcAft>
+              <a:buClrTx/>
+              <a:buSzTx/>
+              <a:buFontTx/>
+              <a:buNone/>
+              <a:tabLst/>
+              <a:defRPr/>
+            </a:pPr>
+            <a:endParaRPr kumimoji="0" lang="en-US" sz="1800" b="0" i="0" u="none" strike="noStrike" kern="1200" cap="none" spc="0" normalizeH="0" baseline="0" noProof="0">
+              <a:ln>
+                <a:noFill/>
+              </a:ln>
+              <a:solidFill>
+                <a:prstClr val="white"/>
+              </a:solidFill>
+              <a:effectLst/>
+              <a:uLnTx/>
+              <a:uFillTx/>
+              <a:latin typeface="Calibri" panose="020F0502020204030204"/>
+              <a:ea typeface="+mn-ea"/>
+              <a:cs typeface="+mn-cs"/>
+            </a:endParaRPr>
+          </a:p>
+        </p:txBody>
+      </p:sp>
+      <p:pic>
+        <p:nvPicPr>
+          <p:cNvPr id="5" name="Picture 4">
+            <a:extLst>
+              <a:ext uri="{FF2B5EF4-FFF2-40B4-BE49-F238E27FC236}">
+                <a16:creationId xmlns:a16="http://schemas.microsoft.com/office/drawing/2014/main" id="{40724E6C-6FD0-7ECD-6680-33616FFD5ED1}"/>
+              </a:ext>
+            </a:extLst>
+          </p:cNvPr>
+          <p:cNvPicPr>
+            <a:picLocks noChangeAspect="1"/>
+          </p:cNvPicPr>
+          <p:nvPr/>
+        </p:nvPicPr>
+        <p:blipFill rotWithShape="1">
+          <a:blip r:embed="rId2">
+            <a:alphaModFix amt="50000"/>
+          </a:blip>
+          <a:srcRect t="3820" b="11910"/>
+          <a:stretch/>
+        </p:blipFill>
+        <p:spPr>
+          <a:xfrm>
+            <a:off x="20" y="1"/>
+            <a:ext cx="12191980" cy="6857999"/>
+          </a:xfrm>
+          <a:prstGeom prst="rect">
+            <a:avLst/>
+          </a:prstGeom>
+        </p:spPr>
+      </p:pic>
+      <p:sp>
+        <p:nvSpPr>
+          <p:cNvPr id="2" name="Titolo 1">
+            <a:extLst>
+              <a:ext uri="{FF2B5EF4-FFF2-40B4-BE49-F238E27FC236}">
+                <a16:creationId xmlns:a16="http://schemas.microsoft.com/office/drawing/2014/main" id="{96FA6D06-8050-A809-5056-D7E77A22BC94}"/>
+              </a:ext>
+            </a:extLst>
+          </p:cNvPr>
+          <p:cNvSpPr>
+            <a:spLocks noGrp="1"/>
+          </p:cNvSpPr>
+          <p:nvPr>
+            <p:ph type="ctrTitle"/>
+          </p:nvPr>
+        </p:nvSpPr>
+        <p:spPr>
+          <a:xfrm>
+            <a:off x="1524000" y="1122362"/>
+            <a:ext cx="9144000" cy="2900518"/>
+          </a:xfrm>
+        </p:spPr>
+        <p:txBody>
+          <a:bodyPr>
+            <a:normAutofit/>
+          </a:bodyPr>
+          <a:lstStyle/>
+          <a:p>
+            <a:r>
+              <a:rPr lang="it-IT" sz="6600" b="1" dirty="0">
+                <a:solidFill>
+                  <a:srgbClr val="FFFFFF"/>
+                </a:solidFill>
+                <a:latin typeface="+mn-lt"/>
+              </a:rPr>
+              <a:t>PROGETTO</a:t>
+            </a:r>
+            <a:br>
+              <a:rPr lang="it-IT" sz="6600" b="1" dirty="0">
+                <a:solidFill>
+                  <a:srgbClr val="FFFFFF"/>
+                </a:solidFill>
+                <a:latin typeface="+mn-lt"/>
+              </a:rPr>
+            </a:br>
+            <a:r>
+              <a:rPr lang="it-IT" sz="6600" b="1" dirty="0">
+                <a:solidFill>
+                  <a:srgbClr val="FFFFFF"/>
+                </a:solidFill>
+                <a:latin typeface="+mn-lt"/>
+              </a:rPr>
+              <a:t>INGEGNERIA DEL SW</a:t>
+            </a:r>
+          </a:p>
+        </p:txBody>
+      </p:sp>
+      <p:sp>
+        <p:nvSpPr>
+          <p:cNvPr id="3" name="Sottotitolo 2">
+            <a:extLst>
+              <a:ext uri="{FF2B5EF4-FFF2-40B4-BE49-F238E27FC236}">
+                <a16:creationId xmlns:a16="http://schemas.microsoft.com/office/drawing/2014/main" id="{945C2065-25B3-A93E-DFD7-7F3F554BD9C1}"/>
+              </a:ext>
+            </a:extLst>
+          </p:cNvPr>
+          <p:cNvSpPr>
+            <a:spLocks noGrp="1"/>
+          </p:cNvSpPr>
+          <p:nvPr>
+            <p:ph type="subTitle" idx="1"/>
+          </p:nvPr>
+        </p:nvSpPr>
+        <p:spPr>
+          <a:xfrm>
+            <a:off x="1524000" y="4159404"/>
+            <a:ext cx="9144000" cy="1098395"/>
+          </a:xfrm>
+        </p:spPr>
+        <p:txBody>
+          <a:bodyPr>
+            <a:normAutofit/>
+          </a:bodyPr>
+          <a:lstStyle/>
+          <a:p>
+            <a:r>
+              <a:rPr lang="it-IT" sz="3200" b="1" dirty="0">
+                <a:solidFill>
+                  <a:srgbClr val="FFFFFF"/>
+                </a:solidFill>
+              </a:rPr>
+              <a:t>Marzullo, Ye</a:t>
+            </a:r>
+          </a:p>
+        </p:txBody>
+      </p:sp>
+    </p:spTree>
+    <p:extLst>
+      <p:ext uri="{BB962C8B-B14F-4D97-AF65-F5344CB8AC3E}">
+        <p14:creationId xmlns:p14="http://schemas.microsoft.com/office/powerpoint/2010/main" val="1274800175"/>
+      </p:ext>
+    </p:extLst>
+  </p:cSld>
+  <p:clrMapOvr>
+    <a:overrideClrMapping bg1="dk1" tx1="lt1" bg2="dk2" tx2="lt2" accent1="accent1" accent2="accent2" accent3="accent3" accent4="accent4" accent5="accent5" accent6="accent6" hlink="hlink" folHlink="folHlink"/>
+  </p:clrMapOvr>
+  <p:timing>
+    <p:tnLst>
+      <p:par>
+        <p:cTn id="1" dur="indefinite" restart="never" nodeType="tmRoot">
+          <p:childTnLst>
+            <p:seq concurrent="1" nextAc="seek">
+              <p:cTn id="2" dur="indefinite" nodeType="mainSeq">
+                <p:childTnLst>
+                  <p:par>
+                    <p:cTn id="3" fill="hold">
+                      <p:stCondLst>
+                        <p:cond delay="indefinite"/>
+                        <p:cond evt="onBegin" delay="0">
+                          <p:tn val="2"/>
+                        </p:cond>
+                      </p:stCondLst>
+                      <p:childTnLst>
+                        <p:par>
+                          <p:cTn id="4" fill="hold">
+                            <p:stCondLst>
+                              <p:cond delay="0"/>
+                            </p:stCondLst>
+                            <p:childTnLst>
+                              <p:par>
+                                <p:cTn id="5" presetID="10" presetClass="entr" presetSubtype="0" fill="hold" grpId="0" nodeType="withEffect">
+                                  <p:stCondLst>
+                                    <p:cond delay="2000"/>
+                                  </p:stCondLst>
+                                  <p:iterate type="lt">
+                                    <p:tmPct val="10000"/>
+                                  </p:iterate>
+                                  <p:childTnLst>
+                                    <p:set>
+                                      <p:cBhvr>
+                                        <p:cTn id="6" dur="1" fill="hold">
+                                          <p:stCondLst>
+                                            <p:cond delay="0"/>
+                                          </p:stCondLst>
+                                        </p:cTn>
+                                        <p:tgtEl>
+                                          <p:spTgt spid="3">
+                                            <p:txEl>
+                                              <p:pRg st="0" end="0"/>
+                                            </p:txEl>
+                                          </p:spTgt>
+                                        </p:tgtEl>
+                                        <p:attrNameLst>
+                                          <p:attrName>style.visibility</p:attrName>
+                                        </p:attrNameLst>
+                                      </p:cBhvr>
+                                      <p:to>
+                                        <p:strVal val="visible"/>
+                                      </p:to>
+                                    </p:set>
+                                    <p:animEffect transition="in" filter="fade">
+                                      <p:cBhvr>
+                                        <p:cTn id="7" dur="400"/>
+                                        <p:tgtEl>
+                                          <p:spTgt spid="3">
+                                            <p:txEl>
+                                              <p:pRg st="0" end="0"/>
+                                            </p:txEl>
+                                          </p:spTgt>
+                                        </p:tgtEl>
+                                      </p:cBhvr>
+                                    </p:animEffect>
+                                  </p:childTnLst>
+                                </p:cTn>
+                              </p:par>
+                              <p:par>
+                                <p:cTn id="8" presetID="10" presetClass="entr" presetSubtype="0" fill="hold" grpId="0" nodeType="withEffect">
+                                  <p:stCondLst>
+                                    <p:cond delay="1000"/>
+                                  </p:stCondLst>
+                                  <p:iterate type="lt">
+                                    <p:tmPct val="10000"/>
+                                  </p:iterate>
+                                  <p:childTnLst>
+                                    <p:set>
+                                      <p:cBhvr>
+                                        <p:cTn id="9" dur="1" fill="hold">
+                                          <p:stCondLst>
+                                            <p:cond delay="0"/>
+                                          </p:stCondLst>
+                                        </p:cTn>
+                                        <p:tgtEl>
+                                          <p:spTgt spid="2"/>
+                                        </p:tgtEl>
+                                        <p:attrNameLst>
+                                          <p:attrName>style.visibility</p:attrName>
+                                        </p:attrNameLst>
+                                      </p:cBhvr>
+                                      <p:to>
+                                        <p:strVal val="visible"/>
+                                      </p:to>
+                                    </p:set>
+                                    <p:animEffect transition="in" filter="fade">
+                                      <p:cBhvr>
+                                        <p:cTn id="10" dur="400"/>
+                                        <p:tgtEl>
+                                          <p:spTgt spid="2"/>
+                                        </p:tgtEl>
+                                      </p:cBhvr>
+                                    </p:animEffect>
+                                  </p:childTnLst>
+                                </p:cTn>
+                              </p:par>
+                            </p:childTnLst>
+                          </p:cTn>
+                        </p:par>
+                      </p:childTnLst>
+                    </p:cTn>
+                  </p:par>
+                </p:childTnLst>
+              </p:cTn>
+              <p:prevCondLst>
+                <p:cond evt="onPrev" delay="0">
+                  <p:tgtEl>
+                    <p:sldTgt/>
+                  </p:tgtEl>
+                </p:cond>
+              </p:prevCondLst>
+              <p:nextCondLst>
+                <p:cond evt="onNext" delay="0">
+                  <p:tgtEl>
+                    <p:sldTgt/>
+                  </p:tgtEl>
+                </p:cond>
+              </p:nextCondLst>
+            </p:seq>
+          </p:childTnLst>
+        </p:cTn>
+      </p:par>
+    </p:tnLst>
+    <p:bldLst>
+      <p:bldP spid="2" grpId="0"/>
+      <p:bldP spid="3" grpId="0" build="p"/>
+    </p:bldLst>
+  </p:timing>
+</p:sld>
+</file>
+
+<file path=ppt/slides/slide3.xml><?xml version="1.0" encoding="utf-8"?>
+<p:sld xmlns:a="http://schemas.openxmlformats.org/drawingml/2006/main" xmlns:r="http://schemas.openxmlformats.org/officeDocument/2006/relationships" xmlns:p="http://schemas.openxmlformats.org/presentationml/2006/main">
+  <p:cSld>
+    <p:bg>
+      <p:bgPr>
+        <a:solidFill>
+          <a:srgbClr val="000000"/>
+        </a:solidFill>
+        <a:effectLst/>
+      </p:bgPr>
+    </p:bg>
+    <p:spTree>
+      <p:nvGrpSpPr>
+        <p:cNvPr id="1" name=""/>
+        <p:cNvGrpSpPr/>
+        <p:nvPr/>
+      </p:nvGrpSpPr>
+      <p:grpSpPr>
+        <a:xfrm>
+          <a:off x="0" y="0"/>
+          <a:ext cx="0" cy="0"/>
+          <a:chOff x="0" y="0"/>
+          <a:chExt cx="0" cy="0"/>
+        </a:xfrm>
+      </p:grpSpPr>
+      <p:sp>
+        <p:nvSpPr>
+          <p:cNvPr id="14" name="Rectangle 13">
+            <a:extLst>
+              <a:ext uri="{FF2B5EF4-FFF2-40B4-BE49-F238E27FC236}">
+                <a16:creationId xmlns:a16="http://schemas.microsoft.com/office/drawing/2014/main" id="{71B2258F-86CA-4D4D-8270-BC05FCDEBFB3}"/>
+              </a:ext>
+              <a:ext uri="{C183D7F6-B498-43B3-948B-1728B52AA6E4}">
+                <adec:decorative xmlns:adec="http://schemas.microsoft.com/office/drawing/2017/decorative" val="1"/>
+              </a:ext>
+            </a:extLst>
+          </p:cNvPr>
+          <p:cNvSpPr>
+            <a:spLocks noGrp="1" noRot="1" noChangeAspect="1" noMove="1" noResize="1" noEditPoints="1" noAdjustHandles="1" noChangeArrowheads="1" noChangeShapeType="1" noTextEdit="1"/>
+          </p:cNvSpPr>
+          <p:nvPr>
+            <p:extLst>
+              <p:ext uri="{386F3935-93C4-4BCD-93E2-E3B085C9AB24}">
+                <p16:designElem xmlns:p16="http://schemas.microsoft.com/office/powerpoint/2015/main" val="1"/>
+              </p:ext>
+            </p:extLst>
+          </p:nvPr>
+        </p:nvSpPr>
+        <p:spPr>
+          <a:xfrm>
+            <a:off x="0" y="0"/>
+            <a:ext cx="12192000" cy="6857999"/>
+          </a:xfrm>
+          <a:prstGeom prst="rect">
+            <a:avLst/>
+          </a:prstGeom>
+          <a:solidFill>
+            <a:srgbClr val="000000"/>
+          </a:solidFill>
+          <a:ln>
+            <a:noFill/>
+          </a:ln>
+        </p:spPr>
+        <p:style>
+          <a:lnRef idx="2">
+            <a:schemeClr val="accent1">
+              <a:shade val="50000"/>
+            </a:schemeClr>
+          </a:lnRef>
+          <a:fillRef idx="1">
+            <a:schemeClr val="accent1"/>
+          </a:fillRef>
+          <a:effectRef idx="0">
+            <a:schemeClr val="accent1"/>
+          </a:effectRef>
+          <a:fontRef idx="minor">
+            <a:schemeClr val="lt1"/>
+          </a:fontRef>
+        </p:style>
+        <p:txBody>
+          <a:bodyPr rtlCol="0" anchor="ctr"/>
+          <a:lstStyle/>
+          <a:p>
+            <a:pPr marL="0" marR="0" lvl="0" indent="0" algn="ctr" defTabSz="914400" rtl="0" eaLnBrk="1" fontAlgn="auto" latinLnBrk="0" hangingPunct="1">
+              <a:lnSpc>
+                <a:spcPct val="100000"/>
+              </a:lnSpc>
+              <a:spcBef>
+                <a:spcPts val="0"/>
+              </a:spcBef>
+              <a:spcAft>
+                <a:spcPts val="0"/>
+              </a:spcAft>
+              <a:buClrTx/>
+              <a:buSzTx/>
+              <a:buFontTx/>
+              <a:buNone/>
+              <a:tabLst/>
+              <a:defRPr/>
+            </a:pPr>
+            <a:endParaRPr kumimoji="0" lang="en-US" sz="1800" b="0" i="0" u="none" strike="noStrike" kern="1200" cap="none" spc="0" normalizeH="0" baseline="0" noProof="0">
+              <a:ln>
+                <a:noFill/>
+              </a:ln>
+              <a:solidFill>
+                <a:prstClr val="white"/>
+              </a:solidFill>
+              <a:effectLst/>
+              <a:uLnTx/>
+              <a:uFillTx/>
+              <a:latin typeface="Calibri" panose="020F0502020204030204"/>
+              <a:ea typeface="+mn-ea"/>
+              <a:cs typeface="+mn-cs"/>
+            </a:endParaRPr>
+          </a:p>
+        </p:txBody>
+      </p:sp>
+      <p:pic>
+        <p:nvPicPr>
+          <p:cNvPr id="5" name="Picture 4">
+            <a:extLst>
+              <a:ext uri="{FF2B5EF4-FFF2-40B4-BE49-F238E27FC236}">
+                <a16:creationId xmlns:a16="http://schemas.microsoft.com/office/drawing/2014/main" id="{40724E6C-6FD0-7ECD-6680-33616FFD5ED1}"/>
+              </a:ext>
+            </a:extLst>
+          </p:cNvPr>
+          <p:cNvPicPr>
+            <a:picLocks noChangeAspect="1"/>
+          </p:cNvPicPr>
+          <p:nvPr/>
+        </p:nvPicPr>
+        <p:blipFill rotWithShape="1">
+          <a:blip r:embed="rId2">
+            <a:alphaModFix amt="50000"/>
+          </a:blip>
+          <a:srcRect t="3820" b="11910"/>
+          <a:stretch/>
+        </p:blipFill>
+        <p:spPr>
+          <a:xfrm>
+            <a:off x="20" y="1"/>
+            <a:ext cx="12191980" cy="6857999"/>
+          </a:xfrm>
+          <a:prstGeom prst="rect">
+            <a:avLst/>
+          </a:prstGeom>
+        </p:spPr>
+      </p:pic>
+      <p:sp>
+        <p:nvSpPr>
+          <p:cNvPr id="2" name="Titolo 1">
+            <a:extLst>
+              <a:ext uri="{FF2B5EF4-FFF2-40B4-BE49-F238E27FC236}">
+                <a16:creationId xmlns:a16="http://schemas.microsoft.com/office/drawing/2014/main" id="{96FA6D06-8050-A809-5056-D7E77A22BC94}"/>
+              </a:ext>
+            </a:extLst>
+          </p:cNvPr>
+          <p:cNvSpPr>
+            <a:spLocks noGrp="1"/>
+          </p:cNvSpPr>
+          <p:nvPr>
+            <p:ph type="ctrTitle"/>
+          </p:nvPr>
+        </p:nvSpPr>
+        <p:spPr>
+          <a:xfrm>
+            <a:off x="0" y="2905617"/>
+            <a:ext cx="12192000" cy="1046767"/>
+          </a:xfrm>
+        </p:spPr>
+        <p:txBody>
+          <a:bodyPr>
+            <a:normAutofit/>
+          </a:bodyPr>
+          <a:lstStyle/>
+          <a:p>
+            <a:r>
+              <a:rPr lang="it-IT" sz="6600" b="1" dirty="0">
+                <a:solidFill>
+                  <a:srgbClr val="FFFFFF"/>
+                </a:solidFill>
+                <a:latin typeface="+mn-lt"/>
+              </a:rPr>
+              <a:t>GRASP	Information Expert</a:t>
+            </a:r>
+          </a:p>
+        </p:txBody>
+      </p:sp>
+    </p:spTree>
+    <p:extLst>
+      <p:ext uri="{BB962C8B-B14F-4D97-AF65-F5344CB8AC3E}">
+        <p14:creationId xmlns:p14="http://schemas.microsoft.com/office/powerpoint/2010/main" val="1905096127"/>
+      </p:ext>
+    </p:extLst>
+  </p:cSld>
+  <p:clrMapOvr>
+    <a:overrideClrMapping bg1="dk1" tx1="lt1" bg2="dk2" tx2="lt2" accent1="accent1" accent2="accent2" accent3="accent3" accent4="accent4" accent5="accent5" accent6="accent6" hlink="hlink" folHlink="folHlink"/>
+  </p:clrMapOvr>
+  <p:timing>
+    <p:tnLst>
+      <p:par>
+        <p:cTn id="1" dur="indefinite" restart="never" nodeType="tmRoot">
+          <p:childTnLst>
+            <p:seq concurrent="1" nextAc="seek">
+              <p:cTn id="2" dur="indefinite" nodeType="mainSeq">
+                <p:childTnLst>
+                  <p:par>
+                    <p:cTn id="3" fill="hold">
+                      <p:stCondLst>
+                        <p:cond delay="indefinite"/>
+                        <p:cond evt="onBegin" delay="0">
+                          <p:tn val="2"/>
+                        </p:cond>
+                      </p:stCondLst>
+                      <p:childTnLst>
+                        <p:par>
+                          <p:cTn id="4" fill="hold">
+                            <p:stCondLst>
+                              <p:cond delay="0"/>
+                            </p:stCondLst>
+                            <p:childTnLst>
+                              <p:par>
+                                <p:cTn id="5" presetID="10" presetClass="entr" presetSubtype="0" fill="hold" grpId="0" nodeType="withEffect">
+                                  <p:stCondLst>
+                                    <p:cond delay="1000"/>
+                                  </p:stCondLst>
+                                  <p:iterate type="lt">
+                                    <p:tmPct val="10000"/>
+                                  </p:iterate>
+                                  <p:childTnLst>
+                                    <p:set>
+                                      <p:cBhvr>
+                                        <p:cTn id="6" dur="1" fill="hold">
+                                          <p:stCondLst>
+                                            <p:cond delay="0"/>
+                                          </p:stCondLst>
+                                        </p:cTn>
+                                        <p:tgtEl>
+                                          <p:spTgt spid="2"/>
+                                        </p:tgtEl>
+                                        <p:attrNameLst>
+                                          <p:attrName>style.visibility</p:attrName>
+                                        </p:attrNameLst>
+                                      </p:cBhvr>
+                                      <p:to>
+                                        <p:strVal val="visible"/>
+                                      </p:to>
+                                    </p:set>
+                                    <p:animEffect transition="in" filter="fade">
+                                      <p:cBhvr>
+                                        <p:cTn id="7" dur="400"/>
+                                        <p:tgtEl>
+                                          <p:spTgt spid="2"/>
+                                        </p:tgtEl>
+                                      </p:cBhvr>
+                                    </p:animEffect>
+                                  </p:childTnLst>
+                                </p:cTn>
+                              </p:par>
+                            </p:childTnLst>
+                          </p:cTn>
+                        </p:par>
+                      </p:childTnLst>
+                    </p:cTn>
+                  </p:par>
+                </p:childTnLst>
+              </p:cTn>
+              <p:prevCondLst>
+                <p:cond evt="onPrev" delay="0">
+                  <p:tgtEl>
+                    <p:sldTgt/>
+                  </p:tgtEl>
+                </p:cond>
+              </p:prevCondLst>
+              <p:nextCondLst>
+                <p:cond evt="onNext" delay="0">
+                  <p:tgtEl>
+                    <p:sldTgt/>
+                  </p:tgtEl>
+                </p:cond>
+              </p:nextCondLst>
+            </p:seq>
+          </p:childTnLst>
+        </p:cTn>
+      </p:par>
+    </p:tnLst>
+    <p:bldLst>
+      <p:bldP spid="2" grpId="0"/>
+    </p:bldLst>
+  </p:timing>
 </p:sld>
 </file>
 
@@ -6374,10 +8894,10 @@
       </p:grpSpPr>
       <p:pic>
         <p:nvPicPr>
-          <p:cNvPr id="13" name="Picture 4" descr="Immagine che contiene Policromia, forniture per ufficio, cancelleria, strumento di scrittura&#10;&#10;Descrizione generata automaticamente">
-            <a:extLst>
-              <a:ext uri="{FF2B5EF4-FFF2-40B4-BE49-F238E27FC236}">
-                <a16:creationId xmlns:a16="http://schemas.microsoft.com/office/drawing/2014/main" id="{8A6498C1-5B3E-56BC-6083-F2159E5F94F4}"/>
+          <p:cNvPr id="16" name="Picture 4" descr="Immagine che contiene Policromia, forniture per ufficio, cancelleria, strumento di scrittura&#10;&#10;Descrizione generata automaticamente">
+            <a:extLst>
+              <a:ext uri="{FF2B5EF4-FFF2-40B4-BE49-F238E27FC236}">
+                <a16:creationId xmlns:a16="http://schemas.microsoft.com/office/drawing/2014/main" id="{21F23909-C77F-FACE-B69E-8BFE1F2E9907}"/>
               </a:ext>
             </a:extLst>
           </p:cNvPr>
@@ -6395,7 +8915,7 @@
         </p:blipFill>
         <p:spPr>
           <a:xfrm>
-            <a:off x="20" y="0"/>
+            <a:off x="0" y="1"/>
             <a:ext cx="12191980" cy="6857999"/>
           </a:xfrm>
           <a:prstGeom prst="rect">
@@ -6430,26 +8950,24 @@
               <a:rPr lang="it-IT" sz="5000" b="1" dirty="0">
                 <a:latin typeface="+mn-lt"/>
               </a:rPr>
-              <a:t>GRASP CREATOR :PRENOTAZIONE</a:t>
+              <a:t>GRASP EXPERT:LISTA DELLA SPESA</a:t>
             </a:r>
           </a:p>
         </p:txBody>
       </p:sp>
       <p:pic>
         <p:nvPicPr>
-          <p:cNvPr id="5" name="Segnaposto contenuto 4">
-            <a:extLst>
-              <a:ext uri="{FF2B5EF4-FFF2-40B4-BE49-F238E27FC236}">
-                <a16:creationId xmlns:a16="http://schemas.microsoft.com/office/drawing/2014/main" id="{9864D9DC-B51C-2520-9E27-826E65677483}"/>
+          <p:cNvPr id="9" name="Immagine 8">
+            <a:extLst>
+              <a:ext uri="{FF2B5EF4-FFF2-40B4-BE49-F238E27FC236}">
+                <a16:creationId xmlns:a16="http://schemas.microsoft.com/office/drawing/2014/main" id="{5CEB08E7-45EC-B3D9-0413-849B4512917F}"/>
               </a:ext>
             </a:extLst>
           </p:cNvPr>
           <p:cNvPicPr>
-            <a:picLocks noGrp="1" noChangeAspect="1"/>
+            <a:picLocks noChangeAspect="1"/>
           </p:cNvPicPr>
-          <p:nvPr>
-            <p:ph idx="1"/>
-          </p:nvPr>
+          <p:nvPr/>
         </p:nvPicPr>
         <p:blipFill>
           <a:blip r:embed="rId3"/>
@@ -6459,137 +8977,20 @@
         </p:blipFill>
         <p:spPr>
           <a:xfrm>
-            <a:off x="838200" y="2336770"/>
-            <a:ext cx="7109460" cy="3937897"/>
-          </a:xfrm>
-        </p:spPr>
-      </p:pic>
-      <p:sp>
-        <p:nvSpPr>
-          <p:cNvPr id="7" name="Freccia a sinistra 6">
-            <a:extLst>
-              <a:ext uri="{FF2B5EF4-FFF2-40B4-BE49-F238E27FC236}">
-                <a16:creationId xmlns:a16="http://schemas.microsoft.com/office/drawing/2014/main" id="{114B3857-03C5-E28D-8979-21F660C45CEE}"/>
-              </a:ext>
-            </a:extLst>
-          </p:cNvPr>
-          <p:cNvSpPr/>
-          <p:nvPr/>
-        </p:nvSpPr>
-        <p:spPr>
-          <a:xfrm>
-            <a:off x="4426584" y="4213475"/>
-            <a:ext cx="1150620" cy="502920"/>
-          </a:xfrm>
-          <a:prstGeom prst="leftArrow">
-            <a:avLst/>
-          </a:prstGeom>
-          <a:solidFill>
-            <a:srgbClr val="FF0000"/>
-          </a:solidFill>
-          <a:ln>
-            <a:solidFill>
-              <a:srgbClr val="FF0000"/>
-            </a:solidFill>
-          </a:ln>
-        </p:spPr>
-        <p:style>
-          <a:lnRef idx="2">
-            <a:schemeClr val="accent1">
-              <a:shade val="15000"/>
-            </a:schemeClr>
-          </a:lnRef>
-          <a:fillRef idx="1">
-            <a:schemeClr val="accent1"/>
-          </a:fillRef>
-          <a:effectRef idx="0">
-            <a:schemeClr val="accent1"/>
-          </a:effectRef>
-          <a:fontRef idx="minor">
-            <a:schemeClr val="lt1"/>
-          </a:fontRef>
-        </p:style>
-        <p:txBody>
-          <a:bodyPr rtlCol="0" anchor="ctr"/>
-          <a:lstStyle/>
-          <a:p>
-            <a:pPr algn="ctr"/>
-            <a:endParaRPr lang="it-IT"/>
-          </a:p>
-        </p:txBody>
-      </p:sp>
-      <p:pic>
-        <p:nvPicPr>
-          <p:cNvPr id="10" name="Immagine 9">
-            <a:extLst>
-              <a:ext uri="{FF2B5EF4-FFF2-40B4-BE49-F238E27FC236}">
-                <a16:creationId xmlns:a16="http://schemas.microsoft.com/office/drawing/2014/main" id="{FEEDC0FC-A4DB-1394-43D5-F4E85E81E105}"/>
-              </a:ext>
-            </a:extLst>
-          </p:cNvPr>
-          <p:cNvPicPr>
-            <a:picLocks noChangeAspect="1"/>
-          </p:cNvPicPr>
-          <p:nvPr/>
-        </p:nvPicPr>
-        <p:blipFill>
-          <a:blip r:embed="rId4"/>
-          <a:stretch>
-            <a:fillRect/>
-          </a:stretch>
-        </p:blipFill>
-        <p:spPr>
-          <a:xfrm>
-            <a:off x="8585243" y="2336770"/>
-            <a:ext cx="3038899" cy="3937897"/>
+            <a:off x="838200" y="1690688"/>
+            <a:ext cx="5611008" cy="2038635"/>
           </a:xfrm>
           <a:prstGeom prst="rect">
             <a:avLst/>
           </a:prstGeom>
         </p:spPr>
       </p:pic>
-      <p:pic>
-        <p:nvPicPr>
-          <p:cNvPr id="4" name="Immagine 3" descr="Immagine che contiene giallo, cartone animato, sorridente, emoticon&#10;&#10;Descrizione generata automaticamente">
-            <a:extLst>
-              <a:ext uri="{FF2B5EF4-FFF2-40B4-BE49-F238E27FC236}">
-                <a16:creationId xmlns:a16="http://schemas.microsoft.com/office/drawing/2014/main" id="{40AEA90F-20A7-7A17-748A-AAA5A2C0A0EA}"/>
-              </a:ext>
-            </a:extLst>
-          </p:cNvPr>
-          <p:cNvPicPr>
-            <a:picLocks noChangeAspect="1"/>
-          </p:cNvPicPr>
-          <p:nvPr/>
-        </p:nvPicPr>
-        <p:blipFill>
-          <a:blip r:embed="rId5">
-            <a:extLst>
-              <a:ext uri="{28A0092B-C50C-407E-A947-70E740481C1C}">
-                <a14:useLocalDpi xmlns:a14="http://schemas.microsoft.com/office/drawing/2010/main" val="0"/>
-              </a:ext>
-            </a:extLst>
-          </a:blip>
-          <a:stretch>
-            <a:fillRect/>
-          </a:stretch>
-        </p:blipFill>
-        <p:spPr>
-          <a:xfrm>
-            <a:off x="7190107" y="2937133"/>
-            <a:ext cx="1515105" cy="1639634"/>
-          </a:xfrm>
-          <a:prstGeom prst="rect">
-            <a:avLst/>
-          </a:prstGeom>
-        </p:spPr>
-      </p:pic>
-      <p:sp>
-        <p:nvSpPr>
-          <p:cNvPr id="6" name="CasellaDiTesto 5">
-            <a:extLst>
-              <a:ext uri="{FF2B5EF4-FFF2-40B4-BE49-F238E27FC236}">
-                <a16:creationId xmlns:a16="http://schemas.microsoft.com/office/drawing/2014/main" id="{484955B6-8523-82A4-0AB6-C4B564752AAF}"/>
+      <p:sp>
+        <p:nvSpPr>
+          <p:cNvPr id="11" name="CasellaDiTesto 10">
+            <a:extLst>
+              <a:ext uri="{FF2B5EF4-FFF2-40B4-BE49-F238E27FC236}">
+                <a16:creationId xmlns:a16="http://schemas.microsoft.com/office/drawing/2014/main" id="{F1CE4BA8-90F6-EFD8-8C26-DAD48E75BFFF}"/>
               </a:ext>
             </a:extLst>
           </p:cNvPr>
@@ -6598,8 +8999,8 @@
         </p:nvSpPr>
         <p:spPr>
           <a:xfrm>
-            <a:off x="838199" y="1513952"/>
-            <a:ext cx="2206925" cy="646331"/>
+            <a:off x="838199" y="4129468"/>
+            <a:ext cx="5907657" cy="1384995"/>
           </a:xfrm>
           <a:prstGeom prst="rect">
             <a:avLst/>
@@ -6613,25 +9014,16 @@
           <a:lstStyle/>
           <a:p>
             <a:r>
-              <a:rPr lang="it-IT" sz="3600" b="1" dirty="0">
-                <a:solidFill>
-                  <a:srgbClr val="FF0000"/>
-                </a:solidFill>
-              </a:rPr>
-              <a:t>PRIMA!</a:t>
-            </a:r>
-            <a:endParaRPr lang="it-IT" b="1" dirty="0">
-              <a:solidFill>
-                <a:srgbClr val="FF0000"/>
-              </a:solidFill>
-            </a:endParaRPr>
+              <a:rPr lang="it-IT" sz="2800" b="1" dirty="0"/>
+              <a:t>Il Magazziniere possiede di tutte le informazioni necessarie per creare la lista della spesa</a:t>
+            </a:r>
           </a:p>
         </p:txBody>
       </p:sp>
     </p:spTree>
     <p:extLst>
       <p:ext uri="{BB962C8B-B14F-4D97-AF65-F5344CB8AC3E}">
-        <p14:creationId xmlns:p14="http://schemas.microsoft.com/office/powerpoint/2010/main" val="3495931027"/>
+        <p14:creationId xmlns:p14="http://schemas.microsoft.com/office/powerpoint/2010/main" val="3299881004"/>
       </p:ext>
     </p:extLst>
   </p:cSld>
@@ -6644,6 +9036,14 @@
 <file path=ppt/slides/slide5.xml><?xml version="1.0" encoding="utf-8"?>
 <p:sld xmlns:a="http://schemas.openxmlformats.org/drawingml/2006/main" xmlns:r="http://schemas.openxmlformats.org/officeDocument/2006/relationships" xmlns:p="http://schemas.openxmlformats.org/presentationml/2006/main">
   <p:cSld>
+    <p:bg>
+      <p:bgPr>
+        <a:solidFill>
+          <a:srgbClr val="000000"/>
+        </a:solidFill>
+        <a:effectLst/>
+      </p:bgPr>
+    </p:bg>
     <p:spTree>
       <p:nvGrpSpPr>
         <p:cNvPr id="1" name=""/>
@@ -6658,191 +9058,48 @@
           <a:chExt cx="0" cy="0"/>
         </a:xfrm>
       </p:grpSpPr>
-      <p:pic>
-        <p:nvPicPr>
-          <p:cNvPr id="5" name="Picture 4" descr="Immagine che contiene Policromia, forniture per ufficio, cancelleria, strumento di scrittura&#10;&#10;Descrizione generata automaticamente">
-            <a:extLst>
-              <a:ext uri="{FF2B5EF4-FFF2-40B4-BE49-F238E27FC236}">
-                <a16:creationId xmlns:a16="http://schemas.microsoft.com/office/drawing/2014/main" id="{0626FDC8-FA8E-82B4-8681-52A302DE5982}"/>
-              </a:ext>
-            </a:extLst>
-          </p:cNvPr>
-          <p:cNvPicPr>
-            <a:picLocks noChangeAspect="1"/>
-          </p:cNvPicPr>
-          <p:nvPr/>
-        </p:nvPicPr>
-        <p:blipFill rotWithShape="1">
-          <a:blip r:embed="rId2">
-            <a:alphaModFix amt="35000"/>
-          </a:blip>
-          <a:srcRect t="3820" b="11910"/>
-          <a:stretch/>
-        </p:blipFill>
+      <p:sp>
+        <p:nvSpPr>
+          <p:cNvPr id="14" name="Rectangle 13">
+            <a:extLst>
+              <a:ext uri="{FF2B5EF4-FFF2-40B4-BE49-F238E27FC236}">
+                <a16:creationId xmlns:a16="http://schemas.microsoft.com/office/drawing/2014/main" id="{71B2258F-86CA-4D4D-8270-BC05FCDEBFB3}"/>
+              </a:ext>
+              <a:ext uri="{C183D7F6-B498-43B3-948B-1728B52AA6E4}">
+                <adec:decorative xmlns:adec="http://schemas.microsoft.com/office/drawing/2017/decorative" val="1"/>
+              </a:ext>
+            </a:extLst>
+          </p:cNvPr>
+          <p:cNvSpPr>
+            <a:spLocks noGrp="1" noRot="1" noChangeAspect="1" noMove="1" noResize="1" noEditPoints="1" noAdjustHandles="1" noChangeArrowheads="1" noChangeShapeType="1" noTextEdit="1"/>
+          </p:cNvSpPr>
+          <p:nvPr>
+            <p:extLst>
+              <p:ext uri="{386F3935-93C4-4BCD-93E2-E3B085C9AB24}">
+                <p16:designElem xmlns:p16="http://schemas.microsoft.com/office/powerpoint/2015/main" val="1"/>
+              </p:ext>
+            </p:extLst>
+          </p:nvPr>
+        </p:nvSpPr>
         <p:spPr>
           <a:xfrm>
             <a:off x="0" y="0"/>
-            <a:ext cx="12191980" cy="6857999"/>
+            <a:ext cx="12192000" cy="6857999"/>
           </a:xfrm>
           <a:prstGeom prst="rect">
             <a:avLst/>
           </a:prstGeom>
-        </p:spPr>
-      </p:pic>
-      <p:sp>
-        <p:nvSpPr>
-          <p:cNvPr id="2" name="Titolo 1">
-            <a:extLst>
-              <a:ext uri="{FF2B5EF4-FFF2-40B4-BE49-F238E27FC236}">
-                <a16:creationId xmlns:a16="http://schemas.microsoft.com/office/drawing/2014/main" id="{A9FB4951-625F-270C-333C-BE32AF659EA2}"/>
-              </a:ext>
-            </a:extLst>
-          </p:cNvPr>
-          <p:cNvSpPr>
-            <a:spLocks noGrp="1"/>
-          </p:cNvSpPr>
-          <p:nvPr>
-            <p:ph type="title"/>
-          </p:nvPr>
-        </p:nvSpPr>
-        <p:spPr/>
-        <p:txBody>
-          <a:bodyPr>
-            <a:normAutofit/>
-          </a:bodyPr>
-          <a:lstStyle/>
-          <a:p>
-            <a:r>
-              <a:rPr lang="it-IT" sz="5000" b="1" dirty="0">
-                <a:latin typeface="+mn-lt"/>
-              </a:rPr>
-              <a:t>GRASP CREATOR :PRENOTAZIONE</a:t>
-            </a:r>
-          </a:p>
-        </p:txBody>
-      </p:sp>
-      <p:pic>
-        <p:nvPicPr>
-          <p:cNvPr id="8" name="Immagine 7">
-            <a:extLst>
-              <a:ext uri="{FF2B5EF4-FFF2-40B4-BE49-F238E27FC236}">
-                <a16:creationId xmlns:a16="http://schemas.microsoft.com/office/drawing/2014/main" id="{6CF8FFBB-7A3E-C11B-230C-CD8D315AEFEC}"/>
-              </a:ext>
-            </a:extLst>
-          </p:cNvPr>
-          <p:cNvPicPr>
-            <a:picLocks noChangeAspect="1"/>
-          </p:cNvPicPr>
-          <p:nvPr/>
-        </p:nvPicPr>
-        <p:blipFill rotWithShape="1">
-          <a:blip r:embed="rId3"/>
-          <a:srcRect b="40662"/>
-          <a:stretch/>
-        </p:blipFill>
-        <p:spPr>
-          <a:xfrm>
-            <a:off x="852273" y="2324834"/>
-            <a:ext cx="7018020" cy="2277510"/>
-          </a:xfrm>
-          <a:prstGeom prst="rect">
-            <a:avLst/>
-          </a:prstGeom>
-        </p:spPr>
-      </p:pic>
-      <p:pic>
-        <p:nvPicPr>
-          <p:cNvPr id="10" name="Immagine 9">
-            <a:extLst>
-              <a:ext uri="{FF2B5EF4-FFF2-40B4-BE49-F238E27FC236}">
-                <a16:creationId xmlns:a16="http://schemas.microsoft.com/office/drawing/2014/main" id="{D10C70DA-7997-0172-6BE6-76D10ED1AAC6}"/>
-              </a:ext>
-            </a:extLst>
-          </p:cNvPr>
-          <p:cNvPicPr>
-            <a:picLocks noChangeAspect="1"/>
-          </p:cNvPicPr>
-          <p:nvPr/>
-        </p:nvPicPr>
-        <p:blipFill>
-          <a:blip r:embed="rId4"/>
-          <a:stretch>
-            <a:fillRect/>
-          </a:stretch>
-        </p:blipFill>
-        <p:spPr>
-          <a:xfrm>
-            <a:off x="838201" y="5323069"/>
-            <a:ext cx="7018020" cy="836058"/>
-          </a:xfrm>
-          <a:prstGeom prst="rect">
-            <a:avLst/>
-          </a:prstGeom>
-        </p:spPr>
-      </p:pic>
-      <p:pic>
-        <p:nvPicPr>
-          <p:cNvPr id="12" name="Immagine 11">
-            <a:extLst>
-              <a:ext uri="{FF2B5EF4-FFF2-40B4-BE49-F238E27FC236}">
-                <a16:creationId xmlns:a16="http://schemas.microsoft.com/office/drawing/2014/main" id="{2A571B3A-5A04-E908-9029-6243A271EB63}"/>
-              </a:ext>
-            </a:extLst>
-          </p:cNvPr>
-          <p:cNvPicPr>
-            <a:picLocks noChangeAspect="1"/>
-          </p:cNvPicPr>
-          <p:nvPr/>
-        </p:nvPicPr>
-        <p:blipFill>
-          <a:blip r:embed="rId5"/>
-          <a:stretch>
-            <a:fillRect/>
-          </a:stretch>
-        </p:blipFill>
-        <p:spPr>
-          <a:xfrm>
-            <a:off x="8694422" y="1848907"/>
-            <a:ext cx="2739607" cy="4643968"/>
-          </a:xfrm>
-          <a:prstGeom prst="rect">
-            <a:avLst/>
-          </a:prstGeom>
-        </p:spPr>
-      </p:pic>
-      <p:sp>
-        <p:nvSpPr>
-          <p:cNvPr id="13" name="Freccia a sinistra 12">
-            <a:extLst>
-              <a:ext uri="{FF2B5EF4-FFF2-40B4-BE49-F238E27FC236}">
-                <a16:creationId xmlns:a16="http://schemas.microsoft.com/office/drawing/2014/main" id="{C7A23B29-BC66-FC88-35EA-21DF38CF0D90}"/>
-              </a:ext>
-            </a:extLst>
-          </p:cNvPr>
-          <p:cNvSpPr/>
-          <p:nvPr/>
-        </p:nvSpPr>
-        <p:spPr>
-          <a:xfrm>
-            <a:off x="4939652" y="4170891"/>
-            <a:ext cx="1013460" cy="489651"/>
-          </a:xfrm>
-          <a:prstGeom prst="leftArrow">
-            <a:avLst/>
-          </a:prstGeom>
           <a:solidFill>
-            <a:srgbClr val="FF0000"/>
+            <a:srgbClr val="000000"/>
           </a:solidFill>
           <a:ln>
-            <a:solidFill>
-              <a:srgbClr val="FF0000"/>
-            </a:solidFill>
+            <a:noFill/>
           </a:ln>
         </p:spPr>
         <p:style>
           <a:lnRef idx="2">
             <a:schemeClr val="accent1">
-              <a:shade val="15000"/>
+              <a:shade val="50000"/>
             </a:schemeClr>
           </a:lnRef>
           <a:fillRef idx="1">
@@ -6859,17 +9116,46 @@
           <a:bodyPr rtlCol="0" anchor="ctr"/>
           <a:lstStyle/>
           <a:p>
-            <a:pPr algn="ctr"/>
-            <a:endParaRPr lang="it-IT"/>
+            <a:pPr marL="0" marR="0" lvl="0" indent="0" algn="ctr" defTabSz="914400" rtl="0" eaLnBrk="1" fontAlgn="auto" latinLnBrk="0" hangingPunct="1">
+              <a:lnSpc>
+                <a:spcPct val="100000"/>
+              </a:lnSpc>
+              <a:spcBef>
+                <a:spcPts val="0"/>
+              </a:spcBef>
+              <a:spcAft>
+                <a:spcPts val="0"/>
+              </a:spcAft>
+              <a:buClrTx/>
+              <a:buSzTx/>
+              <a:buFontTx/>
+              <a:buNone/>
+              <a:tabLst/>
+              <a:defRPr/>
+            </a:pPr>
+            <a:endParaRPr kumimoji="0" lang="en-US" sz="1800" b="0" i="0" u="none" strike="noStrike" kern="1200" cap="none" spc="0" normalizeH="0" baseline="0" noProof="0">
+              <a:ln>
+                <a:noFill/>
+              </a:ln>
+              <a:solidFill>
+                <a:prstClr val="white"/>
+              </a:solidFill>
+              <a:effectLst/>
+              <a:uLnTx/>
+              <a:uFillTx/>
+              <a:latin typeface="Calibri" panose="020F0502020204030204"/>
+              <a:ea typeface="+mn-ea"/>
+              <a:cs typeface="+mn-cs"/>
+            </a:endParaRPr>
           </a:p>
         </p:txBody>
       </p:sp>
       <p:pic>
         <p:nvPicPr>
-          <p:cNvPr id="4" name="Immagine 3" descr="Immagine che contiene sorridente, giocattolo, giallo, emoticon&#10;&#10;Descrizione generata automaticamente">
-            <a:extLst>
-              <a:ext uri="{FF2B5EF4-FFF2-40B4-BE49-F238E27FC236}">
-                <a16:creationId xmlns:a16="http://schemas.microsoft.com/office/drawing/2014/main" id="{45C84F84-DB13-2FC4-697F-7E6484B4A5F1}"/>
+          <p:cNvPr id="5" name="Picture 4">
+            <a:extLst>
+              <a:ext uri="{FF2B5EF4-FFF2-40B4-BE49-F238E27FC236}">
+                <a16:creationId xmlns:a16="http://schemas.microsoft.com/office/drawing/2014/main" id="{40724E6C-6FD0-7ECD-6680-33616FFD5ED1}"/>
               </a:ext>
             </a:extLst>
           </p:cNvPr>
@@ -6878,22 +9164,17 @@
           </p:cNvPicPr>
           <p:nvPr/>
         </p:nvPicPr>
-        <p:blipFill>
-          <a:blip r:embed="rId6">
-            <a:extLst>
-              <a:ext uri="{28A0092B-C50C-407E-A947-70E740481C1C}">
-                <a14:useLocalDpi xmlns:a14="http://schemas.microsoft.com/office/drawing/2010/main" val="0"/>
-              </a:ext>
-            </a:extLst>
+        <p:blipFill rotWithShape="1">
+          <a:blip r:embed="rId2">
+            <a:alphaModFix amt="50000"/>
           </a:blip>
-          <a:stretch>
-            <a:fillRect/>
-          </a:stretch>
+          <a:srcRect t="3820" b="11910"/>
+          <a:stretch/>
         </p:blipFill>
         <p:spPr>
           <a:xfrm>
-            <a:off x="7145817" y="3312199"/>
-            <a:ext cx="1212353" cy="1311999"/>
+            <a:off x="20" y="1"/>
+            <a:ext cx="12191980" cy="6857999"/>
           </a:xfrm>
           <a:prstGeom prst="rect">
             <a:avLst/>
@@ -6902,58 +9183,146 @@
       </p:pic>
       <p:sp>
         <p:nvSpPr>
-          <p:cNvPr id="6" name="CasellaDiTesto 5">
-            <a:extLst>
-              <a:ext uri="{FF2B5EF4-FFF2-40B4-BE49-F238E27FC236}">
-                <a16:creationId xmlns:a16="http://schemas.microsoft.com/office/drawing/2014/main" id="{41DDFAE2-44E4-B496-FB2E-5B8295882BB2}"/>
-              </a:ext>
-            </a:extLst>
-          </p:cNvPr>
-          <p:cNvSpPr txBox="1"/>
-          <p:nvPr/>
-        </p:nvSpPr>
-        <p:spPr>
-          <a:xfrm>
-            <a:off x="852273" y="1446632"/>
-            <a:ext cx="2206925" cy="646331"/>
-          </a:xfrm>
-          <a:prstGeom prst="rect">
-            <a:avLst/>
-          </a:prstGeom>
-          <a:noFill/>
-        </p:spPr>
-        <p:txBody>
-          <a:bodyPr wrap="square" rtlCol="0">
-            <a:spAutoFit/>
+          <p:cNvPr id="2" name="Titolo 1">
+            <a:extLst>
+              <a:ext uri="{FF2B5EF4-FFF2-40B4-BE49-F238E27FC236}">
+                <a16:creationId xmlns:a16="http://schemas.microsoft.com/office/drawing/2014/main" id="{96FA6D06-8050-A809-5056-D7E77A22BC94}"/>
+              </a:ext>
+            </a:extLst>
+          </p:cNvPr>
+          <p:cNvSpPr>
+            <a:spLocks noGrp="1"/>
+          </p:cNvSpPr>
+          <p:nvPr>
+            <p:ph type="ctrTitle"/>
+          </p:nvPr>
+        </p:nvSpPr>
+        <p:spPr>
+          <a:xfrm>
+            <a:off x="0" y="2905617"/>
+            <a:ext cx="12192000" cy="1046767"/>
+          </a:xfrm>
+        </p:spPr>
+        <p:txBody>
+          <a:bodyPr>
+            <a:normAutofit/>
           </a:bodyPr>
           <a:lstStyle/>
           <a:p>
             <a:r>
-              <a:rPr lang="it-IT" sz="3600" b="1" dirty="0">
+              <a:rPr lang="it-IT" sz="6600" b="1" dirty="0">
                 <a:solidFill>
-                  <a:srgbClr val="FF0000"/>
+                  <a:srgbClr val="FFFFFF"/>
                 </a:solidFill>
+                <a:latin typeface="+mn-lt"/>
               </a:rPr>
-              <a:t>DOPO!</a:t>
-            </a:r>
-            <a:endParaRPr lang="it-IT" b="1" dirty="0">
-              <a:solidFill>
-                <a:srgbClr val="FF0000"/>
-              </a:solidFill>
-            </a:endParaRPr>
+              <a:t>GRASP	Creator</a:t>
+            </a:r>
           </a:p>
         </p:txBody>
       </p:sp>
     </p:spTree>
     <p:extLst>
       <p:ext uri="{BB962C8B-B14F-4D97-AF65-F5344CB8AC3E}">
-        <p14:creationId xmlns:p14="http://schemas.microsoft.com/office/powerpoint/2010/main" val="876523036"/>
+        <p14:creationId xmlns:p14="http://schemas.microsoft.com/office/powerpoint/2010/main" val="3807492142"/>
       </p:ext>
     </p:extLst>
   </p:cSld>
   <p:clrMapOvr>
-    <a:masterClrMapping/>
+    <a:overrideClrMapping bg1="dk1" tx1="lt1" bg2="dk2" tx2="lt2" accent1="accent1" accent2="accent2" accent3="accent3" accent4="accent4" accent5="accent5" accent6="accent6" hlink="hlink" folHlink="folHlink"/>
   </p:clrMapOvr>
+  <p:timing>
+    <p:tnLst>
+      <p:par>
+        <p:cTn id="1" dur="indefinite" restart="never" nodeType="tmRoot">
+          <p:childTnLst>
+            <p:seq concurrent="1" nextAc="seek">
+              <p:cTn id="2" dur="indefinite" nodeType="mainSeq">
+                <p:childTnLst>
+                  <p:par>
+                    <p:cTn id="3" fill="hold">
+                      <p:stCondLst>
+                        <p:cond delay="indefinite"/>
+                        <p:cond evt="onBegin" delay="0">
+                          <p:tn val="2"/>
+                        </p:cond>
+                      </p:stCondLst>
+                      <p:childTnLst>
+                        <p:par>
+                          <p:cTn id="4" fill="hold">
+                            <p:stCondLst>
+                              <p:cond delay="0"/>
+                            </p:stCondLst>
+                            <p:childTnLst>
+                              <p:par>
+                                <p:cTn id="5" presetID="10" presetClass="entr" presetSubtype="0" fill="hold" grpId="0" nodeType="withEffect">
+                                  <p:stCondLst>
+                                    <p:cond delay="1000"/>
+                                  </p:stCondLst>
+                                  <p:iterate type="lt">
+                                    <p:tmPct val="10000"/>
+                                  </p:iterate>
+                                  <p:childTnLst>
+                                    <p:set>
+                                      <p:cBhvr>
+                                        <p:cTn id="6" dur="1" fill="hold">
+                                          <p:stCondLst>
+                                            <p:cond delay="0"/>
+                                          </p:stCondLst>
+                                        </p:cTn>
+                                        <p:tgtEl>
+                                          <p:spTgt spid="2"/>
+                                        </p:tgtEl>
+                                        <p:attrNameLst>
+                                          <p:attrName>style.visibility</p:attrName>
+                                        </p:attrNameLst>
+                                      </p:cBhvr>
+                                      <p:to>
+                                        <p:strVal val="visible"/>
+                                      </p:to>
+                                    </p:set>
+                                    <p:animEffect transition="in" filter="fade">
+                                      <p:cBhvr>
+                                        <p:cTn id="7" dur="400"/>
+                                        <p:tgtEl>
+                                          <p:spTgt spid="2"/>
+                                        </p:tgtEl>
+                                      </p:cBhvr>
+                                    </p:animEffect>
+                                  </p:childTnLst>
+                                </p:cTn>
+                              </p:par>
+                            </p:childTnLst>
+                          </p:cTn>
+                        </p:par>
+                      </p:childTnLst>
+                    </p:cTn>
+                  </p:par>
+                </p:childTnLst>
+              </p:cTn>
+              <p:prevCondLst>
+                <p:cond evt="onPrev" delay="0">
+                  <p:tgtEl>
+                    <p:sldTgt/>
+                  </p:tgtEl>
+                </p:cond>
+              </p:prevCondLst>
+              <p:nextCondLst>
+                <p:cond evt="onNext" delay="0">
+                  <p:tgtEl>
+                    <p:sldTgt/>
+                  </p:tgtEl>
+                </p:cond>
+              </p:nextCondLst>
+            </p:seq>
+          </p:childTnLst>
+        </p:cTn>
+      </p:par>
+    </p:tnLst>
+    <p:bldLst>
+      <p:bldP spid="2" grpId="0"/>
+    </p:bldLst>
+  </p:timing>
 </p:sld>
 </file>
 
@@ -6976,10 +9345,10 @@
       </p:grpSpPr>
       <p:pic>
         <p:nvPicPr>
-          <p:cNvPr id="3" name="Picture 4" descr="Immagine che contiene Policromia, forniture per ufficio, cancelleria, strumento di scrittura&#10;&#10;Descrizione generata automaticamente">
-            <a:extLst>
-              <a:ext uri="{FF2B5EF4-FFF2-40B4-BE49-F238E27FC236}">
-                <a16:creationId xmlns:a16="http://schemas.microsoft.com/office/drawing/2014/main" id="{9EE90809-6BFD-CBDA-144A-10EEBB0A81FA}"/>
+          <p:cNvPr id="13" name="Picture 4" descr="Immagine che contiene Policromia, forniture per ufficio, cancelleria, strumento di scrittura&#10;&#10;Descrizione generata automaticamente">
+            <a:extLst>
+              <a:ext uri="{FF2B5EF4-FFF2-40B4-BE49-F238E27FC236}">
+                <a16:creationId xmlns:a16="http://schemas.microsoft.com/office/drawing/2014/main" id="{8A6498C1-5B3E-56BC-6083-F2159E5F94F4}"/>
               </a:ext>
             </a:extLst>
           </p:cNvPr>
@@ -6997,7 +9366,7 @@
         </p:blipFill>
         <p:spPr>
           <a:xfrm>
-            <a:off x="0" y="0"/>
+            <a:off x="20" y="0"/>
             <a:ext cx="12191980" cy="6857999"/>
           </a:xfrm>
           <a:prstGeom prst="rect">
@@ -7029,33 +9398,29 @@
           <a:lstStyle/>
           <a:p>
             <a:r>
-              <a:rPr lang="it-IT" sz="5000" b="1" dirty="0" err="1">
-                <a:latin typeface="+mn-lt"/>
-              </a:rPr>
-              <a:t>GoF</a:t>
-            </a:r>
-            <a:r>
               <a:rPr lang="it-IT" sz="5000" b="1" dirty="0">
                 <a:latin typeface="+mn-lt"/>
               </a:rPr>
-              <a:t> REPOSITORY</a:t>
+              <a:t>GRASP CREATOR :PRENOTAZIONE</a:t>
             </a:r>
           </a:p>
         </p:txBody>
       </p:sp>
       <p:pic>
         <p:nvPicPr>
-          <p:cNvPr id="5" name="Immagine 4">
-            <a:extLst>
-              <a:ext uri="{FF2B5EF4-FFF2-40B4-BE49-F238E27FC236}">
-                <a16:creationId xmlns:a16="http://schemas.microsoft.com/office/drawing/2014/main" id="{B2FB25B4-0640-5F4E-0378-81759D0234F2}"/>
+          <p:cNvPr id="5" name="Segnaposto contenuto 4">
+            <a:extLst>
+              <a:ext uri="{FF2B5EF4-FFF2-40B4-BE49-F238E27FC236}">
+                <a16:creationId xmlns:a16="http://schemas.microsoft.com/office/drawing/2014/main" id="{9864D9DC-B51C-2520-9E27-826E65677483}"/>
               </a:ext>
             </a:extLst>
           </p:cNvPr>
           <p:cNvPicPr>
-            <a:picLocks noChangeAspect="1"/>
+            <a:picLocks noGrp="1" noChangeAspect="1"/>
           </p:cNvPicPr>
-          <p:nvPr/>
+          <p:nvPr>
+            <p:ph idx="1"/>
+          </p:nvPr>
         </p:nvPicPr>
         <p:blipFill>
           <a:blip r:embed="rId3"/>
@@ -7065,20 +9430,137 @@
         </p:blipFill>
         <p:spPr>
           <a:xfrm>
-            <a:off x="838200" y="2535398"/>
-            <a:ext cx="8430438" cy="2696693"/>
+            <a:off x="838200" y="2336770"/>
+            <a:ext cx="7109460" cy="3937897"/>
+          </a:xfrm>
+        </p:spPr>
+      </p:pic>
+      <p:sp>
+        <p:nvSpPr>
+          <p:cNvPr id="7" name="Freccia a sinistra 6">
+            <a:extLst>
+              <a:ext uri="{FF2B5EF4-FFF2-40B4-BE49-F238E27FC236}">
+                <a16:creationId xmlns:a16="http://schemas.microsoft.com/office/drawing/2014/main" id="{114B3857-03C5-E28D-8979-21F660C45CEE}"/>
+              </a:ext>
+            </a:extLst>
+          </p:cNvPr>
+          <p:cNvSpPr/>
+          <p:nvPr/>
+        </p:nvSpPr>
+        <p:spPr>
+          <a:xfrm>
+            <a:off x="4426584" y="4213475"/>
+            <a:ext cx="1150620" cy="502920"/>
+          </a:xfrm>
+          <a:prstGeom prst="leftArrow">
+            <a:avLst/>
+          </a:prstGeom>
+          <a:solidFill>
+            <a:srgbClr val="FF0000"/>
+          </a:solidFill>
+          <a:ln>
+            <a:solidFill>
+              <a:srgbClr val="FF0000"/>
+            </a:solidFill>
+          </a:ln>
+        </p:spPr>
+        <p:style>
+          <a:lnRef idx="2">
+            <a:schemeClr val="accent1">
+              <a:shade val="15000"/>
+            </a:schemeClr>
+          </a:lnRef>
+          <a:fillRef idx="1">
+            <a:schemeClr val="accent1"/>
+          </a:fillRef>
+          <a:effectRef idx="0">
+            <a:schemeClr val="accent1"/>
+          </a:effectRef>
+          <a:fontRef idx="minor">
+            <a:schemeClr val="lt1"/>
+          </a:fontRef>
+        </p:style>
+        <p:txBody>
+          <a:bodyPr rtlCol="0" anchor="ctr"/>
+          <a:lstStyle/>
+          <a:p>
+            <a:pPr algn="ctr"/>
+            <a:endParaRPr lang="it-IT"/>
+          </a:p>
+        </p:txBody>
+      </p:sp>
+      <p:pic>
+        <p:nvPicPr>
+          <p:cNvPr id="10" name="Immagine 9">
+            <a:extLst>
+              <a:ext uri="{FF2B5EF4-FFF2-40B4-BE49-F238E27FC236}">
+                <a16:creationId xmlns:a16="http://schemas.microsoft.com/office/drawing/2014/main" id="{FEEDC0FC-A4DB-1394-43D5-F4E85E81E105}"/>
+              </a:ext>
+            </a:extLst>
+          </p:cNvPr>
+          <p:cNvPicPr>
+            <a:picLocks noChangeAspect="1"/>
+          </p:cNvPicPr>
+          <p:nvPr/>
+        </p:nvPicPr>
+        <p:blipFill>
+          <a:blip r:embed="rId4"/>
+          <a:stretch>
+            <a:fillRect/>
+          </a:stretch>
+        </p:blipFill>
+        <p:spPr>
+          <a:xfrm>
+            <a:off x="8585243" y="2336770"/>
+            <a:ext cx="3038899" cy="3937897"/>
           </a:xfrm>
           <a:prstGeom prst="rect">
             <a:avLst/>
           </a:prstGeom>
         </p:spPr>
       </p:pic>
-      <p:sp>
-        <p:nvSpPr>
-          <p:cNvPr id="4" name="CasellaDiTesto 3">
-            <a:extLst>
-              <a:ext uri="{FF2B5EF4-FFF2-40B4-BE49-F238E27FC236}">
-                <a16:creationId xmlns:a16="http://schemas.microsoft.com/office/drawing/2014/main" id="{1342C5C3-9283-F16B-F43F-E839B7426B0D}"/>
+      <p:pic>
+        <p:nvPicPr>
+          <p:cNvPr id="4" name="Immagine 3" descr="Immagine che contiene giallo, cartone animato, sorridente, emoticon&#10;&#10;Descrizione generata automaticamente">
+            <a:extLst>
+              <a:ext uri="{FF2B5EF4-FFF2-40B4-BE49-F238E27FC236}">
+                <a16:creationId xmlns:a16="http://schemas.microsoft.com/office/drawing/2014/main" id="{40AEA90F-20A7-7A17-748A-AAA5A2C0A0EA}"/>
+              </a:ext>
+            </a:extLst>
+          </p:cNvPr>
+          <p:cNvPicPr>
+            <a:picLocks noChangeAspect="1"/>
+          </p:cNvPicPr>
+          <p:nvPr/>
+        </p:nvPicPr>
+        <p:blipFill>
+          <a:blip r:embed="rId5">
+            <a:extLst>
+              <a:ext uri="{28A0092B-C50C-407E-A947-70E740481C1C}">
+                <a14:useLocalDpi xmlns:a14="http://schemas.microsoft.com/office/drawing/2010/main" val="0"/>
+              </a:ext>
+            </a:extLst>
+          </a:blip>
+          <a:stretch>
+            <a:fillRect/>
+          </a:stretch>
+        </p:blipFill>
+        <p:spPr>
+          <a:xfrm>
+            <a:off x="7190107" y="2937133"/>
+            <a:ext cx="1515105" cy="1639634"/>
+          </a:xfrm>
+          <a:prstGeom prst="rect">
+            <a:avLst/>
+          </a:prstGeom>
+        </p:spPr>
+      </p:pic>
+      <p:sp>
+        <p:nvSpPr>
+          <p:cNvPr id="6" name="CasellaDiTesto 5">
+            <a:extLst>
+              <a:ext uri="{FF2B5EF4-FFF2-40B4-BE49-F238E27FC236}">
+                <a16:creationId xmlns:a16="http://schemas.microsoft.com/office/drawing/2014/main" id="{484955B6-8523-82A4-0AB6-C4B564752AAF}"/>
               </a:ext>
             </a:extLst>
           </p:cNvPr>
@@ -7120,7 +9602,7 @@
     </p:spTree>
     <p:extLst>
       <p:ext uri="{BB962C8B-B14F-4D97-AF65-F5344CB8AC3E}">
-        <p14:creationId xmlns:p14="http://schemas.microsoft.com/office/powerpoint/2010/main" val="2437469110"/>
+        <p14:creationId xmlns:p14="http://schemas.microsoft.com/office/powerpoint/2010/main" val="3495931027"/>
       </p:ext>
     </p:extLst>
   </p:cSld>
@@ -7149,10 +9631,10 @@
       </p:grpSpPr>
       <p:pic>
         <p:nvPicPr>
-          <p:cNvPr id="3" name="Picture 4" descr="Immagine che contiene Policromia, forniture per ufficio, cancelleria, strumento di scrittura&#10;&#10;Descrizione generata automaticamente">
-            <a:extLst>
-              <a:ext uri="{FF2B5EF4-FFF2-40B4-BE49-F238E27FC236}">
-                <a16:creationId xmlns:a16="http://schemas.microsoft.com/office/drawing/2014/main" id="{D5CFEB29-AE0E-EBCB-E8A5-79E442FEEBDC}"/>
+          <p:cNvPr id="5" name="Picture 4" descr="Immagine che contiene Policromia, forniture per ufficio, cancelleria, strumento di scrittura&#10;&#10;Descrizione generata automaticamente">
+            <a:extLst>
+              <a:ext uri="{FF2B5EF4-FFF2-40B4-BE49-F238E27FC236}">
+                <a16:creationId xmlns:a16="http://schemas.microsoft.com/office/drawing/2014/main" id="{0626FDC8-FA8E-82B4-8681-52A302DE5982}"/>
               </a:ext>
             </a:extLst>
           </p:cNvPr>
@@ -7170,7 +9652,7 @@
         </p:blipFill>
         <p:spPr>
           <a:xfrm>
-            <a:off x="0" y="1"/>
+            <a:off x="0" y="0"/>
             <a:ext cx="12191980" cy="6857999"/>
           </a:xfrm>
           <a:prstGeom prst="rect">
@@ -7202,26 +9684,49 @@
           <a:lstStyle/>
           <a:p>
             <a:r>
-              <a:rPr lang="it-IT" sz="5000" b="1" dirty="0" err="1">
-                <a:latin typeface="+mn-lt"/>
-              </a:rPr>
-              <a:t>GoF</a:t>
-            </a:r>
-            <a:r>
               <a:rPr lang="it-IT" sz="5000" b="1" dirty="0">
                 <a:latin typeface="+mn-lt"/>
               </a:rPr>
-              <a:t> REPOSITORY</a:t>
+              <a:t>GRASP CREATOR :PRENOTAZIONE</a:t>
             </a:r>
           </a:p>
         </p:txBody>
       </p:sp>
       <p:pic>
         <p:nvPicPr>
-          <p:cNvPr id="4" name="Immagine 3">
-            <a:extLst>
-              <a:ext uri="{FF2B5EF4-FFF2-40B4-BE49-F238E27FC236}">
-                <a16:creationId xmlns:a16="http://schemas.microsoft.com/office/drawing/2014/main" id="{C1870420-2FB1-457C-BE86-2374918415B9}"/>
+          <p:cNvPr id="8" name="Immagine 7">
+            <a:extLst>
+              <a:ext uri="{FF2B5EF4-FFF2-40B4-BE49-F238E27FC236}">
+                <a16:creationId xmlns:a16="http://schemas.microsoft.com/office/drawing/2014/main" id="{6CF8FFBB-7A3E-C11B-230C-CD8D315AEFEC}"/>
+              </a:ext>
+            </a:extLst>
+          </p:cNvPr>
+          <p:cNvPicPr>
+            <a:picLocks noChangeAspect="1"/>
+          </p:cNvPicPr>
+          <p:nvPr/>
+        </p:nvPicPr>
+        <p:blipFill rotWithShape="1">
+          <a:blip r:embed="rId3"/>
+          <a:srcRect b="40662"/>
+          <a:stretch/>
+        </p:blipFill>
+        <p:spPr>
+          <a:xfrm>
+            <a:off x="852273" y="2324834"/>
+            <a:ext cx="7018020" cy="2277510"/>
+          </a:xfrm>
+          <a:prstGeom prst="rect">
+            <a:avLst/>
+          </a:prstGeom>
+        </p:spPr>
+      </p:pic>
+      <p:pic>
+        <p:nvPicPr>
+          <p:cNvPr id="10" name="Immagine 9">
+            <a:extLst>
+              <a:ext uri="{FF2B5EF4-FFF2-40B4-BE49-F238E27FC236}">
+                <a16:creationId xmlns:a16="http://schemas.microsoft.com/office/drawing/2014/main" id="{D10C70DA-7997-0172-6BE6-76D10ED1AAC6}"/>
               </a:ext>
             </a:extLst>
           </p:cNvPr>
@@ -7231,27 +9736,147 @@
           <p:nvPr/>
         </p:nvPicPr>
         <p:blipFill>
-          <a:blip r:embed="rId3"/>
+          <a:blip r:embed="rId4"/>
           <a:stretch>
             <a:fillRect/>
           </a:stretch>
         </p:blipFill>
         <p:spPr>
           <a:xfrm>
-            <a:off x="852273" y="2269108"/>
-            <a:ext cx="8832273" cy="4223767"/>
+            <a:off x="838201" y="5323069"/>
+            <a:ext cx="7018020" cy="836058"/>
           </a:xfrm>
           <a:prstGeom prst="rect">
             <a:avLst/>
           </a:prstGeom>
         </p:spPr>
       </p:pic>
-      <p:sp>
-        <p:nvSpPr>
-          <p:cNvPr id="5" name="CasellaDiTesto 4">
-            <a:extLst>
-              <a:ext uri="{FF2B5EF4-FFF2-40B4-BE49-F238E27FC236}">
-                <a16:creationId xmlns:a16="http://schemas.microsoft.com/office/drawing/2014/main" id="{6CA24BEB-5545-BB48-6276-4D2F6D4A8B36}"/>
+      <p:pic>
+        <p:nvPicPr>
+          <p:cNvPr id="12" name="Immagine 11">
+            <a:extLst>
+              <a:ext uri="{FF2B5EF4-FFF2-40B4-BE49-F238E27FC236}">
+                <a16:creationId xmlns:a16="http://schemas.microsoft.com/office/drawing/2014/main" id="{2A571B3A-5A04-E908-9029-6243A271EB63}"/>
+              </a:ext>
+            </a:extLst>
+          </p:cNvPr>
+          <p:cNvPicPr>
+            <a:picLocks noChangeAspect="1"/>
+          </p:cNvPicPr>
+          <p:nvPr/>
+        </p:nvPicPr>
+        <p:blipFill>
+          <a:blip r:embed="rId5"/>
+          <a:stretch>
+            <a:fillRect/>
+          </a:stretch>
+        </p:blipFill>
+        <p:spPr>
+          <a:xfrm>
+            <a:off x="8694422" y="1848907"/>
+            <a:ext cx="2739607" cy="4643968"/>
+          </a:xfrm>
+          <a:prstGeom prst="rect">
+            <a:avLst/>
+          </a:prstGeom>
+        </p:spPr>
+      </p:pic>
+      <p:sp>
+        <p:nvSpPr>
+          <p:cNvPr id="13" name="Freccia a sinistra 12">
+            <a:extLst>
+              <a:ext uri="{FF2B5EF4-FFF2-40B4-BE49-F238E27FC236}">
+                <a16:creationId xmlns:a16="http://schemas.microsoft.com/office/drawing/2014/main" id="{C7A23B29-BC66-FC88-35EA-21DF38CF0D90}"/>
+              </a:ext>
+            </a:extLst>
+          </p:cNvPr>
+          <p:cNvSpPr/>
+          <p:nvPr/>
+        </p:nvSpPr>
+        <p:spPr>
+          <a:xfrm>
+            <a:off x="4939652" y="4170891"/>
+            <a:ext cx="1013460" cy="489651"/>
+          </a:xfrm>
+          <a:prstGeom prst="leftArrow">
+            <a:avLst/>
+          </a:prstGeom>
+          <a:solidFill>
+            <a:srgbClr val="FF0000"/>
+          </a:solidFill>
+          <a:ln>
+            <a:solidFill>
+              <a:srgbClr val="FF0000"/>
+            </a:solidFill>
+          </a:ln>
+        </p:spPr>
+        <p:style>
+          <a:lnRef idx="2">
+            <a:schemeClr val="accent1">
+              <a:shade val="15000"/>
+            </a:schemeClr>
+          </a:lnRef>
+          <a:fillRef idx="1">
+            <a:schemeClr val="accent1"/>
+          </a:fillRef>
+          <a:effectRef idx="0">
+            <a:schemeClr val="accent1"/>
+          </a:effectRef>
+          <a:fontRef idx="minor">
+            <a:schemeClr val="lt1"/>
+          </a:fontRef>
+        </p:style>
+        <p:txBody>
+          <a:bodyPr rtlCol="0" anchor="ctr"/>
+          <a:lstStyle/>
+          <a:p>
+            <a:pPr algn="ctr"/>
+            <a:endParaRPr lang="it-IT"/>
+          </a:p>
+        </p:txBody>
+      </p:sp>
+      <p:pic>
+        <p:nvPicPr>
+          <p:cNvPr id="4" name="Immagine 3" descr="Immagine che contiene sorridente, giocattolo, giallo, emoticon&#10;&#10;Descrizione generata automaticamente">
+            <a:extLst>
+              <a:ext uri="{FF2B5EF4-FFF2-40B4-BE49-F238E27FC236}">
+                <a16:creationId xmlns:a16="http://schemas.microsoft.com/office/drawing/2014/main" id="{45C84F84-DB13-2FC4-697F-7E6484B4A5F1}"/>
+              </a:ext>
+            </a:extLst>
+          </p:cNvPr>
+          <p:cNvPicPr>
+            <a:picLocks noChangeAspect="1"/>
+          </p:cNvPicPr>
+          <p:nvPr/>
+        </p:nvPicPr>
+        <p:blipFill>
+          <a:blip r:embed="rId6">
+            <a:extLst>
+              <a:ext uri="{28A0092B-C50C-407E-A947-70E740481C1C}">
+                <a14:useLocalDpi xmlns:a14="http://schemas.microsoft.com/office/drawing/2010/main" val="0"/>
+              </a:ext>
+            </a:extLst>
+          </a:blip>
+          <a:stretch>
+            <a:fillRect/>
+          </a:stretch>
+        </p:blipFill>
+        <p:spPr>
+          <a:xfrm>
+            <a:off x="7145817" y="3312199"/>
+            <a:ext cx="1212353" cy="1311999"/>
+          </a:xfrm>
+          <a:prstGeom prst="rect">
+            <a:avLst/>
+          </a:prstGeom>
+        </p:spPr>
+      </p:pic>
+      <p:sp>
+        <p:nvSpPr>
+          <p:cNvPr id="6" name="CasellaDiTesto 5">
+            <a:extLst>
+              <a:ext uri="{FF2B5EF4-FFF2-40B4-BE49-F238E27FC236}">
+                <a16:creationId xmlns:a16="http://schemas.microsoft.com/office/drawing/2014/main" id="{41DDFAE2-44E4-B496-FB2E-5B8295882BB2}"/>
               </a:ext>
             </a:extLst>
           </p:cNvPr>
@@ -7260,7 +9885,7 @@
         </p:nvSpPr>
         <p:spPr>
           <a:xfrm>
-            <a:off x="852273" y="1483577"/>
+            <a:off x="852273" y="1446632"/>
             <a:ext cx="2206925" cy="646331"/>
           </a:xfrm>
           <a:prstGeom prst="rect">
@@ -7290,59 +9915,10 @@
           </a:p>
         </p:txBody>
       </p:sp>
-      <p:sp>
-        <p:nvSpPr>
-          <p:cNvPr id="6" name="Rettangolo 5">
-            <a:extLst>
-              <a:ext uri="{FF2B5EF4-FFF2-40B4-BE49-F238E27FC236}">
-                <a16:creationId xmlns:a16="http://schemas.microsoft.com/office/drawing/2014/main" id="{66DC955B-D609-C72A-C4ED-837C1C0176CC}"/>
-              </a:ext>
-            </a:extLst>
-          </p:cNvPr>
-          <p:cNvSpPr/>
-          <p:nvPr/>
-        </p:nvSpPr>
-        <p:spPr>
-          <a:xfrm>
-            <a:off x="1056443" y="3648722"/>
-            <a:ext cx="994299" cy="168676"/>
-          </a:xfrm>
-          <a:prstGeom prst="rect">
-            <a:avLst/>
-          </a:prstGeom>
-          <a:ln>
-            <a:solidFill>
-              <a:schemeClr val="bg1"/>
-            </a:solidFill>
-          </a:ln>
-        </p:spPr>
-        <p:style>
-          <a:lnRef idx="2">
-            <a:schemeClr val="accent6"/>
-          </a:lnRef>
-          <a:fillRef idx="1">
-            <a:schemeClr val="lt1"/>
-          </a:fillRef>
-          <a:effectRef idx="0">
-            <a:schemeClr val="accent6"/>
-          </a:effectRef>
-          <a:fontRef idx="minor">
-            <a:schemeClr val="dk1"/>
-          </a:fontRef>
-        </p:style>
-        <p:txBody>
-          <a:bodyPr rtlCol="0" anchor="ctr"/>
-          <a:lstStyle/>
-          <a:p>
-            <a:pPr algn="ctr"/>
-            <a:endParaRPr lang="it-IT"/>
-          </a:p>
-        </p:txBody>
-      </p:sp>
     </p:spTree>
     <p:extLst>
       <p:ext uri="{BB962C8B-B14F-4D97-AF65-F5344CB8AC3E}">
-        <p14:creationId xmlns:p14="http://schemas.microsoft.com/office/powerpoint/2010/main" val="2622432160"/>
+        <p14:creationId xmlns:p14="http://schemas.microsoft.com/office/powerpoint/2010/main" val="876523036"/>
       </p:ext>
     </p:extLst>
   </p:cSld>
@@ -7355,6 +9931,14 @@
 <file path=ppt/slides/slide8.xml><?xml version="1.0" encoding="utf-8"?>
 <p:sld xmlns:a="http://schemas.openxmlformats.org/drawingml/2006/main" xmlns:r="http://schemas.openxmlformats.org/officeDocument/2006/relationships" xmlns:p="http://schemas.openxmlformats.org/presentationml/2006/main">
   <p:cSld>
+    <p:bg>
+      <p:bgPr>
+        <a:solidFill>
+          <a:srgbClr val="000000"/>
+        </a:solidFill>
+        <a:effectLst/>
+      </p:bgPr>
+    </p:bg>
     <p:spTree>
       <p:nvGrpSpPr>
         <p:cNvPr id="1" name=""/>
@@ -7369,12 +9953,104 @@
           <a:chExt cx="0" cy="0"/>
         </a:xfrm>
       </p:grpSpPr>
+      <p:sp>
+        <p:nvSpPr>
+          <p:cNvPr id="14" name="Rectangle 13">
+            <a:extLst>
+              <a:ext uri="{FF2B5EF4-FFF2-40B4-BE49-F238E27FC236}">
+                <a16:creationId xmlns:a16="http://schemas.microsoft.com/office/drawing/2014/main" id="{71B2258F-86CA-4D4D-8270-BC05FCDEBFB3}"/>
+              </a:ext>
+              <a:ext uri="{C183D7F6-B498-43B3-948B-1728B52AA6E4}">
+                <adec:decorative xmlns:adec="http://schemas.microsoft.com/office/drawing/2017/decorative" val="1"/>
+              </a:ext>
+            </a:extLst>
+          </p:cNvPr>
+          <p:cNvSpPr>
+            <a:spLocks noGrp="1" noRot="1" noChangeAspect="1" noMove="1" noResize="1" noEditPoints="1" noAdjustHandles="1" noChangeArrowheads="1" noChangeShapeType="1" noTextEdit="1"/>
+          </p:cNvSpPr>
+          <p:nvPr>
+            <p:extLst>
+              <p:ext uri="{386F3935-93C4-4BCD-93E2-E3B085C9AB24}">
+                <p16:designElem xmlns:p16="http://schemas.microsoft.com/office/powerpoint/2015/main" val="1"/>
+              </p:ext>
+            </p:extLst>
+          </p:nvPr>
+        </p:nvSpPr>
+        <p:spPr>
+          <a:xfrm>
+            <a:off x="0" y="0"/>
+            <a:ext cx="12192000" cy="6857999"/>
+          </a:xfrm>
+          <a:prstGeom prst="rect">
+            <a:avLst/>
+          </a:prstGeom>
+          <a:solidFill>
+            <a:srgbClr val="000000"/>
+          </a:solidFill>
+          <a:ln>
+            <a:noFill/>
+          </a:ln>
+        </p:spPr>
+        <p:style>
+          <a:lnRef idx="2">
+            <a:schemeClr val="accent1">
+              <a:shade val="50000"/>
+            </a:schemeClr>
+          </a:lnRef>
+          <a:fillRef idx="1">
+            <a:schemeClr val="accent1"/>
+          </a:fillRef>
+          <a:effectRef idx="0">
+            <a:schemeClr val="accent1"/>
+          </a:effectRef>
+          <a:fontRef idx="minor">
+            <a:schemeClr val="lt1"/>
+          </a:fontRef>
+        </p:style>
+        <p:txBody>
+          <a:bodyPr rtlCol="0" anchor="ctr"/>
+          <a:lstStyle/>
+          <a:p>
+            <a:pPr marL="0" marR="0" lvl="0" indent="0" algn="ctr" defTabSz="914400" rtl="0" eaLnBrk="1" fontAlgn="auto" latinLnBrk="0" hangingPunct="1">
+              <a:lnSpc>
+                <a:spcPct val="100000"/>
+              </a:lnSpc>
+              <a:spcBef>
+                <a:spcPts val="0"/>
+              </a:spcBef>
+              <a:spcAft>
+                <a:spcPts val="0"/>
+              </a:spcAft>
+              <a:buClrTx/>
+              <a:buSzTx/>
+              <a:buFontTx/>
+              <a:buNone/>
+              <a:tabLst/>
+              <a:defRPr/>
+            </a:pPr>
+            <a:endParaRPr kumimoji="0" lang="en-US" sz="1800" b="0" i="0" u="none" strike="noStrike" kern="1200" cap="none" spc="0" normalizeH="0" baseline="0" noProof="0">
+              <a:ln>
+                <a:noFill/>
+              </a:ln>
+              <a:solidFill>
+                <a:prstClr val="white"/>
+              </a:solidFill>
+              <a:effectLst/>
+              <a:uLnTx/>
+              <a:uFillTx/>
+              <a:latin typeface="Calibri" panose="020F0502020204030204"/>
+              <a:ea typeface="+mn-ea"/>
+              <a:cs typeface="+mn-cs"/>
+            </a:endParaRPr>
+          </a:p>
+        </p:txBody>
+      </p:sp>
       <p:pic>
         <p:nvPicPr>
-          <p:cNvPr id="3" name="Picture 4" descr="Immagine che contiene Policromia, forniture per ufficio, cancelleria, strumento di scrittura&#10;&#10;Descrizione generata automaticamente">
-            <a:extLst>
-              <a:ext uri="{FF2B5EF4-FFF2-40B4-BE49-F238E27FC236}">
-                <a16:creationId xmlns:a16="http://schemas.microsoft.com/office/drawing/2014/main" id="{D5CFEB29-AE0E-EBCB-E8A5-79E442FEEBDC}"/>
+          <p:cNvPr id="5" name="Picture 4">
+            <a:extLst>
+              <a:ext uri="{FF2B5EF4-FFF2-40B4-BE49-F238E27FC236}">
+                <a16:creationId xmlns:a16="http://schemas.microsoft.com/office/drawing/2014/main" id="{40724E6C-6FD0-7ECD-6680-33616FFD5ED1}"/>
               </a:ext>
             </a:extLst>
           </p:cNvPr>
@@ -7385,14 +10061,14 @@
         </p:nvPicPr>
         <p:blipFill rotWithShape="1">
           <a:blip r:embed="rId2">
-            <a:alphaModFix amt="35000"/>
+            <a:alphaModFix amt="50000"/>
           </a:blip>
           <a:srcRect t="3820" b="11910"/>
           <a:stretch/>
         </p:blipFill>
         <p:spPr>
           <a:xfrm>
-            <a:off x="0" y="1"/>
+            <a:off x="20" y="1"/>
             <a:ext cx="12191980" cy="6857999"/>
           </a:xfrm>
           <a:prstGeom prst="rect">
@@ -7405,7 +10081,7 @@
           <p:cNvPr id="2" name="Titolo 1">
             <a:extLst>
               <a:ext uri="{FF2B5EF4-FFF2-40B4-BE49-F238E27FC236}">
-                <a16:creationId xmlns:a16="http://schemas.microsoft.com/office/drawing/2014/main" id="{A9FB4951-625F-270C-333C-BE32AF659EA2}"/>
+                <a16:creationId xmlns:a16="http://schemas.microsoft.com/office/drawing/2014/main" id="{96FA6D06-8050-A809-5056-D7E77A22BC94}"/>
               </a:ext>
             </a:extLst>
           </p:cNvPr>
@@ -7413,10 +10089,15 @@
             <a:spLocks noGrp="1"/>
           </p:cNvSpPr>
           <p:nvPr>
-            <p:ph type="title"/>
+            <p:ph type="ctrTitle"/>
           </p:nvPr>
         </p:nvSpPr>
-        <p:spPr/>
+        <p:spPr>
+          <a:xfrm>
+            <a:off x="0" y="2905617"/>
+            <a:ext cx="12192000" cy="1046767"/>
+          </a:xfrm>
+        </p:spPr>
         <p:txBody>
           <a:bodyPr>
             <a:normAutofit/>
@@ -7424,66 +10105,128 @@
           <a:lstStyle/>
           <a:p>
             <a:r>
-              <a:rPr lang="it-IT" sz="5000" b="1" dirty="0" err="1">
+              <a:rPr lang="it-IT" sz="6600" b="1" dirty="0" err="1">
+                <a:solidFill>
+                  <a:srgbClr val="FFFFFF"/>
+                </a:solidFill>
                 <a:latin typeface="+mn-lt"/>
               </a:rPr>
               <a:t>GoF</a:t>
             </a:r>
             <a:r>
-              <a:rPr lang="it-IT" sz="5000" b="1" dirty="0">
+              <a:rPr lang="it-IT" sz="6600" b="1" dirty="0">
+                <a:solidFill>
+                  <a:srgbClr val="FFFFFF"/>
+                </a:solidFill>
                 <a:latin typeface="+mn-lt"/>
               </a:rPr>
-              <a:t> BRIDGE</a:t>
-            </a:r>
-          </a:p>
-        </p:txBody>
-      </p:sp>
-      <p:pic>
-        <p:nvPicPr>
-          <p:cNvPr id="7" name="Immagine 6">
-            <a:extLst>
-              <a:ext uri="{FF2B5EF4-FFF2-40B4-BE49-F238E27FC236}">
-                <a16:creationId xmlns:a16="http://schemas.microsoft.com/office/drawing/2014/main" id="{D6B42FB9-8880-6A6F-F843-8E35CD32FCF3}"/>
-              </a:ext>
-            </a:extLst>
-          </p:cNvPr>
-          <p:cNvPicPr>
-            <a:picLocks noChangeAspect="1"/>
-          </p:cNvPicPr>
-          <p:nvPr/>
-        </p:nvPicPr>
-        <p:blipFill>
-          <a:blip r:embed="rId3">
-            <a:extLst>
-              <a:ext uri="{28A0092B-C50C-407E-A947-70E740481C1C}">
-                <a14:useLocalDpi xmlns:a14="http://schemas.microsoft.com/office/drawing/2010/main" val="0"/>
-              </a:ext>
-            </a:extLst>
-          </a:blip>
-          <a:stretch>
-            <a:fillRect/>
-          </a:stretch>
-        </p:blipFill>
-        <p:spPr>
-          <a:xfrm>
-            <a:off x="2509701" y="1559634"/>
-            <a:ext cx="7172578" cy="4679763"/>
-          </a:xfrm>
-          <a:prstGeom prst="rect">
-            <a:avLst/>
-          </a:prstGeom>
-        </p:spPr>
-      </p:pic>
+              <a:t>	Repository</a:t>
+            </a:r>
+          </a:p>
+        </p:txBody>
+      </p:sp>
     </p:spTree>
     <p:extLst>
       <p:ext uri="{BB962C8B-B14F-4D97-AF65-F5344CB8AC3E}">
-        <p14:creationId xmlns:p14="http://schemas.microsoft.com/office/powerpoint/2010/main" val="1933716718"/>
+        <p14:creationId xmlns:p14="http://schemas.microsoft.com/office/powerpoint/2010/main" val="1853601065"/>
       </p:ext>
     </p:extLst>
   </p:cSld>
   <p:clrMapOvr>
-    <a:masterClrMapping/>
+    <a:overrideClrMapping bg1="dk1" tx1="lt1" bg2="dk2" tx2="lt2" accent1="accent1" accent2="accent2" accent3="accent3" accent4="accent4" accent5="accent5" accent6="accent6" hlink="hlink" folHlink="folHlink"/>
   </p:clrMapOvr>
+  <p:timing>
+    <p:tnLst>
+      <p:par>
+        <p:cTn id="1" dur="indefinite" restart="never" nodeType="tmRoot">
+          <p:childTnLst>
+            <p:seq concurrent="1" nextAc="seek">
+              <p:cTn id="2" dur="indefinite" nodeType="mainSeq">
+                <p:childTnLst>
+                  <p:par>
+                    <p:cTn id="3" fill="hold">
+                      <p:stCondLst>
+                        <p:cond delay="indefinite"/>
+                        <p:cond evt="onBegin" delay="0">
+                          <p:tn val="2"/>
+                        </p:cond>
+                      </p:stCondLst>
+                      <p:childTnLst>
+                        <p:par>
+                          <p:cTn id="4" fill="hold">
+                            <p:stCondLst>
+                              <p:cond delay="0"/>
+                            </p:stCondLst>
+                            <p:childTnLst>
+                              <p:par>
+                                <p:cTn id="5" presetID="10" presetClass="entr" presetSubtype="0" fill="hold" grpId="0" nodeType="withEffect">
+                                  <p:stCondLst>
+                                    <p:cond delay="1000"/>
+                                  </p:stCondLst>
+                                  <p:iterate type="lt">
+                                    <p:tmPct val="10000"/>
+                                  </p:iterate>
+                                  <p:childTnLst>
+                                    <p:set>
+                                      <p:cBhvr>
+                                        <p:cTn id="6" dur="1" fill="hold">
+                                          <p:stCondLst>
+                                            <p:cond delay="0"/>
+                                          </p:stCondLst>
+                                        </p:cTn>
+                                        <p:tgtEl>
+                                          <p:spTgt spid="2"/>
+                                        </p:tgtEl>
+                                        <p:attrNameLst>
+                                          <p:attrName>style.visibility</p:attrName>
+                                        </p:attrNameLst>
+                                      </p:cBhvr>
+                                      <p:to>
+                                        <p:strVal val="visible"/>
+                                      </p:to>
+                                    </p:set>
+                                    <p:animEffect transition="in" filter="fade">
+                                      <p:cBhvr>
+                                        <p:cTn id="7" dur="400"/>
+                                        <p:tgtEl>
+                                          <p:spTgt spid="2"/>
+                                        </p:tgtEl>
+                                      </p:cBhvr>
+                                    </p:animEffect>
+                                  </p:childTnLst>
+                                </p:cTn>
+                              </p:par>
+                            </p:childTnLst>
+                          </p:cTn>
+                        </p:par>
+                      </p:childTnLst>
+                    </p:cTn>
+                  </p:par>
+                </p:childTnLst>
+              </p:cTn>
+              <p:prevCondLst>
+                <p:cond evt="onPrev" delay="0">
+                  <p:tgtEl>
+                    <p:sldTgt/>
+                  </p:tgtEl>
+                </p:cond>
+              </p:prevCondLst>
+              <p:nextCondLst>
+                <p:cond evt="onNext" delay="0">
+                  <p:tgtEl>
+                    <p:sldTgt/>
+                  </p:tgtEl>
+                </p:cond>
+              </p:nextCondLst>
+            </p:seq>
+          </p:childTnLst>
+        </p:cTn>
+      </p:par>
+    </p:tnLst>
+    <p:bldLst>
+      <p:bldP spid="2" grpId="0"/>
+    </p:bldLst>
+  </p:timing>
 </p:sld>
 </file>
 
@@ -7509,7 +10252,7 @@
           <p:cNvPr id="3" name="Picture 4" descr="Immagine che contiene Policromia, forniture per ufficio, cancelleria, strumento di scrittura&#10;&#10;Descrizione generata automaticamente">
             <a:extLst>
               <a:ext uri="{FF2B5EF4-FFF2-40B4-BE49-F238E27FC236}">
-                <a16:creationId xmlns:a16="http://schemas.microsoft.com/office/drawing/2014/main" id="{D5CFEB29-AE0E-EBCB-E8A5-79E442FEEBDC}"/>
+                <a16:creationId xmlns:a16="http://schemas.microsoft.com/office/drawing/2014/main" id="{9EE90809-6BFD-CBDA-144A-10EEBB0A81FA}"/>
               </a:ext>
             </a:extLst>
           </p:cNvPr>
@@ -7527,7 +10270,7 @@
         </p:blipFill>
         <p:spPr>
           <a:xfrm>
-            <a:off x="0" y="1"/>
+            <a:off x="0" y="0"/>
             <a:ext cx="12191980" cy="6857999"/>
           </a:xfrm>
           <a:prstGeom prst="rect">
@@ -7559,18 +10302,128 @@
           <a:lstStyle/>
           <a:p>
             <a:r>
+              <a:rPr lang="it-IT" sz="5000" b="1" dirty="0" err="1">
+                <a:latin typeface="+mn-lt"/>
+              </a:rPr>
+              <a:t>GoF</a:t>
+            </a:r>
+            <a:r>
               <a:rPr lang="it-IT" sz="5000" b="1" dirty="0">
                 <a:latin typeface="+mn-lt"/>
               </a:rPr>
-              <a:t>TESTING</a:t>
-            </a:r>
-          </a:p>
-        </p:txBody>
-      </p:sp>
+              <a:t> REPOSITORY</a:t>
+            </a:r>
+          </a:p>
+        </p:txBody>
+      </p:sp>
+      <p:pic>
+        <p:nvPicPr>
+          <p:cNvPr id="5" name="Immagine 4">
+            <a:extLst>
+              <a:ext uri="{FF2B5EF4-FFF2-40B4-BE49-F238E27FC236}">
+                <a16:creationId xmlns:a16="http://schemas.microsoft.com/office/drawing/2014/main" id="{B2FB25B4-0640-5F4E-0378-81759D0234F2}"/>
+              </a:ext>
+            </a:extLst>
+          </p:cNvPr>
+          <p:cNvPicPr>
+            <a:picLocks noChangeAspect="1"/>
+          </p:cNvPicPr>
+          <p:nvPr/>
+        </p:nvPicPr>
+        <p:blipFill>
+          <a:blip r:embed="rId3"/>
+          <a:stretch>
+            <a:fillRect/>
+          </a:stretch>
+        </p:blipFill>
+        <p:spPr>
+          <a:xfrm>
+            <a:off x="838199" y="3552343"/>
+            <a:ext cx="7831348" cy="2505059"/>
+          </a:xfrm>
+          <a:prstGeom prst="rect">
+            <a:avLst/>
+          </a:prstGeom>
+        </p:spPr>
+      </p:pic>
+      <p:sp>
+        <p:nvSpPr>
+          <p:cNvPr id="4" name="CasellaDiTesto 3">
+            <a:extLst>
+              <a:ext uri="{FF2B5EF4-FFF2-40B4-BE49-F238E27FC236}">
+                <a16:creationId xmlns:a16="http://schemas.microsoft.com/office/drawing/2014/main" id="{1342C5C3-9283-F16B-F43F-E839B7426B0D}"/>
+              </a:ext>
+            </a:extLst>
+          </p:cNvPr>
+          <p:cNvSpPr txBox="1"/>
+          <p:nvPr/>
+        </p:nvSpPr>
+        <p:spPr>
+          <a:xfrm>
+            <a:off x="838199" y="1975184"/>
+            <a:ext cx="2206925" cy="646331"/>
+          </a:xfrm>
+          <a:prstGeom prst="rect">
+            <a:avLst/>
+          </a:prstGeom>
+          <a:noFill/>
+        </p:spPr>
+        <p:txBody>
+          <a:bodyPr wrap="square" rtlCol="0">
+            <a:spAutoFit/>
+          </a:bodyPr>
+          <a:lstStyle/>
+          <a:p>
+            <a:r>
+              <a:rPr lang="it-IT" sz="3600" b="1" dirty="0">
+                <a:solidFill>
+                  <a:srgbClr val="FF0000"/>
+                </a:solidFill>
+              </a:rPr>
+              <a:t>PRIMA!</a:t>
+            </a:r>
+            <a:endParaRPr lang="it-IT" b="1" dirty="0">
+              <a:solidFill>
+                <a:srgbClr val="FF0000"/>
+              </a:solidFill>
+            </a:endParaRPr>
+          </a:p>
+        </p:txBody>
+      </p:sp>
+      <p:pic>
+        <p:nvPicPr>
+          <p:cNvPr id="7" name="Immagine 6">
+            <a:extLst>
+              <a:ext uri="{FF2B5EF4-FFF2-40B4-BE49-F238E27FC236}">
+                <a16:creationId xmlns:a16="http://schemas.microsoft.com/office/drawing/2014/main" id="{41F19A0B-8A45-CE62-8522-DB247A6A14A2}"/>
+              </a:ext>
+            </a:extLst>
+          </p:cNvPr>
+          <p:cNvPicPr>
+            <a:picLocks noChangeAspect="1"/>
+          </p:cNvPicPr>
+          <p:nvPr/>
+        </p:nvPicPr>
+        <p:blipFill>
+          <a:blip r:embed="rId4"/>
+          <a:stretch>
+            <a:fillRect/>
+          </a:stretch>
+        </p:blipFill>
+        <p:spPr>
+          <a:xfrm>
+            <a:off x="5375252" y="1690688"/>
+            <a:ext cx="6595490" cy="2105439"/>
+          </a:xfrm>
+          <a:prstGeom prst="rect">
+            <a:avLst/>
+          </a:prstGeom>
+        </p:spPr>
+      </p:pic>
     </p:spTree>
     <p:extLst>
       <p:ext uri="{BB962C8B-B14F-4D97-AF65-F5344CB8AC3E}">
-        <p14:creationId xmlns:p14="http://schemas.microsoft.com/office/powerpoint/2010/main" val="4086530053"/>
+        <p14:creationId xmlns:p14="http://schemas.microsoft.com/office/powerpoint/2010/main" val="2437469110"/>
       </p:ext>
     </p:extLst>
   </p:cSld>
